--- a/documents/velog표지.pptx
+++ b/documents/velog표지.pptx
@@ -11,7 +11,12 @@
     <p:sldId id="259" r:id="rId5"/>
     <p:sldId id="260" r:id="rId6"/>
     <p:sldId id="261" r:id="rId7"/>
-    <p:sldId id="262" r:id="rId8"/>
+    <p:sldId id="263" r:id="rId8"/>
+    <p:sldId id="262" r:id="rId9"/>
+    <p:sldId id="264" r:id="rId10"/>
+    <p:sldId id="265" r:id="rId11"/>
+    <p:sldId id="266" r:id="rId12"/>
+    <p:sldId id="267" r:id="rId13"/>
   </p:sldIdLst>
   <p:sldSz cx="12192000" cy="6858000"/>
   <p:notesSz cx="6858000" cy="9144000"/>
@@ -110,6 +115,11 @@
       </a:defRPr>
     </a:lvl9pPr>
   </p:defaultTextStyle>
+  <p:extLst>
+    <p:ext uri="{EFAFB233-063F-42B5-8137-9DF3F51BA10A}">
+      <p15:sldGuideLst xmlns:p15="http://schemas.microsoft.com/office/powerpoint/2012/main"/>
+    </p:ext>
+  </p:extLst>
 </p:presentation>
 </file>
 
@@ -260,7 +270,7 @@
           <a:p>
             <a:fld id="{A899A366-AF62-6845-975E-FC3B3834C0E4}" type="datetimeFigureOut">
               <a:rPr kumimoji="1" lang="ko-KR" altLang="en-US" smtClean="0"/>
-              <a:t>2025. 2. 26.</a:t>
+              <a:t>2025. 3. 27.</a:t>
             </a:fld>
             <a:endParaRPr kumimoji="1" lang="ko-KR" altLang="en-US"/>
           </a:p>
@@ -458,7 +468,7 @@
           <a:p>
             <a:fld id="{A899A366-AF62-6845-975E-FC3B3834C0E4}" type="datetimeFigureOut">
               <a:rPr kumimoji="1" lang="ko-KR" altLang="en-US" smtClean="0"/>
-              <a:t>2025. 2. 26.</a:t>
+              <a:t>2025. 3. 27.</a:t>
             </a:fld>
             <a:endParaRPr kumimoji="1" lang="ko-KR" altLang="en-US"/>
           </a:p>
@@ -666,7 +676,7 @@
           <a:p>
             <a:fld id="{A899A366-AF62-6845-975E-FC3B3834C0E4}" type="datetimeFigureOut">
               <a:rPr kumimoji="1" lang="ko-KR" altLang="en-US" smtClean="0"/>
-              <a:t>2025. 2. 26.</a:t>
+              <a:t>2025. 3. 27.</a:t>
             </a:fld>
             <a:endParaRPr kumimoji="1" lang="ko-KR" altLang="en-US"/>
           </a:p>
@@ -864,7 +874,7 @@
           <a:p>
             <a:fld id="{A899A366-AF62-6845-975E-FC3B3834C0E4}" type="datetimeFigureOut">
               <a:rPr kumimoji="1" lang="ko-KR" altLang="en-US" smtClean="0"/>
-              <a:t>2025. 2. 26.</a:t>
+              <a:t>2025. 3. 27.</a:t>
             </a:fld>
             <a:endParaRPr kumimoji="1" lang="ko-KR" altLang="en-US"/>
           </a:p>
@@ -1139,7 +1149,7 @@
           <a:p>
             <a:fld id="{A899A366-AF62-6845-975E-FC3B3834C0E4}" type="datetimeFigureOut">
               <a:rPr kumimoji="1" lang="ko-KR" altLang="en-US" smtClean="0"/>
-              <a:t>2025. 2. 26.</a:t>
+              <a:t>2025. 3. 27.</a:t>
             </a:fld>
             <a:endParaRPr kumimoji="1" lang="ko-KR" altLang="en-US"/>
           </a:p>
@@ -1404,7 +1414,7 @@
           <a:p>
             <a:fld id="{A899A366-AF62-6845-975E-FC3B3834C0E4}" type="datetimeFigureOut">
               <a:rPr kumimoji="1" lang="ko-KR" altLang="en-US" smtClean="0"/>
-              <a:t>2025. 2. 26.</a:t>
+              <a:t>2025. 3. 27.</a:t>
             </a:fld>
             <a:endParaRPr kumimoji="1" lang="ko-KR" altLang="en-US"/>
           </a:p>
@@ -1816,7 +1826,7 @@
           <a:p>
             <a:fld id="{A899A366-AF62-6845-975E-FC3B3834C0E4}" type="datetimeFigureOut">
               <a:rPr kumimoji="1" lang="ko-KR" altLang="en-US" smtClean="0"/>
-              <a:t>2025. 2. 26.</a:t>
+              <a:t>2025. 3. 27.</a:t>
             </a:fld>
             <a:endParaRPr kumimoji="1" lang="ko-KR" altLang="en-US"/>
           </a:p>
@@ -1957,7 +1967,7 @@
           <a:p>
             <a:fld id="{A899A366-AF62-6845-975E-FC3B3834C0E4}" type="datetimeFigureOut">
               <a:rPr kumimoji="1" lang="ko-KR" altLang="en-US" smtClean="0"/>
-              <a:t>2025. 2. 26.</a:t>
+              <a:t>2025. 3. 27.</a:t>
             </a:fld>
             <a:endParaRPr kumimoji="1" lang="ko-KR" altLang="en-US"/>
           </a:p>
@@ -2070,7 +2080,7 @@
           <a:p>
             <a:fld id="{A899A366-AF62-6845-975E-FC3B3834C0E4}" type="datetimeFigureOut">
               <a:rPr kumimoji="1" lang="ko-KR" altLang="en-US" smtClean="0"/>
-              <a:t>2025. 2. 26.</a:t>
+              <a:t>2025. 3. 27.</a:t>
             </a:fld>
             <a:endParaRPr kumimoji="1" lang="ko-KR" altLang="en-US"/>
           </a:p>
@@ -2381,7 +2391,7 @@
           <a:p>
             <a:fld id="{A899A366-AF62-6845-975E-FC3B3834C0E4}" type="datetimeFigureOut">
               <a:rPr kumimoji="1" lang="ko-KR" altLang="en-US" smtClean="0"/>
-              <a:t>2025. 2. 26.</a:t>
+              <a:t>2025. 3. 27.</a:t>
             </a:fld>
             <a:endParaRPr kumimoji="1" lang="ko-KR" altLang="en-US"/>
           </a:p>
@@ -2669,7 +2679,7 @@
           <a:p>
             <a:fld id="{A899A366-AF62-6845-975E-FC3B3834C0E4}" type="datetimeFigureOut">
               <a:rPr kumimoji="1" lang="ko-KR" altLang="en-US" smtClean="0"/>
-              <a:t>2025. 2. 26.</a:t>
+              <a:t>2025. 3. 27.</a:t>
             </a:fld>
             <a:endParaRPr kumimoji="1" lang="ko-KR" altLang="en-US"/>
           </a:p>
@@ -2910,7 +2920,7 @@
           <a:p>
             <a:fld id="{A899A366-AF62-6845-975E-FC3B3834C0E4}" type="datetimeFigureOut">
               <a:rPr kumimoji="1" lang="ko-KR" altLang="en-US" smtClean="0"/>
-              <a:t>2025. 2. 26.</a:t>
+              <a:t>2025. 3. 27.</a:t>
             </a:fld>
             <a:endParaRPr kumimoji="1" lang="ko-KR" altLang="en-US"/>
           </a:p>
@@ -3665,6 +3675,1071 @@
 </p:sld>
 </file>
 
+<file path=ppt/slides/slide10.xml><?xml version="1.0" encoding="utf-8"?>
+<p:sld xmlns:a="http://schemas.openxmlformats.org/drawingml/2006/main" xmlns:r="http://schemas.openxmlformats.org/officeDocument/2006/relationships" xmlns:p="http://schemas.openxmlformats.org/presentationml/2006/main">
+  <p:cSld>
+    <p:bg>
+      <p:bgPr>
+        <a:solidFill>
+          <a:srgbClr val="EBE4D4"/>
+        </a:solidFill>
+        <a:effectLst/>
+      </p:bgPr>
+    </p:bg>
+    <p:spTree>
+      <p:nvGrpSpPr>
+        <p:cNvPr id="1" name=""/>
+        <p:cNvGrpSpPr/>
+        <p:nvPr/>
+      </p:nvGrpSpPr>
+      <p:grpSpPr>
+        <a:xfrm>
+          <a:off x="0" y="0"/>
+          <a:ext cx="0" cy="0"/>
+          <a:chOff x="0" y="0"/>
+          <a:chExt cx="0" cy="0"/>
+        </a:xfrm>
+      </p:grpSpPr>
+      <p:sp>
+        <p:nvSpPr>
+          <p:cNvPr id="2" name="제목 1">
+            <a:extLst>
+              <a:ext uri="{FF2B5EF4-FFF2-40B4-BE49-F238E27FC236}">
+                <a16:creationId xmlns:a16="http://schemas.microsoft.com/office/drawing/2014/main" id="{85129C55-FA6B-CE97-8627-AC9C8231BE65}"/>
+              </a:ext>
+            </a:extLst>
+          </p:cNvPr>
+          <p:cNvSpPr>
+            <a:spLocks noGrp="1"/>
+          </p:cNvSpPr>
+          <p:nvPr>
+            <p:ph type="ctrTitle"/>
+          </p:nvPr>
+        </p:nvSpPr>
+        <p:spPr>
+          <a:xfrm>
+            <a:off x="1524000" y="2575230"/>
+            <a:ext cx="9144000" cy="1707540"/>
+          </a:xfrm>
+        </p:spPr>
+        <p:txBody>
+          <a:bodyPr>
+            <a:noAutofit/>
+          </a:bodyPr>
+          <a:lstStyle/>
+          <a:p>
+            <a:r>
+              <a:rPr kumimoji="1" lang="en-US" altLang="ko-KR" sz="12500" b="1" dirty="0">
+                <a:solidFill>
+                  <a:srgbClr val="242529"/>
+                </a:solidFill>
+                <a:latin typeface="Red Rose" pitchFamily="2" charset="0"/>
+              </a:rPr>
+              <a:t>TAROYAKI</a:t>
+            </a:r>
+            <a:r>
+              <a:rPr kumimoji="1" lang="en-US" altLang="ko-KR" sz="12500" dirty="0">
+                <a:solidFill>
+                  <a:srgbClr val="242529"/>
+                </a:solidFill>
+              </a:rPr>
+              <a:t> </a:t>
+            </a:r>
+            <a:endParaRPr kumimoji="1" lang="ko-KR" altLang="en-US" sz="12500" dirty="0">
+              <a:solidFill>
+                <a:srgbClr val="242529"/>
+              </a:solidFill>
+            </a:endParaRPr>
+          </a:p>
+        </p:txBody>
+      </p:sp>
+      <p:sp>
+        <p:nvSpPr>
+          <p:cNvPr id="3" name="부제목 2">
+            <a:extLst>
+              <a:ext uri="{FF2B5EF4-FFF2-40B4-BE49-F238E27FC236}">
+                <a16:creationId xmlns:a16="http://schemas.microsoft.com/office/drawing/2014/main" id="{CBAC183D-DDA8-FC7A-A215-24267CA08DE6}"/>
+              </a:ext>
+            </a:extLst>
+          </p:cNvPr>
+          <p:cNvSpPr>
+            <a:spLocks noGrp="1"/>
+          </p:cNvSpPr>
+          <p:nvPr>
+            <p:ph type="subTitle" idx="1"/>
+          </p:nvPr>
+        </p:nvSpPr>
+        <p:spPr>
+          <a:xfrm>
+            <a:off x="1524000" y="4774792"/>
+            <a:ext cx="9144000" cy="820060"/>
+          </a:xfrm>
+        </p:spPr>
+        <p:txBody>
+          <a:bodyPr>
+            <a:normAutofit/>
+          </a:bodyPr>
+          <a:lstStyle/>
+          <a:p>
+            <a:r>
+              <a:rPr kumimoji="1" lang="en-US" altLang="ko-KR" sz="3600" dirty="0">
+                <a:solidFill>
+                  <a:srgbClr val="242529"/>
+                </a:solidFill>
+                <a:latin typeface="Pretendard" panose="02000503000000020004" pitchFamily="2" charset="-127"/>
+                <a:ea typeface="Pretendard" panose="02000503000000020004" pitchFamily="2" charset="-127"/>
+                <a:cs typeface="Pretendard" panose="02000503000000020004" pitchFamily="2" charset="-127"/>
+              </a:rPr>
+              <a:t>Ep8</a:t>
+            </a:r>
+            <a:endParaRPr kumimoji="1" lang="ko-KR" altLang="en-US" sz="3600" dirty="0">
+              <a:solidFill>
+                <a:srgbClr val="242529"/>
+              </a:solidFill>
+              <a:latin typeface="Pretendard" panose="02000503000000020004" pitchFamily="2" charset="-127"/>
+              <a:ea typeface="Pretendard" panose="02000503000000020004" pitchFamily="2" charset="-127"/>
+              <a:cs typeface="Pretendard" panose="02000503000000020004" pitchFamily="2" charset="-127"/>
+            </a:endParaRPr>
+          </a:p>
+        </p:txBody>
+      </p:sp>
+      <p:sp>
+        <p:nvSpPr>
+          <p:cNvPr id="4" name="부제목 2">
+            <a:extLst>
+              <a:ext uri="{FF2B5EF4-FFF2-40B4-BE49-F238E27FC236}">
+                <a16:creationId xmlns:a16="http://schemas.microsoft.com/office/drawing/2014/main" id="{21F8209E-B29E-D313-7004-E0E0F59BD6E7}"/>
+              </a:ext>
+            </a:extLst>
+          </p:cNvPr>
+          <p:cNvSpPr txBox="1">
+            <a:spLocks/>
+          </p:cNvSpPr>
+          <p:nvPr/>
+        </p:nvSpPr>
+        <p:spPr>
+          <a:xfrm>
+            <a:off x="2911719" y="1793123"/>
+            <a:ext cx="6368561" cy="580170"/>
+          </a:xfrm>
+          <a:prstGeom prst="rect">
+            <a:avLst/>
+          </a:prstGeom>
+        </p:spPr>
+        <p:txBody>
+          <a:bodyPr vert="horz" lIns="91440" tIns="45720" rIns="91440" bIns="45720" rtlCol="0">
+            <a:normAutofit/>
+          </a:bodyPr>
+          <a:lstStyle>
+            <a:lvl1pPr marL="0" indent="0" algn="ctr" defTabSz="914400" rtl="0" eaLnBrk="1" latinLnBrk="1" hangingPunct="1">
+              <a:lnSpc>
+                <a:spcPct val="90000"/>
+              </a:lnSpc>
+              <a:spcBef>
+                <a:spcPts val="1000"/>
+              </a:spcBef>
+              <a:buFont typeface="Arial" panose="020B0604020202020204" pitchFamily="34" charset="0"/>
+              <a:buNone/>
+              <a:defRPr sz="2400" kern="1200">
+                <a:solidFill>
+                  <a:schemeClr val="tx1"/>
+                </a:solidFill>
+                <a:latin typeface="+mn-lt"/>
+                <a:ea typeface="+mn-ea"/>
+                <a:cs typeface="+mn-cs"/>
+              </a:defRPr>
+            </a:lvl1pPr>
+            <a:lvl2pPr marL="457200" indent="0" algn="ctr" defTabSz="914400" rtl="0" eaLnBrk="1" latinLnBrk="1" hangingPunct="1">
+              <a:lnSpc>
+                <a:spcPct val="90000"/>
+              </a:lnSpc>
+              <a:spcBef>
+                <a:spcPts val="500"/>
+              </a:spcBef>
+              <a:buFont typeface="Arial" panose="020B0604020202020204" pitchFamily="34" charset="0"/>
+              <a:buNone/>
+              <a:defRPr sz="2000" kern="1200">
+                <a:solidFill>
+                  <a:schemeClr val="tx1"/>
+                </a:solidFill>
+                <a:latin typeface="+mn-lt"/>
+                <a:ea typeface="+mn-ea"/>
+                <a:cs typeface="+mn-cs"/>
+              </a:defRPr>
+            </a:lvl2pPr>
+            <a:lvl3pPr marL="914400" indent="0" algn="ctr" defTabSz="914400" rtl="0" eaLnBrk="1" latinLnBrk="1" hangingPunct="1">
+              <a:lnSpc>
+                <a:spcPct val="90000"/>
+              </a:lnSpc>
+              <a:spcBef>
+                <a:spcPts val="500"/>
+              </a:spcBef>
+              <a:buFont typeface="Arial" panose="020B0604020202020204" pitchFamily="34" charset="0"/>
+              <a:buNone/>
+              <a:defRPr sz="1800" kern="1200">
+                <a:solidFill>
+                  <a:schemeClr val="tx1"/>
+                </a:solidFill>
+                <a:latin typeface="+mn-lt"/>
+                <a:ea typeface="+mn-ea"/>
+                <a:cs typeface="+mn-cs"/>
+              </a:defRPr>
+            </a:lvl3pPr>
+            <a:lvl4pPr marL="1371600" indent="0" algn="ctr" defTabSz="914400" rtl="0" eaLnBrk="1" latinLnBrk="1" hangingPunct="1">
+              <a:lnSpc>
+                <a:spcPct val="90000"/>
+              </a:lnSpc>
+              <a:spcBef>
+                <a:spcPts val="500"/>
+              </a:spcBef>
+              <a:buFont typeface="Arial" panose="020B0604020202020204" pitchFamily="34" charset="0"/>
+              <a:buNone/>
+              <a:defRPr sz="1600" kern="1200">
+                <a:solidFill>
+                  <a:schemeClr val="tx1"/>
+                </a:solidFill>
+                <a:latin typeface="+mn-lt"/>
+                <a:ea typeface="+mn-ea"/>
+                <a:cs typeface="+mn-cs"/>
+              </a:defRPr>
+            </a:lvl4pPr>
+            <a:lvl5pPr marL="1828800" indent="0" algn="ctr" defTabSz="914400" rtl="0" eaLnBrk="1" latinLnBrk="1" hangingPunct="1">
+              <a:lnSpc>
+                <a:spcPct val="90000"/>
+              </a:lnSpc>
+              <a:spcBef>
+                <a:spcPts val="500"/>
+              </a:spcBef>
+              <a:buFont typeface="Arial" panose="020B0604020202020204" pitchFamily="34" charset="0"/>
+              <a:buNone/>
+              <a:defRPr sz="1600" kern="1200">
+                <a:solidFill>
+                  <a:schemeClr val="tx1"/>
+                </a:solidFill>
+                <a:latin typeface="+mn-lt"/>
+                <a:ea typeface="+mn-ea"/>
+                <a:cs typeface="+mn-cs"/>
+              </a:defRPr>
+            </a:lvl5pPr>
+            <a:lvl6pPr marL="2286000" indent="0" algn="ctr" defTabSz="914400" rtl="0" eaLnBrk="1" latinLnBrk="1" hangingPunct="1">
+              <a:lnSpc>
+                <a:spcPct val="90000"/>
+              </a:lnSpc>
+              <a:spcBef>
+                <a:spcPts val="500"/>
+              </a:spcBef>
+              <a:buFont typeface="Arial" panose="020B0604020202020204" pitchFamily="34" charset="0"/>
+              <a:buNone/>
+              <a:defRPr sz="1600" kern="1200">
+                <a:solidFill>
+                  <a:schemeClr val="tx1"/>
+                </a:solidFill>
+                <a:latin typeface="+mn-lt"/>
+                <a:ea typeface="+mn-ea"/>
+                <a:cs typeface="+mn-cs"/>
+              </a:defRPr>
+            </a:lvl6pPr>
+            <a:lvl7pPr marL="2743200" indent="0" algn="ctr" defTabSz="914400" rtl="0" eaLnBrk="1" latinLnBrk="1" hangingPunct="1">
+              <a:lnSpc>
+                <a:spcPct val="90000"/>
+              </a:lnSpc>
+              <a:spcBef>
+                <a:spcPts val="500"/>
+              </a:spcBef>
+              <a:buFont typeface="Arial" panose="020B0604020202020204" pitchFamily="34" charset="0"/>
+              <a:buNone/>
+              <a:defRPr sz="1600" kern="1200">
+                <a:solidFill>
+                  <a:schemeClr val="tx1"/>
+                </a:solidFill>
+                <a:latin typeface="+mn-lt"/>
+                <a:ea typeface="+mn-ea"/>
+                <a:cs typeface="+mn-cs"/>
+              </a:defRPr>
+            </a:lvl7pPr>
+            <a:lvl8pPr marL="3200400" indent="0" algn="ctr" defTabSz="914400" rtl="0" eaLnBrk="1" latinLnBrk="1" hangingPunct="1">
+              <a:lnSpc>
+                <a:spcPct val="90000"/>
+              </a:lnSpc>
+              <a:spcBef>
+                <a:spcPts val="500"/>
+              </a:spcBef>
+              <a:buFont typeface="Arial" panose="020B0604020202020204" pitchFamily="34" charset="0"/>
+              <a:buNone/>
+              <a:defRPr sz="1600" kern="1200">
+                <a:solidFill>
+                  <a:schemeClr val="tx1"/>
+                </a:solidFill>
+                <a:latin typeface="+mn-lt"/>
+                <a:ea typeface="+mn-ea"/>
+                <a:cs typeface="+mn-cs"/>
+              </a:defRPr>
+            </a:lvl8pPr>
+            <a:lvl9pPr marL="3657600" indent="0" algn="ctr" defTabSz="914400" rtl="0" eaLnBrk="1" latinLnBrk="1" hangingPunct="1">
+              <a:lnSpc>
+                <a:spcPct val="90000"/>
+              </a:lnSpc>
+              <a:spcBef>
+                <a:spcPts val="500"/>
+              </a:spcBef>
+              <a:buFont typeface="Arial" panose="020B0604020202020204" pitchFamily="34" charset="0"/>
+              <a:buNone/>
+              <a:defRPr sz="1600" kern="1200">
+                <a:solidFill>
+                  <a:schemeClr val="tx1"/>
+                </a:solidFill>
+                <a:latin typeface="+mn-lt"/>
+                <a:ea typeface="+mn-ea"/>
+                <a:cs typeface="+mn-cs"/>
+              </a:defRPr>
+            </a:lvl9pPr>
+          </a:lstStyle>
+          <a:p>
+            <a:r>
+              <a:rPr kumimoji="1" lang="en-US" altLang="ko-KR" sz="2800" dirty="0">
+                <a:solidFill>
+                  <a:srgbClr val="242529"/>
+                </a:solidFill>
+                <a:latin typeface="Pretendard ExtraLight" panose="02000303000000020004" pitchFamily="2" charset="-127"/>
+                <a:ea typeface="Pretendard ExtraLight" panose="02000303000000020004" pitchFamily="2" charset="-127"/>
+                <a:cs typeface="Pretendard ExtraLight" panose="02000303000000020004" pitchFamily="2" charset="-127"/>
+              </a:rPr>
+              <a:t>Serverless chat app for Tarot telling</a:t>
+            </a:r>
+            <a:endParaRPr kumimoji="1" lang="ko-KR" altLang="en-US" sz="2800" dirty="0">
+              <a:solidFill>
+                <a:srgbClr val="242529"/>
+              </a:solidFill>
+              <a:latin typeface="Pretendard ExtraLight" panose="02000303000000020004" pitchFamily="2" charset="-127"/>
+              <a:ea typeface="Pretendard ExtraLight" panose="02000303000000020004" pitchFamily="2" charset="-127"/>
+              <a:cs typeface="Pretendard ExtraLight" panose="02000303000000020004" pitchFamily="2" charset="-127"/>
+            </a:endParaRPr>
+          </a:p>
+        </p:txBody>
+      </p:sp>
+    </p:spTree>
+    <p:extLst>
+      <p:ext uri="{BB962C8B-B14F-4D97-AF65-F5344CB8AC3E}">
+        <p14:creationId xmlns:p14="http://schemas.microsoft.com/office/powerpoint/2010/main" val="3530207739"/>
+      </p:ext>
+    </p:extLst>
+  </p:cSld>
+  <p:clrMapOvr>
+    <a:masterClrMapping/>
+  </p:clrMapOvr>
+</p:sld>
+</file>
+
+<file path=ppt/slides/slide11.xml><?xml version="1.0" encoding="utf-8"?>
+<p:sld xmlns:a="http://schemas.openxmlformats.org/drawingml/2006/main" xmlns:r="http://schemas.openxmlformats.org/officeDocument/2006/relationships" xmlns:p="http://schemas.openxmlformats.org/presentationml/2006/main">
+  <p:cSld>
+    <p:bg>
+      <p:bgPr>
+        <a:solidFill>
+          <a:srgbClr val="EBE4D4"/>
+        </a:solidFill>
+        <a:effectLst/>
+      </p:bgPr>
+    </p:bg>
+    <p:spTree>
+      <p:nvGrpSpPr>
+        <p:cNvPr id="1" name=""/>
+        <p:cNvGrpSpPr/>
+        <p:nvPr/>
+      </p:nvGrpSpPr>
+      <p:grpSpPr>
+        <a:xfrm>
+          <a:off x="0" y="0"/>
+          <a:ext cx="0" cy="0"/>
+          <a:chOff x="0" y="0"/>
+          <a:chExt cx="0" cy="0"/>
+        </a:xfrm>
+      </p:grpSpPr>
+      <p:sp>
+        <p:nvSpPr>
+          <p:cNvPr id="2" name="제목 1">
+            <a:extLst>
+              <a:ext uri="{FF2B5EF4-FFF2-40B4-BE49-F238E27FC236}">
+                <a16:creationId xmlns:a16="http://schemas.microsoft.com/office/drawing/2014/main" id="{85129C55-FA6B-CE97-8627-AC9C8231BE65}"/>
+              </a:ext>
+            </a:extLst>
+          </p:cNvPr>
+          <p:cNvSpPr>
+            <a:spLocks noGrp="1"/>
+          </p:cNvSpPr>
+          <p:nvPr>
+            <p:ph type="ctrTitle"/>
+          </p:nvPr>
+        </p:nvSpPr>
+        <p:spPr>
+          <a:xfrm>
+            <a:off x="1524000" y="2575230"/>
+            <a:ext cx="9144000" cy="1707540"/>
+          </a:xfrm>
+        </p:spPr>
+        <p:txBody>
+          <a:bodyPr>
+            <a:noAutofit/>
+          </a:bodyPr>
+          <a:lstStyle/>
+          <a:p>
+            <a:r>
+              <a:rPr kumimoji="1" lang="en-US" altLang="ko-KR" sz="12500" b="1" dirty="0">
+                <a:solidFill>
+                  <a:srgbClr val="242529"/>
+                </a:solidFill>
+                <a:latin typeface="Red Rose" pitchFamily="2" charset="0"/>
+              </a:rPr>
+              <a:t>TAROYAKI</a:t>
+            </a:r>
+            <a:r>
+              <a:rPr kumimoji="1" lang="en-US" altLang="ko-KR" sz="12500" dirty="0">
+                <a:solidFill>
+                  <a:srgbClr val="242529"/>
+                </a:solidFill>
+              </a:rPr>
+              <a:t> </a:t>
+            </a:r>
+            <a:endParaRPr kumimoji="1" lang="ko-KR" altLang="en-US" sz="12500" dirty="0">
+              <a:solidFill>
+                <a:srgbClr val="242529"/>
+              </a:solidFill>
+            </a:endParaRPr>
+          </a:p>
+        </p:txBody>
+      </p:sp>
+      <p:sp>
+        <p:nvSpPr>
+          <p:cNvPr id="3" name="부제목 2">
+            <a:extLst>
+              <a:ext uri="{FF2B5EF4-FFF2-40B4-BE49-F238E27FC236}">
+                <a16:creationId xmlns:a16="http://schemas.microsoft.com/office/drawing/2014/main" id="{CBAC183D-DDA8-FC7A-A215-24267CA08DE6}"/>
+              </a:ext>
+            </a:extLst>
+          </p:cNvPr>
+          <p:cNvSpPr>
+            <a:spLocks noGrp="1"/>
+          </p:cNvSpPr>
+          <p:nvPr>
+            <p:ph type="subTitle" idx="1"/>
+          </p:nvPr>
+        </p:nvSpPr>
+        <p:spPr>
+          <a:xfrm>
+            <a:off x="1524000" y="4774792"/>
+            <a:ext cx="9144000" cy="820060"/>
+          </a:xfrm>
+        </p:spPr>
+        <p:txBody>
+          <a:bodyPr>
+            <a:normAutofit/>
+          </a:bodyPr>
+          <a:lstStyle/>
+          <a:p>
+            <a:r>
+              <a:rPr kumimoji="1" lang="en-US" altLang="ko-KR" sz="3600" dirty="0">
+                <a:solidFill>
+                  <a:srgbClr val="242529"/>
+                </a:solidFill>
+                <a:latin typeface="Pretendard" panose="02000503000000020004" pitchFamily="2" charset="-127"/>
+                <a:ea typeface="Pretendard" panose="02000503000000020004" pitchFamily="2" charset="-127"/>
+                <a:cs typeface="Pretendard" panose="02000503000000020004" pitchFamily="2" charset="-127"/>
+              </a:rPr>
+              <a:t>Ep9</a:t>
+            </a:r>
+            <a:endParaRPr kumimoji="1" lang="ko-KR" altLang="en-US" sz="3600" dirty="0">
+              <a:solidFill>
+                <a:srgbClr val="242529"/>
+              </a:solidFill>
+              <a:latin typeface="Pretendard" panose="02000503000000020004" pitchFamily="2" charset="-127"/>
+              <a:ea typeface="Pretendard" panose="02000503000000020004" pitchFamily="2" charset="-127"/>
+              <a:cs typeface="Pretendard" panose="02000503000000020004" pitchFamily="2" charset="-127"/>
+            </a:endParaRPr>
+          </a:p>
+        </p:txBody>
+      </p:sp>
+      <p:sp>
+        <p:nvSpPr>
+          <p:cNvPr id="4" name="부제목 2">
+            <a:extLst>
+              <a:ext uri="{FF2B5EF4-FFF2-40B4-BE49-F238E27FC236}">
+                <a16:creationId xmlns:a16="http://schemas.microsoft.com/office/drawing/2014/main" id="{21F8209E-B29E-D313-7004-E0E0F59BD6E7}"/>
+              </a:ext>
+            </a:extLst>
+          </p:cNvPr>
+          <p:cNvSpPr txBox="1">
+            <a:spLocks/>
+          </p:cNvSpPr>
+          <p:nvPr/>
+        </p:nvSpPr>
+        <p:spPr>
+          <a:xfrm>
+            <a:off x="2911719" y="1793123"/>
+            <a:ext cx="6368561" cy="580170"/>
+          </a:xfrm>
+          <a:prstGeom prst="rect">
+            <a:avLst/>
+          </a:prstGeom>
+        </p:spPr>
+        <p:txBody>
+          <a:bodyPr vert="horz" lIns="91440" tIns="45720" rIns="91440" bIns="45720" rtlCol="0">
+            <a:normAutofit/>
+          </a:bodyPr>
+          <a:lstStyle>
+            <a:lvl1pPr marL="0" indent="0" algn="ctr" defTabSz="914400" rtl="0" eaLnBrk="1" latinLnBrk="1" hangingPunct="1">
+              <a:lnSpc>
+                <a:spcPct val="90000"/>
+              </a:lnSpc>
+              <a:spcBef>
+                <a:spcPts val="1000"/>
+              </a:spcBef>
+              <a:buFont typeface="Arial" panose="020B0604020202020204" pitchFamily="34" charset="0"/>
+              <a:buNone/>
+              <a:defRPr sz="2400" kern="1200">
+                <a:solidFill>
+                  <a:schemeClr val="tx1"/>
+                </a:solidFill>
+                <a:latin typeface="+mn-lt"/>
+                <a:ea typeface="+mn-ea"/>
+                <a:cs typeface="+mn-cs"/>
+              </a:defRPr>
+            </a:lvl1pPr>
+            <a:lvl2pPr marL="457200" indent="0" algn="ctr" defTabSz="914400" rtl="0" eaLnBrk="1" latinLnBrk="1" hangingPunct="1">
+              <a:lnSpc>
+                <a:spcPct val="90000"/>
+              </a:lnSpc>
+              <a:spcBef>
+                <a:spcPts val="500"/>
+              </a:spcBef>
+              <a:buFont typeface="Arial" panose="020B0604020202020204" pitchFamily="34" charset="0"/>
+              <a:buNone/>
+              <a:defRPr sz="2000" kern="1200">
+                <a:solidFill>
+                  <a:schemeClr val="tx1"/>
+                </a:solidFill>
+                <a:latin typeface="+mn-lt"/>
+                <a:ea typeface="+mn-ea"/>
+                <a:cs typeface="+mn-cs"/>
+              </a:defRPr>
+            </a:lvl2pPr>
+            <a:lvl3pPr marL="914400" indent="0" algn="ctr" defTabSz="914400" rtl="0" eaLnBrk="1" latinLnBrk="1" hangingPunct="1">
+              <a:lnSpc>
+                <a:spcPct val="90000"/>
+              </a:lnSpc>
+              <a:spcBef>
+                <a:spcPts val="500"/>
+              </a:spcBef>
+              <a:buFont typeface="Arial" panose="020B0604020202020204" pitchFamily="34" charset="0"/>
+              <a:buNone/>
+              <a:defRPr sz="1800" kern="1200">
+                <a:solidFill>
+                  <a:schemeClr val="tx1"/>
+                </a:solidFill>
+                <a:latin typeface="+mn-lt"/>
+                <a:ea typeface="+mn-ea"/>
+                <a:cs typeface="+mn-cs"/>
+              </a:defRPr>
+            </a:lvl3pPr>
+            <a:lvl4pPr marL="1371600" indent="0" algn="ctr" defTabSz="914400" rtl="0" eaLnBrk="1" latinLnBrk="1" hangingPunct="1">
+              <a:lnSpc>
+                <a:spcPct val="90000"/>
+              </a:lnSpc>
+              <a:spcBef>
+                <a:spcPts val="500"/>
+              </a:spcBef>
+              <a:buFont typeface="Arial" panose="020B0604020202020204" pitchFamily="34" charset="0"/>
+              <a:buNone/>
+              <a:defRPr sz="1600" kern="1200">
+                <a:solidFill>
+                  <a:schemeClr val="tx1"/>
+                </a:solidFill>
+                <a:latin typeface="+mn-lt"/>
+                <a:ea typeface="+mn-ea"/>
+                <a:cs typeface="+mn-cs"/>
+              </a:defRPr>
+            </a:lvl4pPr>
+            <a:lvl5pPr marL="1828800" indent="0" algn="ctr" defTabSz="914400" rtl="0" eaLnBrk="1" latinLnBrk="1" hangingPunct="1">
+              <a:lnSpc>
+                <a:spcPct val="90000"/>
+              </a:lnSpc>
+              <a:spcBef>
+                <a:spcPts val="500"/>
+              </a:spcBef>
+              <a:buFont typeface="Arial" panose="020B0604020202020204" pitchFamily="34" charset="0"/>
+              <a:buNone/>
+              <a:defRPr sz="1600" kern="1200">
+                <a:solidFill>
+                  <a:schemeClr val="tx1"/>
+                </a:solidFill>
+                <a:latin typeface="+mn-lt"/>
+                <a:ea typeface="+mn-ea"/>
+                <a:cs typeface="+mn-cs"/>
+              </a:defRPr>
+            </a:lvl5pPr>
+            <a:lvl6pPr marL="2286000" indent="0" algn="ctr" defTabSz="914400" rtl="0" eaLnBrk="1" latinLnBrk="1" hangingPunct="1">
+              <a:lnSpc>
+                <a:spcPct val="90000"/>
+              </a:lnSpc>
+              <a:spcBef>
+                <a:spcPts val="500"/>
+              </a:spcBef>
+              <a:buFont typeface="Arial" panose="020B0604020202020204" pitchFamily="34" charset="0"/>
+              <a:buNone/>
+              <a:defRPr sz="1600" kern="1200">
+                <a:solidFill>
+                  <a:schemeClr val="tx1"/>
+                </a:solidFill>
+                <a:latin typeface="+mn-lt"/>
+                <a:ea typeface="+mn-ea"/>
+                <a:cs typeface="+mn-cs"/>
+              </a:defRPr>
+            </a:lvl6pPr>
+            <a:lvl7pPr marL="2743200" indent="0" algn="ctr" defTabSz="914400" rtl="0" eaLnBrk="1" latinLnBrk="1" hangingPunct="1">
+              <a:lnSpc>
+                <a:spcPct val="90000"/>
+              </a:lnSpc>
+              <a:spcBef>
+                <a:spcPts val="500"/>
+              </a:spcBef>
+              <a:buFont typeface="Arial" panose="020B0604020202020204" pitchFamily="34" charset="0"/>
+              <a:buNone/>
+              <a:defRPr sz="1600" kern="1200">
+                <a:solidFill>
+                  <a:schemeClr val="tx1"/>
+                </a:solidFill>
+                <a:latin typeface="+mn-lt"/>
+                <a:ea typeface="+mn-ea"/>
+                <a:cs typeface="+mn-cs"/>
+              </a:defRPr>
+            </a:lvl7pPr>
+            <a:lvl8pPr marL="3200400" indent="0" algn="ctr" defTabSz="914400" rtl="0" eaLnBrk="1" latinLnBrk="1" hangingPunct="1">
+              <a:lnSpc>
+                <a:spcPct val="90000"/>
+              </a:lnSpc>
+              <a:spcBef>
+                <a:spcPts val="500"/>
+              </a:spcBef>
+              <a:buFont typeface="Arial" panose="020B0604020202020204" pitchFamily="34" charset="0"/>
+              <a:buNone/>
+              <a:defRPr sz="1600" kern="1200">
+                <a:solidFill>
+                  <a:schemeClr val="tx1"/>
+                </a:solidFill>
+                <a:latin typeface="+mn-lt"/>
+                <a:ea typeface="+mn-ea"/>
+                <a:cs typeface="+mn-cs"/>
+              </a:defRPr>
+            </a:lvl8pPr>
+            <a:lvl9pPr marL="3657600" indent="0" algn="ctr" defTabSz="914400" rtl="0" eaLnBrk="1" latinLnBrk="1" hangingPunct="1">
+              <a:lnSpc>
+                <a:spcPct val="90000"/>
+              </a:lnSpc>
+              <a:spcBef>
+                <a:spcPts val="500"/>
+              </a:spcBef>
+              <a:buFont typeface="Arial" panose="020B0604020202020204" pitchFamily="34" charset="0"/>
+              <a:buNone/>
+              <a:defRPr sz="1600" kern="1200">
+                <a:solidFill>
+                  <a:schemeClr val="tx1"/>
+                </a:solidFill>
+                <a:latin typeface="+mn-lt"/>
+                <a:ea typeface="+mn-ea"/>
+                <a:cs typeface="+mn-cs"/>
+              </a:defRPr>
+            </a:lvl9pPr>
+          </a:lstStyle>
+          <a:p>
+            <a:r>
+              <a:rPr kumimoji="1" lang="en-US" altLang="ko-KR" sz="2800" dirty="0">
+                <a:solidFill>
+                  <a:srgbClr val="242529"/>
+                </a:solidFill>
+                <a:latin typeface="Pretendard ExtraLight" panose="02000303000000020004" pitchFamily="2" charset="-127"/>
+                <a:ea typeface="Pretendard ExtraLight" panose="02000303000000020004" pitchFamily="2" charset="-127"/>
+                <a:cs typeface="Pretendard ExtraLight" panose="02000303000000020004" pitchFamily="2" charset="-127"/>
+              </a:rPr>
+              <a:t>Serverless chat app for Tarot telling</a:t>
+            </a:r>
+            <a:endParaRPr kumimoji="1" lang="ko-KR" altLang="en-US" sz="2800" dirty="0">
+              <a:solidFill>
+                <a:srgbClr val="242529"/>
+              </a:solidFill>
+              <a:latin typeface="Pretendard ExtraLight" panose="02000303000000020004" pitchFamily="2" charset="-127"/>
+              <a:ea typeface="Pretendard ExtraLight" panose="02000303000000020004" pitchFamily="2" charset="-127"/>
+              <a:cs typeface="Pretendard ExtraLight" panose="02000303000000020004" pitchFamily="2" charset="-127"/>
+            </a:endParaRPr>
+          </a:p>
+        </p:txBody>
+      </p:sp>
+    </p:spTree>
+    <p:extLst>
+      <p:ext uri="{BB962C8B-B14F-4D97-AF65-F5344CB8AC3E}">
+        <p14:creationId xmlns:p14="http://schemas.microsoft.com/office/powerpoint/2010/main" val="1451882173"/>
+      </p:ext>
+    </p:extLst>
+  </p:cSld>
+  <p:clrMapOvr>
+    <a:masterClrMapping/>
+  </p:clrMapOvr>
+</p:sld>
+</file>
+
+<file path=ppt/slides/slide12.xml><?xml version="1.0" encoding="utf-8"?>
+<p:sld xmlns:a="http://schemas.openxmlformats.org/drawingml/2006/main" xmlns:r="http://schemas.openxmlformats.org/officeDocument/2006/relationships" xmlns:p="http://schemas.openxmlformats.org/presentationml/2006/main">
+  <p:cSld>
+    <p:bg>
+      <p:bgPr>
+        <a:solidFill>
+          <a:srgbClr val="EBE4D4"/>
+        </a:solidFill>
+        <a:effectLst/>
+      </p:bgPr>
+    </p:bg>
+    <p:spTree>
+      <p:nvGrpSpPr>
+        <p:cNvPr id="1" name=""/>
+        <p:cNvGrpSpPr/>
+        <p:nvPr/>
+      </p:nvGrpSpPr>
+      <p:grpSpPr>
+        <a:xfrm>
+          <a:off x="0" y="0"/>
+          <a:ext cx="0" cy="0"/>
+          <a:chOff x="0" y="0"/>
+          <a:chExt cx="0" cy="0"/>
+        </a:xfrm>
+      </p:grpSpPr>
+      <p:sp>
+        <p:nvSpPr>
+          <p:cNvPr id="2" name="제목 1">
+            <a:extLst>
+              <a:ext uri="{FF2B5EF4-FFF2-40B4-BE49-F238E27FC236}">
+                <a16:creationId xmlns:a16="http://schemas.microsoft.com/office/drawing/2014/main" id="{85129C55-FA6B-CE97-8627-AC9C8231BE65}"/>
+              </a:ext>
+            </a:extLst>
+          </p:cNvPr>
+          <p:cNvSpPr>
+            <a:spLocks noGrp="1"/>
+          </p:cNvSpPr>
+          <p:nvPr>
+            <p:ph type="ctrTitle"/>
+          </p:nvPr>
+        </p:nvSpPr>
+        <p:spPr>
+          <a:xfrm>
+            <a:off x="1524000" y="2575230"/>
+            <a:ext cx="9144000" cy="1707540"/>
+          </a:xfrm>
+        </p:spPr>
+        <p:txBody>
+          <a:bodyPr>
+            <a:noAutofit/>
+          </a:bodyPr>
+          <a:lstStyle/>
+          <a:p>
+            <a:r>
+              <a:rPr kumimoji="1" lang="en-US" altLang="ko-KR" sz="12500" b="1" dirty="0">
+                <a:solidFill>
+                  <a:srgbClr val="242529"/>
+                </a:solidFill>
+                <a:latin typeface="Red Rose" pitchFamily="2" charset="0"/>
+              </a:rPr>
+              <a:t>TAROYAKI</a:t>
+            </a:r>
+            <a:r>
+              <a:rPr kumimoji="1" lang="en-US" altLang="ko-KR" sz="12500" dirty="0">
+                <a:solidFill>
+                  <a:srgbClr val="242529"/>
+                </a:solidFill>
+              </a:rPr>
+              <a:t> </a:t>
+            </a:r>
+            <a:endParaRPr kumimoji="1" lang="ko-KR" altLang="en-US" sz="12500" dirty="0">
+              <a:solidFill>
+                <a:srgbClr val="242529"/>
+              </a:solidFill>
+            </a:endParaRPr>
+          </a:p>
+        </p:txBody>
+      </p:sp>
+      <p:sp>
+        <p:nvSpPr>
+          <p:cNvPr id="3" name="부제목 2">
+            <a:extLst>
+              <a:ext uri="{FF2B5EF4-FFF2-40B4-BE49-F238E27FC236}">
+                <a16:creationId xmlns:a16="http://schemas.microsoft.com/office/drawing/2014/main" id="{CBAC183D-DDA8-FC7A-A215-24267CA08DE6}"/>
+              </a:ext>
+            </a:extLst>
+          </p:cNvPr>
+          <p:cNvSpPr>
+            <a:spLocks noGrp="1"/>
+          </p:cNvSpPr>
+          <p:nvPr>
+            <p:ph type="subTitle" idx="1"/>
+          </p:nvPr>
+        </p:nvSpPr>
+        <p:spPr>
+          <a:xfrm>
+            <a:off x="1524000" y="4774792"/>
+            <a:ext cx="9144000" cy="820060"/>
+          </a:xfrm>
+        </p:spPr>
+        <p:txBody>
+          <a:bodyPr>
+            <a:normAutofit/>
+          </a:bodyPr>
+          <a:lstStyle/>
+          <a:p>
+            <a:r>
+              <a:rPr kumimoji="1" lang="en-US" altLang="ko-KR" sz="3600" dirty="0">
+                <a:solidFill>
+                  <a:srgbClr val="242529"/>
+                </a:solidFill>
+                <a:latin typeface="Pretendard" panose="02000503000000020004" pitchFamily="2" charset="-127"/>
+                <a:ea typeface="Pretendard" panose="02000503000000020004" pitchFamily="2" charset="-127"/>
+                <a:cs typeface="Pretendard" panose="02000503000000020004" pitchFamily="2" charset="-127"/>
+              </a:rPr>
+              <a:t>Ep10</a:t>
+            </a:r>
+            <a:endParaRPr kumimoji="1" lang="ko-KR" altLang="en-US" sz="3600" dirty="0">
+              <a:solidFill>
+                <a:srgbClr val="242529"/>
+              </a:solidFill>
+              <a:latin typeface="Pretendard" panose="02000503000000020004" pitchFamily="2" charset="-127"/>
+              <a:ea typeface="Pretendard" panose="02000503000000020004" pitchFamily="2" charset="-127"/>
+              <a:cs typeface="Pretendard" panose="02000503000000020004" pitchFamily="2" charset="-127"/>
+            </a:endParaRPr>
+          </a:p>
+        </p:txBody>
+      </p:sp>
+      <p:sp>
+        <p:nvSpPr>
+          <p:cNvPr id="4" name="부제목 2">
+            <a:extLst>
+              <a:ext uri="{FF2B5EF4-FFF2-40B4-BE49-F238E27FC236}">
+                <a16:creationId xmlns:a16="http://schemas.microsoft.com/office/drawing/2014/main" id="{21F8209E-B29E-D313-7004-E0E0F59BD6E7}"/>
+              </a:ext>
+            </a:extLst>
+          </p:cNvPr>
+          <p:cNvSpPr txBox="1">
+            <a:spLocks/>
+          </p:cNvSpPr>
+          <p:nvPr/>
+        </p:nvSpPr>
+        <p:spPr>
+          <a:xfrm>
+            <a:off x="2911719" y="1793123"/>
+            <a:ext cx="6368561" cy="580170"/>
+          </a:xfrm>
+          <a:prstGeom prst="rect">
+            <a:avLst/>
+          </a:prstGeom>
+        </p:spPr>
+        <p:txBody>
+          <a:bodyPr vert="horz" lIns="91440" tIns="45720" rIns="91440" bIns="45720" rtlCol="0">
+            <a:normAutofit/>
+          </a:bodyPr>
+          <a:lstStyle>
+            <a:lvl1pPr marL="0" indent="0" algn="ctr" defTabSz="914400" rtl="0" eaLnBrk="1" latinLnBrk="1" hangingPunct="1">
+              <a:lnSpc>
+                <a:spcPct val="90000"/>
+              </a:lnSpc>
+              <a:spcBef>
+                <a:spcPts val="1000"/>
+              </a:spcBef>
+              <a:buFont typeface="Arial" panose="020B0604020202020204" pitchFamily="34" charset="0"/>
+              <a:buNone/>
+              <a:defRPr sz="2400" kern="1200">
+                <a:solidFill>
+                  <a:schemeClr val="tx1"/>
+                </a:solidFill>
+                <a:latin typeface="+mn-lt"/>
+                <a:ea typeface="+mn-ea"/>
+                <a:cs typeface="+mn-cs"/>
+              </a:defRPr>
+            </a:lvl1pPr>
+            <a:lvl2pPr marL="457200" indent="0" algn="ctr" defTabSz="914400" rtl="0" eaLnBrk="1" latinLnBrk="1" hangingPunct="1">
+              <a:lnSpc>
+                <a:spcPct val="90000"/>
+              </a:lnSpc>
+              <a:spcBef>
+                <a:spcPts val="500"/>
+              </a:spcBef>
+              <a:buFont typeface="Arial" panose="020B0604020202020204" pitchFamily="34" charset="0"/>
+              <a:buNone/>
+              <a:defRPr sz="2000" kern="1200">
+                <a:solidFill>
+                  <a:schemeClr val="tx1"/>
+                </a:solidFill>
+                <a:latin typeface="+mn-lt"/>
+                <a:ea typeface="+mn-ea"/>
+                <a:cs typeface="+mn-cs"/>
+              </a:defRPr>
+            </a:lvl2pPr>
+            <a:lvl3pPr marL="914400" indent="0" algn="ctr" defTabSz="914400" rtl="0" eaLnBrk="1" latinLnBrk="1" hangingPunct="1">
+              <a:lnSpc>
+                <a:spcPct val="90000"/>
+              </a:lnSpc>
+              <a:spcBef>
+                <a:spcPts val="500"/>
+              </a:spcBef>
+              <a:buFont typeface="Arial" panose="020B0604020202020204" pitchFamily="34" charset="0"/>
+              <a:buNone/>
+              <a:defRPr sz="1800" kern="1200">
+                <a:solidFill>
+                  <a:schemeClr val="tx1"/>
+                </a:solidFill>
+                <a:latin typeface="+mn-lt"/>
+                <a:ea typeface="+mn-ea"/>
+                <a:cs typeface="+mn-cs"/>
+              </a:defRPr>
+            </a:lvl3pPr>
+            <a:lvl4pPr marL="1371600" indent="0" algn="ctr" defTabSz="914400" rtl="0" eaLnBrk="1" latinLnBrk="1" hangingPunct="1">
+              <a:lnSpc>
+                <a:spcPct val="90000"/>
+              </a:lnSpc>
+              <a:spcBef>
+                <a:spcPts val="500"/>
+              </a:spcBef>
+              <a:buFont typeface="Arial" panose="020B0604020202020204" pitchFamily="34" charset="0"/>
+              <a:buNone/>
+              <a:defRPr sz="1600" kern="1200">
+                <a:solidFill>
+                  <a:schemeClr val="tx1"/>
+                </a:solidFill>
+                <a:latin typeface="+mn-lt"/>
+                <a:ea typeface="+mn-ea"/>
+                <a:cs typeface="+mn-cs"/>
+              </a:defRPr>
+            </a:lvl4pPr>
+            <a:lvl5pPr marL="1828800" indent="0" algn="ctr" defTabSz="914400" rtl="0" eaLnBrk="1" latinLnBrk="1" hangingPunct="1">
+              <a:lnSpc>
+                <a:spcPct val="90000"/>
+              </a:lnSpc>
+              <a:spcBef>
+                <a:spcPts val="500"/>
+              </a:spcBef>
+              <a:buFont typeface="Arial" panose="020B0604020202020204" pitchFamily="34" charset="0"/>
+              <a:buNone/>
+              <a:defRPr sz="1600" kern="1200">
+                <a:solidFill>
+                  <a:schemeClr val="tx1"/>
+                </a:solidFill>
+                <a:latin typeface="+mn-lt"/>
+                <a:ea typeface="+mn-ea"/>
+                <a:cs typeface="+mn-cs"/>
+              </a:defRPr>
+            </a:lvl5pPr>
+            <a:lvl6pPr marL="2286000" indent="0" algn="ctr" defTabSz="914400" rtl="0" eaLnBrk="1" latinLnBrk="1" hangingPunct="1">
+              <a:lnSpc>
+                <a:spcPct val="90000"/>
+              </a:lnSpc>
+              <a:spcBef>
+                <a:spcPts val="500"/>
+              </a:spcBef>
+              <a:buFont typeface="Arial" panose="020B0604020202020204" pitchFamily="34" charset="0"/>
+              <a:buNone/>
+              <a:defRPr sz="1600" kern="1200">
+                <a:solidFill>
+                  <a:schemeClr val="tx1"/>
+                </a:solidFill>
+                <a:latin typeface="+mn-lt"/>
+                <a:ea typeface="+mn-ea"/>
+                <a:cs typeface="+mn-cs"/>
+              </a:defRPr>
+            </a:lvl6pPr>
+            <a:lvl7pPr marL="2743200" indent="0" algn="ctr" defTabSz="914400" rtl="0" eaLnBrk="1" latinLnBrk="1" hangingPunct="1">
+              <a:lnSpc>
+                <a:spcPct val="90000"/>
+              </a:lnSpc>
+              <a:spcBef>
+                <a:spcPts val="500"/>
+              </a:spcBef>
+              <a:buFont typeface="Arial" panose="020B0604020202020204" pitchFamily="34" charset="0"/>
+              <a:buNone/>
+              <a:defRPr sz="1600" kern="1200">
+                <a:solidFill>
+                  <a:schemeClr val="tx1"/>
+                </a:solidFill>
+                <a:latin typeface="+mn-lt"/>
+                <a:ea typeface="+mn-ea"/>
+                <a:cs typeface="+mn-cs"/>
+              </a:defRPr>
+            </a:lvl7pPr>
+            <a:lvl8pPr marL="3200400" indent="0" algn="ctr" defTabSz="914400" rtl="0" eaLnBrk="1" latinLnBrk="1" hangingPunct="1">
+              <a:lnSpc>
+                <a:spcPct val="90000"/>
+              </a:lnSpc>
+              <a:spcBef>
+                <a:spcPts val="500"/>
+              </a:spcBef>
+              <a:buFont typeface="Arial" panose="020B0604020202020204" pitchFamily="34" charset="0"/>
+              <a:buNone/>
+              <a:defRPr sz="1600" kern="1200">
+                <a:solidFill>
+                  <a:schemeClr val="tx1"/>
+                </a:solidFill>
+                <a:latin typeface="+mn-lt"/>
+                <a:ea typeface="+mn-ea"/>
+                <a:cs typeface="+mn-cs"/>
+              </a:defRPr>
+            </a:lvl8pPr>
+            <a:lvl9pPr marL="3657600" indent="0" algn="ctr" defTabSz="914400" rtl="0" eaLnBrk="1" latinLnBrk="1" hangingPunct="1">
+              <a:lnSpc>
+                <a:spcPct val="90000"/>
+              </a:lnSpc>
+              <a:spcBef>
+                <a:spcPts val="500"/>
+              </a:spcBef>
+              <a:buFont typeface="Arial" panose="020B0604020202020204" pitchFamily="34" charset="0"/>
+              <a:buNone/>
+              <a:defRPr sz="1600" kern="1200">
+                <a:solidFill>
+                  <a:schemeClr val="tx1"/>
+                </a:solidFill>
+                <a:latin typeface="+mn-lt"/>
+                <a:ea typeface="+mn-ea"/>
+                <a:cs typeface="+mn-cs"/>
+              </a:defRPr>
+            </a:lvl9pPr>
+          </a:lstStyle>
+          <a:p>
+            <a:r>
+              <a:rPr kumimoji="1" lang="en-US" altLang="ko-KR" sz="2800" dirty="0">
+                <a:solidFill>
+                  <a:srgbClr val="242529"/>
+                </a:solidFill>
+                <a:latin typeface="Pretendard ExtraLight" panose="02000303000000020004" pitchFamily="2" charset="-127"/>
+                <a:ea typeface="Pretendard ExtraLight" panose="02000303000000020004" pitchFamily="2" charset="-127"/>
+                <a:cs typeface="Pretendard ExtraLight" panose="02000303000000020004" pitchFamily="2" charset="-127"/>
+              </a:rPr>
+              <a:t>Serverless chat app for Tarot telling</a:t>
+            </a:r>
+            <a:endParaRPr kumimoji="1" lang="ko-KR" altLang="en-US" sz="2800" dirty="0">
+              <a:solidFill>
+                <a:srgbClr val="242529"/>
+              </a:solidFill>
+              <a:latin typeface="Pretendard ExtraLight" panose="02000303000000020004" pitchFamily="2" charset="-127"/>
+              <a:ea typeface="Pretendard ExtraLight" panose="02000303000000020004" pitchFamily="2" charset="-127"/>
+              <a:cs typeface="Pretendard ExtraLight" panose="02000303000000020004" pitchFamily="2" charset="-127"/>
+            </a:endParaRPr>
+          </a:p>
+        </p:txBody>
+      </p:sp>
+    </p:spTree>
+    <p:extLst>
+      <p:ext uri="{BB962C8B-B14F-4D97-AF65-F5344CB8AC3E}">
+        <p14:creationId xmlns:p14="http://schemas.microsoft.com/office/powerpoint/2010/main" val="926366536"/>
+      </p:ext>
+    </p:extLst>
+  </p:cSld>
+  <p:clrMapOvr>
+    <a:masterClrMapping/>
+  </p:clrMapOvr>
+</p:sld>
+</file>
+
 <file path=ppt/slides/slide2.xml><?xml version="1.0" encoding="utf-8"?>
 <p:sld xmlns:a="http://schemas.openxmlformats.org/drawingml/2006/main" xmlns:r="http://schemas.openxmlformats.org/officeDocument/2006/relationships" xmlns:p="http://schemas.openxmlformats.org/presentationml/2006/main">
   <p:cSld>
@@ -5200,7 +6275,7 @@
                 <a:ea typeface="Pretendard" panose="02000503000000020004" pitchFamily="2" charset="-127"/>
                 <a:cs typeface="Pretendard" panose="02000503000000020004" pitchFamily="2" charset="-127"/>
               </a:rPr>
-              <a:t>Ep5</a:t>
+              <a:t>Ep5-1</a:t>
             </a:r>
             <a:endParaRPr kumimoji="1" lang="ko-KR" altLang="en-US" sz="3600" dirty="0">
               <a:solidFill>
@@ -5555,7 +6630,7 @@
                 <a:ea typeface="Pretendard" panose="02000503000000020004" pitchFamily="2" charset="-127"/>
                 <a:cs typeface="Pretendard" panose="02000503000000020004" pitchFamily="2" charset="-127"/>
               </a:rPr>
-              <a:t>Ep6</a:t>
+              <a:t>Ep5-2</a:t>
             </a:r>
             <a:endParaRPr kumimoji="1" lang="ko-KR" altLang="en-US" sz="3600" dirty="0">
               <a:solidFill>
@@ -5785,7 +6860,717 @@
     </p:spTree>
     <p:extLst>
       <p:ext uri="{BB962C8B-B14F-4D97-AF65-F5344CB8AC3E}">
+        <p14:creationId xmlns:p14="http://schemas.microsoft.com/office/powerpoint/2010/main" val="4073507345"/>
+      </p:ext>
+    </p:extLst>
+  </p:cSld>
+  <p:clrMapOvr>
+    <a:masterClrMapping/>
+  </p:clrMapOvr>
+</p:sld>
+</file>
+
+<file path=ppt/slides/slide8.xml><?xml version="1.0" encoding="utf-8"?>
+<p:sld xmlns:a="http://schemas.openxmlformats.org/drawingml/2006/main" xmlns:r="http://schemas.openxmlformats.org/officeDocument/2006/relationships" xmlns:p="http://schemas.openxmlformats.org/presentationml/2006/main">
+  <p:cSld>
+    <p:bg>
+      <p:bgPr>
+        <a:solidFill>
+          <a:srgbClr val="EBE4D4"/>
+        </a:solidFill>
+        <a:effectLst/>
+      </p:bgPr>
+    </p:bg>
+    <p:spTree>
+      <p:nvGrpSpPr>
+        <p:cNvPr id="1" name=""/>
+        <p:cNvGrpSpPr/>
+        <p:nvPr/>
+      </p:nvGrpSpPr>
+      <p:grpSpPr>
+        <a:xfrm>
+          <a:off x="0" y="0"/>
+          <a:ext cx="0" cy="0"/>
+          <a:chOff x="0" y="0"/>
+          <a:chExt cx="0" cy="0"/>
+        </a:xfrm>
+      </p:grpSpPr>
+      <p:sp>
+        <p:nvSpPr>
+          <p:cNvPr id="2" name="제목 1">
+            <a:extLst>
+              <a:ext uri="{FF2B5EF4-FFF2-40B4-BE49-F238E27FC236}">
+                <a16:creationId xmlns:a16="http://schemas.microsoft.com/office/drawing/2014/main" id="{85129C55-FA6B-CE97-8627-AC9C8231BE65}"/>
+              </a:ext>
+            </a:extLst>
+          </p:cNvPr>
+          <p:cNvSpPr>
+            <a:spLocks noGrp="1"/>
+          </p:cNvSpPr>
+          <p:nvPr>
+            <p:ph type="ctrTitle"/>
+          </p:nvPr>
+        </p:nvSpPr>
+        <p:spPr>
+          <a:xfrm>
+            <a:off x="1524000" y="2575230"/>
+            <a:ext cx="9144000" cy="1707540"/>
+          </a:xfrm>
+        </p:spPr>
+        <p:txBody>
+          <a:bodyPr>
+            <a:noAutofit/>
+          </a:bodyPr>
+          <a:lstStyle/>
+          <a:p>
+            <a:r>
+              <a:rPr kumimoji="1" lang="en-US" altLang="ko-KR" sz="12500" b="1" dirty="0">
+                <a:solidFill>
+                  <a:srgbClr val="242529"/>
+                </a:solidFill>
+                <a:latin typeface="Red Rose" pitchFamily="2" charset="0"/>
+              </a:rPr>
+              <a:t>TAROYAKI</a:t>
+            </a:r>
+            <a:r>
+              <a:rPr kumimoji="1" lang="en-US" altLang="ko-KR" sz="12500" dirty="0">
+                <a:solidFill>
+                  <a:srgbClr val="242529"/>
+                </a:solidFill>
+              </a:rPr>
+              <a:t> </a:t>
+            </a:r>
+            <a:endParaRPr kumimoji="1" lang="ko-KR" altLang="en-US" sz="12500" dirty="0">
+              <a:solidFill>
+                <a:srgbClr val="242529"/>
+              </a:solidFill>
+            </a:endParaRPr>
+          </a:p>
+        </p:txBody>
+      </p:sp>
+      <p:sp>
+        <p:nvSpPr>
+          <p:cNvPr id="3" name="부제목 2">
+            <a:extLst>
+              <a:ext uri="{FF2B5EF4-FFF2-40B4-BE49-F238E27FC236}">
+                <a16:creationId xmlns:a16="http://schemas.microsoft.com/office/drawing/2014/main" id="{CBAC183D-DDA8-FC7A-A215-24267CA08DE6}"/>
+              </a:ext>
+            </a:extLst>
+          </p:cNvPr>
+          <p:cNvSpPr>
+            <a:spLocks noGrp="1"/>
+          </p:cNvSpPr>
+          <p:nvPr>
+            <p:ph type="subTitle" idx="1"/>
+          </p:nvPr>
+        </p:nvSpPr>
+        <p:spPr>
+          <a:xfrm>
+            <a:off x="1524000" y="4774792"/>
+            <a:ext cx="9144000" cy="820060"/>
+          </a:xfrm>
+        </p:spPr>
+        <p:txBody>
+          <a:bodyPr>
+            <a:normAutofit/>
+          </a:bodyPr>
+          <a:lstStyle/>
+          <a:p>
+            <a:r>
+              <a:rPr kumimoji="1" lang="en-US" altLang="ko-KR" sz="3600" dirty="0">
+                <a:solidFill>
+                  <a:srgbClr val="242529"/>
+                </a:solidFill>
+                <a:latin typeface="Pretendard" panose="02000503000000020004" pitchFamily="2" charset="-127"/>
+                <a:ea typeface="Pretendard" panose="02000503000000020004" pitchFamily="2" charset="-127"/>
+                <a:cs typeface="Pretendard" panose="02000503000000020004" pitchFamily="2" charset="-127"/>
+              </a:rPr>
+              <a:t>Ep6</a:t>
+            </a:r>
+            <a:endParaRPr kumimoji="1" lang="ko-KR" altLang="en-US" sz="3600" dirty="0">
+              <a:solidFill>
+                <a:srgbClr val="242529"/>
+              </a:solidFill>
+              <a:latin typeface="Pretendard" panose="02000503000000020004" pitchFamily="2" charset="-127"/>
+              <a:ea typeface="Pretendard" panose="02000503000000020004" pitchFamily="2" charset="-127"/>
+              <a:cs typeface="Pretendard" panose="02000503000000020004" pitchFamily="2" charset="-127"/>
+            </a:endParaRPr>
+          </a:p>
+        </p:txBody>
+      </p:sp>
+      <p:sp>
+        <p:nvSpPr>
+          <p:cNvPr id="4" name="부제목 2">
+            <a:extLst>
+              <a:ext uri="{FF2B5EF4-FFF2-40B4-BE49-F238E27FC236}">
+                <a16:creationId xmlns:a16="http://schemas.microsoft.com/office/drawing/2014/main" id="{21F8209E-B29E-D313-7004-E0E0F59BD6E7}"/>
+              </a:ext>
+            </a:extLst>
+          </p:cNvPr>
+          <p:cNvSpPr txBox="1">
+            <a:spLocks/>
+          </p:cNvSpPr>
+          <p:nvPr/>
+        </p:nvSpPr>
+        <p:spPr>
+          <a:xfrm>
+            <a:off x="2911719" y="1793123"/>
+            <a:ext cx="6368561" cy="580170"/>
+          </a:xfrm>
+          <a:prstGeom prst="rect">
+            <a:avLst/>
+          </a:prstGeom>
+        </p:spPr>
+        <p:txBody>
+          <a:bodyPr vert="horz" lIns="91440" tIns="45720" rIns="91440" bIns="45720" rtlCol="0">
+            <a:normAutofit/>
+          </a:bodyPr>
+          <a:lstStyle>
+            <a:lvl1pPr marL="0" indent="0" algn="ctr" defTabSz="914400" rtl="0" eaLnBrk="1" latinLnBrk="1" hangingPunct="1">
+              <a:lnSpc>
+                <a:spcPct val="90000"/>
+              </a:lnSpc>
+              <a:spcBef>
+                <a:spcPts val="1000"/>
+              </a:spcBef>
+              <a:buFont typeface="Arial" panose="020B0604020202020204" pitchFamily="34" charset="0"/>
+              <a:buNone/>
+              <a:defRPr sz="2400" kern="1200">
+                <a:solidFill>
+                  <a:schemeClr val="tx1"/>
+                </a:solidFill>
+                <a:latin typeface="+mn-lt"/>
+                <a:ea typeface="+mn-ea"/>
+                <a:cs typeface="+mn-cs"/>
+              </a:defRPr>
+            </a:lvl1pPr>
+            <a:lvl2pPr marL="457200" indent="0" algn="ctr" defTabSz="914400" rtl="0" eaLnBrk="1" latinLnBrk="1" hangingPunct="1">
+              <a:lnSpc>
+                <a:spcPct val="90000"/>
+              </a:lnSpc>
+              <a:spcBef>
+                <a:spcPts val="500"/>
+              </a:spcBef>
+              <a:buFont typeface="Arial" panose="020B0604020202020204" pitchFamily="34" charset="0"/>
+              <a:buNone/>
+              <a:defRPr sz="2000" kern="1200">
+                <a:solidFill>
+                  <a:schemeClr val="tx1"/>
+                </a:solidFill>
+                <a:latin typeface="+mn-lt"/>
+                <a:ea typeface="+mn-ea"/>
+                <a:cs typeface="+mn-cs"/>
+              </a:defRPr>
+            </a:lvl2pPr>
+            <a:lvl3pPr marL="914400" indent="0" algn="ctr" defTabSz="914400" rtl="0" eaLnBrk="1" latinLnBrk="1" hangingPunct="1">
+              <a:lnSpc>
+                <a:spcPct val="90000"/>
+              </a:lnSpc>
+              <a:spcBef>
+                <a:spcPts val="500"/>
+              </a:spcBef>
+              <a:buFont typeface="Arial" panose="020B0604020202020204" pitchFamily="34" charset="0"/>
+              <a:buNone/>
+              <a:defRPr sz="1800" kern="1200">
+                <a:solidFill>
+                  <a:schemeClr val="tx1"/>
+                </a:solidFill>
+                <a:latin typeface="+mn-lt"/>
+                <a:ea typeface="+mn-ea"/>
+                <a:cs typeface="+mn-cs"/>
+              </a:defRPr>
+            </a:lvl3pPr>
+            <a:lvl4pPr marL="1371600" indent="0" algn="ctr" defTabSz="914400" rtl="0" eaLnBrk="1" latinLnBrk="1" hangingPunct="1">
+              <a:lnSpc>
+                <a:spcPct val="90000"/>
+              </a:lnSpc>
+              <a:spcBef>
+                <a:spcPts val="500"/>
+              </a:spcBef>
+              <a:buFont typeface="Arial" panose="020B0604020202020204" pitchFamily="34" charset="0"/>
+              <a:buNone/>
+              <a:defRPr sz="1600" kern="1200">
+                <a:solidFill>
+                  <a:schemeClr val="tx1"/>
+                </a:solidFill>
+                <a:latin typeface="+mn-lt"/>
+                <a:ea typeface="+mn-ea"/>
+                <a:cs typeface="+mn-cs"/>
+              </a:defRPr>
+            </a:lvl4pPr>
+            <a:lvl5pPr marL="1828800" indent="0" algn="ctr" defTabSz="914400" rtl="0" eaLnBrk="1" latinLnBrk="1" hangingPunct="1">
+              <a:lnSpc>
+                <a:spcPct val="90000"/>
+              </a:lnSpc>
+              <a:spcBef>
+                <a:spcPts val="500"/>
+              </a:spcBef>
+              <a:buFont typeface="Arial" panose="020B0604020202020204" pitchFamily="34" charset="0"/>
+              <a:buNone/>
+              <a:defRPr sz="1600" kern="1200">
+                <a:solidFill>
+                  <a:schemeClr val="tx1"/>
+                </a:solidFill>
+                <a:latin typeface="+mn-lt"/>
+                <a:ea typeface="+mn-ea"/>
+                <a:cs typeface="+mn-cs"/>
+              </a:defRPr>
+            </a:lvl5pPr>
+            <a:lvl6pPr marL="2286000" indent="0" algn="ctr" defTabSz="914400" rtl="0" eaLnBrk="1" latinLnBrk="1" hangingPunct="1">
+              <a:lnSpc>
+                <a:spcPct val="90000"/>
+              </a:lnSpc>
+              <a:spcBef>
+                <a:spcPts val="500"/>
+              </a:spcBef>
+              <a:buFont typeface="Arial" panose="020B0604020202020204" pitchFamily="34" charset="0"/>
+              <a:buNone/>
+              <a:defRPr sz="1600" kern="1200">
+                <a:solidFill>
+                  <a:schemeClr val="tx1"/>
+                </a:solidFill>
+                <a:latin typeface="+mn-lt"/>
+                <a:ea typeface="+mn-ea"/>
+                <a:cs typeface="+mn-cs"/>
+              </a:defRPr>
+            </a:lvl6pPr>
+            <a:lvl7pPr marL="2743200" indent="0" algn="ctr" defTabSz="914400" rtl="0" eaLnBrk="1" latinLnBrk="1" hangingPunct="1">
+              <a:lnSpc>
+                <a:spcPct val="90000"/>
+              </a:lnSpc>
+              <a:spcBef>
+                <a:spcPts val="500"/>
+              </a:spcBef>
+              <a:buFont typeface="Arial" panose="020B0604020202020204" pitchFamily="34" charset="0"/>
+              <a:buNone/>
+              <a:defRPr sz="1600" kern="1200">
+                <a:solidFill>
+                  <a:schemeClr val="tx1"/>
+                </a:solidFill>
+                <a:latin typeface="+mn-lt"/>
+                <a:ea typeface="+mn-ea"/>
+                <a:cs typeface="+mn-cs"/>
+              </a:defRPr>
+            </a:lvl7pPr>
+            <a:lvl8pPr marL="3200400" indent="0" algn="ctr" defTabSz="914400" rtl="0" eaLnBrk="1" latinLnBrk="1" hangingPunct="1">
+              <a:lnSpc>
+                <a:spcPct val="90000"/>
+              </a:lnSpc>
+              <a:spcBef>
+                <a:spcPts val="500"/>
+              </a:spcBef>
+              <a:buFont typeface="Arial" panose="020B0604020202020204" pitchFamily="34" charset="0"/>
+              <a:buNone/>
+              <a:defRPr sz="1600" kern="1200">
+                <a:solidFill>
+                  <a:schemeClr val="tx1"/>
+                </a:solidFill>
+                <a:latin typeface="+mn-lt"/>
+                <a:ea typeface="+mn-ea"/>
+                <a:cs typeface="+mn-cs"/>
+              </a:defRPr>
+            </a:lvl8pPr>
+            <a:lvl9pPr marL="3657600" indent="0" algn="ctr" defTabSz="914400" rtl="0" eaLnBrk="1" latinLnBrk="1" hangingPunct="1">
+              <a:lnSpc>
+                <a:spcPct val="90000"/>
+              </a:lnSpc>
+              <a:spcBef>
+                <a:spcPts val="500"/>
+              </a:spcBef>
+              <a:buFont typeface="Arial" panose="020B0604020202020204" pitchFamily="34" charset="0"/>
+              <a:buNone/>
+              <a:defRPr sz="1600" kern="1200">
+                <a:solidFill>
+                  <a:schemeClr val="tx1"/>
+                </a:solidFill>
+                <a:latin typeface="+mn-lt"/>
+                <a:ea typeface="+mn-ea"/>
+                <a:cs typeface="+mn-cs"/>
+              </a:defRPr>
+            </a:lvl9pPr>
+          </a:lstStyle>
+          <a:p>
+            <a:r>
+              <a:rPr kumimoji="1" lang="en-US" altLang="ko-KR" sz="2800" dirty="0">
+                <a:solidFill>
+                  <a:srgbClr val="242529"/>
+                </a:solidFill>
+                <a:latin typeface="Pretendard ExtraLight" panose="02000303000000020004" pitchFamily="2" charset="-127"/>
+                <a:ea typeface="Pretendard ExtraLight" panose="02000303000000020004" pitchFamily="2" charset="-127"/>
+                <a:cs typeface="Pretendard ExtraLight" panose="02000303000000020004" pitchFamily="2" charset="-127"/>
+              </a:rPr>
+              <a:t>Serverless chat app for Tarot telling</a:t>
+            </a:r>
+            <a:endParaRPr kumimoji="1" lang="ko-KR" altLang="en-US" sz="2800" dirty="0">
+              <a:solidFill>
+                <a:srgbClr val="242529"/>
+              </a:solidFill>
+              <a:latin typeface="Pretendard ExtraLight" panose="02000303000000020004" pitchFamily="2" charset="-127"/>
+              <a:ea typeface="Pretendard ExtraLight" panose="02000303000000020004" pitchFamily="2" charset="-127"/>
+              <a:cs typeface="Pretendard ExtraLight" panose="02000303000000020004" pitchFamily="2" charset="-127"/>
+            </a:endParaRPr>
+          </a:p>
+        </p:txBody>
+      </p:sp>
+    </p:spTree>
+    <p:extLst>
+      <p:ext uri="{BB962C8B-B14F-4D97-AF65-F5344CB8AC3E}">
         <p14:creationId xmlns:p14="http://schemas.microsoft.com/office/powerpoint/2010/main" val="2493546137"/>
+      </p:ext>
+    </p:extLst>
+  </p:cSld>
+  <p:clrMapOvr>
+    <a:masterClrMapping/>
+  </p:clrMapOvr>
+</p:sld>
+</file>
+
+<file path=ppt/slides/slide9.xml><?xml version="1.0" encoding="utf-8"?>
+<p:sld xmlns:a="http://schemas.openxmlformats.org/drawingml/2006/main" xmlns:r="http://schemas.openxmlformats.org/officeDocument/2006/relationships" xmlns:p="http://schemas.openxmlformats.org/presentationml/2006/main">
+  <p:cSld>
+    <p:bg>
+      <p:bgPr>
+        <a:solidFill>
+          <a:srgbClr val="EBE4D4"/>
+        </a:solidFill>
+        <a:effectLst/>
+      </p:bgPr>
+    </p:bg>
+    <p:spTree>
+      <p:nvGrpSpPr>
+        <p:cNvPr id="1" name=""/>
+        <p:cNvGrpSpPr/>
+        <p:nvPr/>
+      </p:nvGrpSpPr>
+      <p:grpSpPr>
+        <a:xfrm>
+          <a:off x="0" y="0"/>
+          <a:ext cx="0" cy="0"/>
+          <a:chOff x="0" y="0"/>
+          <a:chExt cx="0" cy="0"/>
+        </a:xfrm>
+      </p:grpSpPr>
+      <p:sp>
+        <p:nvSpPr>
+          <p:cNvPr id="2" name="제목 1">
+            <a:extLst>
+              <a:ext uri="{FF2B5EF4-FFF2-40B4-BE49-F238E27FC236}">
+                <a16:creationId xmlns:a16="http://schemas.microsoft.com/office/drawing/2014/main" id="{85129C55-FA6B-CE97-8627-AC9C8231BE65}"/>
+              </a:ext>
+            </a:extLst>
+          </p:cNvPr>
+          <p:cNvSpPr>
+            <a:spLocks noGrp="1"/>
+          </p:cNvSpPr>
+          <p:nvPr>
+            <p:ph type="ctrTitle"/>
+          </p:nvPr>
+        </p:nvSpPr>
+        <p:spPr>
+          <a:xfrm>
+            <a:off x="1524000" y="2575230"/>
+            <a:ext cx="9144000" cy="1707540"/>
+          </a:xfrm>
+        </p:spPr>
+        <p:txBody>
+          <a:bodyPr>
+            <a:noAutofit/>
+          </a:bodyPr>
+          <a:lstStyle/>
+          <a:p>
+            <a:r>
+              <a:rPr kumimoji="1" lang="en-US" altLang="ko-KR" sz="12500" b="1" dirty="0">
+                <a:solidFill>
+                  <a:srgbClr val="242529"/>
+                </a:solidFill>
+                <a:latin typeface="Red Rose" pitchFamily="2" charset="0"/>
+              </a:rPr>
+              <a:t>TAROYAKI</a:t>
+            </a:r>
+            <a:r>
+              <a:rPr kumimoji="1" lang="en-US" altLang="ko-KR" sz="12500" dirty="0">
+                <a:solidFill>
+                  <a:srgbClr val="242529"/>
+                </a:solidFill>
+              </a:rPr>
+              <a:t> </a:t>
+            </a:r>
+            <a:endParaRPr kumimoji="1" lang="ko-KR" altLang="en-US" sz="12500" dirty="0">
+              <a:solidFill>
+                <a:srgbClr val="242529"/>
+              </a:solidFill>
+            </a:endParaRPr>
+          </a:p>
+        </p:txBody>
+      </p:sp>
+      <p:sp>
+        <p:nvSpPr>
+          <p:cNvPr id="3" name="부제목 2">
+            <a:extLst>
+              <a:ext uri="{FF2B5EF4-FFF2-40B4-BE49-F238E27FC236}">
+                <a16:creationId xmlns:a16="http://schemas.microsoft.com/office/drawing/2014/main" id="{CBAC183D-DDA8-FC7A-A215-24267CA08DE6}"/>
+              </a:ext>
+            </a:extLst>
+          </p:cNvPr>
+          <p:cNvSpPr>
+            <a:spLocks noGrp="1"/>
+          </p:cNvSpPr>
+          <p:nvPr>
+            <p:ph type="subTitle" idx="1"/>
+          </p:nvPr>
+        </p:nvSpPr>
+        <p:spPr>
+          <a:xfrm>
+            <a:off x="1524000" y="4774792"/>
+            <a:ext cx="9144000" cy="820060"/>
+          </a:xfrm>
+        </p:spPr>
+        <p:txBody>
+          <a:bodyPr>
+            <a:normAutofit/>
+          </a:bodyPr>
+          <a:lstStyle/>
+          <a:p>
+            <a:r>
+              <a:rPr kumimoji="1" lang="en-US" altLang="ko-KR" sz="3600" dirty="0">
+                <a:solidFill>
+                  <a:srgbClr val="242529"/>
+                </a:solidFill>
+                <a:latin typeface="Pretendard" panose="02000503000000020004" pitchFamily="2" charset="-127"/>
+                <a:ea typeface="Pretendard" panose="02000503000000020004" pitchFamily="2" charset="-127"/>
+                <a:cs typeface="Pretendard" panose="02000503000000020004" pitchFamily="2" charset="-127"/>
+              </a:rPr>
+              <a:t>Ep7</a:t>
+            </a:r>
+            <a:endParaRPr kumimoji="1" lang="ko-KR" altLang="en-US" sz="3600" dirty="0">
+              <a:solidFill>
+                <a:srgbClr val="242529"/>
+              </a:solidFill>
+              <a:latin typeface="Pretendard" panose="02000503000000020004" pitchFamily="2" charset="-127"/>
+              <a:ea typeface="Pretendard" panose="02000503000000020004" pitchFamily="2" charset="-127"/>
+              <a:cs typeface="Pretendard" panose="02000503000000020004" pitchFamily="2" charset="-127"/>
+            </a:endParaRPr>
+          </a:p>
+        </p:txBody>
+      </p:sp>
+      <p:sp>
+        <p:nvSpPr>
+          <p:cNvPr id="4" name="부제목 2">
+            <a:extLst>
+              <a:ext uri="{FF2B5EF4-FFF2-40B4-BE49-F238E27FC236}">
+                <a16:creationId xmlns:a16="http://schemas.microsoft.com/office/drawing/2014/main" id="{21F8209E-B29E-D313-7004-E0E0F59BD6E7}"/>
+              </a:ext>
+            </a:extLst>
+          </p:cNvPr>
+          <p:cNvSpPr txBox="1">
+            <a:spLocks/>
+          </p:cNvSpPr>
+          <p:nvPr/>
+        </p:nvSpPr>
+        <p:spPr>
+          <a:xfrm>
+            <a:off x="2911719" y="1793123"/>
+            <a:ext cx="6368561" cy="580170"/>
+          </a:xfrm>
+          <a:prstGeom prst="rect">
+            <a:avLst/>
+          </a:prstGeom>
+        </p:spPr>
+        <p:txBody>
+          <a:bodyPr vert="horz" lIns="91440" tIns="45720" rIns="91440" bIns="45720" rtlCol="0">
+            <a:normAutofit/>
+          </a:bodyPr>
+          <a:lstStyle>
+            <a:lvl1pPr marL="0" indent="0" algn="ctr" defTabSz="914400" rtl="0" eaLnBrk="1" latinLnBrk="1" hangingPunct="1">
+              <a:lnSpc>
+                <a:spcPct val="90000"/>
+              </a:lnSpc>
+              <a:spcBef>
+                <a:spcPts val="1000"/>
+              </a:spcBef>
+              <a:buFont typeface="Arial" panose="020B0604020202020204" pitchFamily="34" charset="0"/>
+              <a:buNone/>
+              <a:defRPr sz="2400" kern="1200">
+                <a:solidFill>
+                  <a:schemeClr val="tx1"/>
+                </a:solidFill>
+                <a:latin typeface="+mn-lt"/>
+                <a:ea typeface="+mn-ea"/>
+                <a:cs typeface="+mn-cs"/>
+              </a:defRPr>
+            </a:lvl1pPr>
+            <a:lvl2pPr marL="457200" indent="0" algn="ctr" defTabSz="914400" rtl="0" eaLnBrk="1" latinLnBrk="1" hangingPunct="1">
+              <a:lnSpc>
+                <a:spcPct val="90000"/>
+              </a:lnSpc>
+              <a:spcBef>
+                <a:spcPts val="500"/>
+              </a:spcBef>
+              <a:buFont typeface="Arial" panose="020B0604020202020204" pitchFamily="34" charset="0"/>
+              <a:buNone/>
+              <a:defRPr sz="2000" kern="1200">
+                <a:solidFill>
+                  <a:schemeClr val="tx1"/>
+                </a:solidFill>
+                <a:latin typeface="+mn-lt"/>
+                <a:ea typeface="+mn-ea"/>
+                <a:cs typeface="+mn-cs"/>
+              </a:defRPr>
+            </a:lvl2pPr>
+            <a:lvl3pPr marL="914400" indent="0" algn="ctr" defTabSz="914400" rtl="0" eaLnBrk="1" latinLnBrk="1" hangingPunct="1">
+              <a:lnSpc>
+                <a:spcPct val="90000"/>
+              </a:lnSpc>
+              <a:spcBef>
+                <a:spcPts val="500"/>
+              </a:spcBef>
+              <a:buFont typeface="Arial" panose="020B0604020202020204" pitchFamily="34" charset="0"/>
+              <a:buNone/>
+              <a:defRPr sz="1800" kern="1200">
+                <a:solidFill>
+                  <a:schemeClr val="tx1"/>
+                </a:solidFill>
+                <a:latin typeface="+mn-lt"/>
+                <a:ea typeface="+mn-ea"/>
+                <a:cs typeface="+mn-cs"/>
+              </a:defRPr>
+            </a:lvl3pPr>
+            <a:lvl4pPr marL="1371600" indent="0" algn="ctr" defTabSz="914400" rtl="0" eaLnBrk="1" latinLnBrk="1" hangingPunct="1">
+              <a:lnSpc>
+                <a:spcPct val="90000"/>
+              </a:lnSpc>
+              <a:spcBef>
+                <a:spcPts val="500"/>
+              </a:spcBef>
+              <a:buFont typeface="Arial" panose="020B0604020202020204" pitchFamily="34" charset="0"/>
+              <a:buNone/>
+              <a:defRPr sz="1600" kern="1200">
+                <a:solidFill>
+                  <a:schemeClr val="tx1"/>
+                </a:solidFill>
+                <a:latin typeface="+mn-lt"/>
+                <a:ea typeface="+mn-ea"/>
+                <a:cs typeface="+mn-cs"/>
+              </a:defRPr>
+            </a:lvl4pPr>
+            <a:lvl5pPr marL="1828800" indent="0" algn="ctr" defTabSz="914400" rtl="0" eaLnBrk="1" latinLnBrk="1" hangingPunct="1">
+              <a:lnSpc>
+                <a:spcPct val="90000"/>
+              </a:lnSpc>
+              <a:spcBef>
+                <a:spcPts val="500"/>
+              </a:spcBef>
+              <a:buFont typeface="Arial" panose="020B0604020202020204" pitchFamily="34" charset="0"/>
+              <a:buNone/>
+              <a:defRPr sz="1600" kern="1200">
+                <a:solidFill>
+                  <a:schemeClr val="tx1"/>
+                </a:solidFill>
+                <a:latin typeface="+mn-lt"/>
+                <a:ea typeface="+mn-ea"/>
+                <a:cs typeface="+mn-cs"/>
+              </a:defRPr>
+            </a:lvl5pPr>
+            <a:lvl6pPr marL="2286000" indent="0" algn="ctr" defTabSz="914400" rtl="0" eaLnBrk="1" latinLnBrk="1" hangingPunct="1">
+              <a:lnSpc>
+                <a:spcPct val="90000"/>
+              </a:lnSpc>
+              <a:spcBef>
+                <a:spcPts val="500"/>
+              </a:spcBef>
+              <a:buFont typeface="Arial" panose="020B0604020202020204" pitchFamily="34" charset="0"/>
+              <a:buNone/>
+              <a:defRPr sz="1600" kern="1200">
+                <a:solidFill>
+                  <a:schemeClr val="tx1"/>
+                </a:solidFill>
+                <a:latin typeface="+mn-lt"/>
+                <a:ea typeface="+mn-ea"/>
+                <a:cs typeface="+mn-cs"/>
+              </a:defRPr>
+            </a:lvl6pPr>
+            <a:lvl7pPr marL="2743200" indent="0" algn="ctr" defTabSz="914400" rtl="0" eaLnBrk="1" latinLnBrk="1" hangingPunct="1">
+              <a:lnSpc>
+                <a:spcPct val="90000"/>
+              </a:lnSpc>
+              <a:spcBef>
+                <a:spcPts val="500"/>
+              </a:spcBef>
+              <a:buFont typeface="Arial" panose="020B0604020202020204" pitchFamily="34" charset="0"/>
+              <a:buNone/>
+              <a:defRPr sz="1600" kern="1200">
+                <a:solidFill>
+                  <a:schemeClr val="tx1"/>
+                </a:solidFill>
+                <a:latin typeface="+mn-lt"/>
+                <a:ea typeface="+mn-ea"/>
+                <a:cs typeface="+mn-cs"/>
+              </a:defRPr>
+            </a:lvl7pPr>
+            <a:lvl8pPr marL="3200400" indent="0" algn="ctr" defTabSz="914400" rtl="0" eaLnBrk="1" latinLnBrk="1" hangingPunct="1">
+              <a:lnSpc>
+                <a:spcPct val="90000"/>
+              </a:lnSpc>
+              <a:spcBef>
+                <a:spcPts val="500"/>
+              </a:spcBef>
+              <a:buFont typeface="Arial" panose="020B0604020202020204" pitchFamily="34" charset="0"/>
+              <a:buNone/>
+              <a:defRPr sz="1600" kern="1200">
+                <a:solidFill>
+                  <a:schemeClr val="tx1"/>
+                </a:solidFill>
+                <a:latin typeface="+mn-lt"/>
+                <a:ea typeface="+mn-ea"/>
+                <a:cs typeface="+mn-cs"/>
+              </a:defRPr>
+            </a:lvl8pPr>
+            <a:lvl9pPr marL="3657600" indent="0" algn="ctr" defTabSz="914400" rtl="0" eaLnBrk="1" latinLnBrk="1" hangingPunct="1">
+              <a:lnSpc>
+                <a:spcPct val="90000"/>
+              </a:lnSpc>
+              <a:spcBef>
+                <a:spcPts val="500"/>
+              </a:spcBef>
+              <a:buFont typeface="Arial" panose="020B0604020202020204" pitchFamily="34" charset="0"/>
+              <a:buNone/>
+              <a:defRPr sz="1600" kern="1200">
+                <a:solidFill>
+                  <a:schemeClr val="tx1"/>
+                </a:solidFill>
+                <a:latin typeface="+mn-lt"/>
+                <a:ea typeface="+mn-ea"/>
+                <a:cs typeface="+mn-cs"/>
+              </a:defRPr>
+            </a:lvl9pPr>
+          </a:lstStyle>
+          <a:p>
+            <a:r>
+              <a:rPr kumimoji="1" lang="en-US" altLang="ko-KR" sz="2800" dirty="0">
+                <a:solidFill>
+                  <a:srgbClr val="242529"/>
+                </a:solidFill>
+                <a:latin typeface="Pretendard ExtraLight" panose="02000303000000020004" pitchFamily="2" charset="-127"/>
+                <a:ea typeface="Pretendard ExtraLight" panose="02000303000000020004" pitchFamily="2" charset="-127"/>
+                <a:cs typeface="Pretendard ExtraLight" panose="02000303000000020004" pitchFamily="2" charset="-127"/>
+              </a:rPr>
+              <a:t>Serverless chat app for Tarot telling</a:t>
+            </a:r>
+            <a:endParaRPr kumimoji="1" lang="ko-KR" altLang="en-US" sz="2800" dirty="0">
+              <a:solidFill>
+                <a:srgbClr val="242529"/>
+              </a:solidFill>
+              <a:latin typeface="Pretendard ExtraLight" panose="02000303000000020004" pitchFamily="2" charset="-127"/>
+              <a:ea typeface="Pretendard ExtraLight" panose="02000303000000020004" pitchFamily="2" charset="-127"/>
+              <a:cs typeface="Pretendard ExtraLight" panose="02000303000000020004" pitchFamily="2" charset="-127"/>
+            </a:endParaRPr>
+          </a:p>
+        </p:txBody>
+      </p:sp>
+    </p:spTree>
+    <p:extLst>
+      <p:ext uri="{BB962C8B-B14F-4D97-AF65-F5344CB8AC3E}">
+        <p14:creationId xmlns:p14="http://schemas.microsoft.com/office/powerpoint/2010/main" val="2073423146"/>
       </p:ext>
     </p:extLst>
   </p:cSld>

--- a/documents/velog표지.pptx
+++ b/documents/velog표지.pptx
@@ -17,6 +17,14 @@
     <p:sldId id="265" r:id="rId11"/>
     <p:sldId id="266" r:id="rId12"/>
     <p:sldId id="267" r:id="rId13"/>
+    <p:sldId id="268" r:id="rId14"/>
+    <p:sldId id="269" r:id="rId15"/>
+    <p:sldId id="270" r:id="rId16"/>
+    <p:sldId id="273" r:id="rId17"/>
+    <p:sldId id="271" r:id="rId18"/>
+    <p:sldId id="272" r:id="rId19"/>
+    <p:sldId id="274" r:id="rId20"/>
+    <p:sldId id="275" r:id="rId21"/>
   </p:sldIdLst>
   <p:sldSz cx="12192000" cy="6858000"/>
   <p:notesSz cx="6858000" cy="9144000"/>
@@ -270,7 +278,7 @@
           <a:p>
             <a:fld id="{A899A366-AF62-6845-975E-FC3B3834C0E4}" type="datetimeFigureOut">
               <a:rPr kumimoji="1" lang="ko-KR" altLang="en-US" smtClean="0"/>
-              <a:t>2025. 3. 27.</a:t>
+              <a:t>2025. 5. 5.</a:t>
             </a:fld>
             <a:endParaRPr kumimoji="1" lang="ko-KR" altLang="en-US"/>
           </a:p>
@@ -468,7 +476,7 @@
           <a:p>
             <a:fld id="{A899A366-AF62-6845-975E-FC3B3834C0E4}" type="datetimeFigureOut">
               <a:rPr kumimoji="1" lang="ko-KR" altLang="en-US" smtClean="0"/>
-              <a:t>2025. 3. 27.</a:t>
+              <a:t>2025. 5. 5.</a:t>
             </a:fld>
             <a:endParaRPr kumimoji="1" lang="ko-KR" altLang="en-US"/>
           </a:p>
@@ -676,7 +684,7 @@
           <a:p>
             <a:fld id="{A899A366-AF62-6845-975E-FC3B3834C0E4}" type="datetimeFigureOut">
               <a:rPr kumimoji="1" lang="ko-KR" altLang="en-US" smtClean="0"/>
-              <a:t>2025. 3. 27.</a:t>
+              <a:t>2025. 5. 5.</a:t>
             </a:fld>
             <a:endParaRPr kumimoji="1" lang="ko-KR" altLang="en-US"/>
           </a:p>
@@ -874,7 +882,7 @@
           <a:p>
             <a:fld id="{A899A366-AF62-6845-975E-FC3B3834C0E4}" type="datetimeFigureOut">
               <a:rPr kumimoji="1" lang="ko-KR" altLang="en-US" smtClean="0"/>
-              <a:t>2025. 3. 27.</a:t>
+              <a:t>2025. 5. 5.</a:t>
             </a:fld>
             <a:endParaRPr kumimoji="1" lang="ko-KR" altLang="en-US"/>
           </a:p>
@@ -1149,7 +1157,7 @@
           <a:p>
             <a:fld id="{A899A366-AF62-6845-975E-FC3B3834C0E4}" type="datetimeFigureOut">
               <a:rPr kumimoji="1" lang="ko-KR" altLang="en-US" smtClean="0"/>
-              <a:t>2025. 3. 27.</a:t>
+              <a:t>2025. 5. 5.</a:t>
             </a:fld>
             <a:endParaRPr kumimoji="1" lang="ko-KR" altLang="en-US"/>
           </a:p>
@@ -1414,7 +1422,7 @@
           <a:p>
             <a:fld id="{A899A366-AF62-6845-975E-FC3B3834C0E4}" type="datetimeFigureOut">
               <a:rPr kumimoji="1" lang="ko-KR" altLang="en-US" smtClean="0"/>
-              <a:t>2025. 3. 27.</a:t>
+              <a:t>2025. 5. 5.</a:t>
             </a:fld>
             <a:endParaRPr kumimoji="1" lang="ko-KR" altLang="en-US"/>
           </a:p>
@@ -1826,7 +1834,7 @@
           <a:p>
             <a:fld id="{A899A366-AF62-6845-975E-FC3B3834C0E4}" type="datetimeFigureOut">
               <a:rPr kumimoji="1" lang="ko-KR" altLang="en-US" smtClean="0"/>
-              <a:t>2025. 3. 27.</a:t>
+              <a:t>2025. 5. 5.</a:t>
             </a:fld>
             <a:endParaRPr kumimoji="1" lang="ko-KR" altLang="en-US"/>
           </a:p>
@@ -1967,7 +1975,7 @@
           <a:p>
             <a:fld id="{A899A366-AF62-6845-975E-FC3B3834C0E4}" type="datetimeFigureOut">
               <a:rPr kumimoji="1" lang="ko-KR" altLang="en-US" smtClean="0"/>
-              <a:t>2025. 3. 27.</a:t>
+              <a:t>2025. 5. 5.</a:t>
             </a:fld>
             <a:endParaRPr kumimoji="1" lang="ko-KR" altLang="en-US"/>
           </a:p>
@@ -2080,7 +2088,7 @@
           <a:p>
             <a:fld id="{A899A366-AF62-6845-975E-FC3B3834C0E4}" type="datetimeFigureOut">
               <a:rPr kumimoji="1" lang="ko-KR" altLang="en-US" smtClean="0"/>
-              <a:t>2025. 3. 27.</a:t>
+              <a:t>2025. 5. 5.</a:t>
             </a:fld>
             <a:endParaRPr kumimoji="1" lang="ko-KR" altLang="en-US"/>
           </a:p>
@@ -2391,7 +2399,7 @@
           <a:p>
             <a:fld id="{A899A366-AF62-6845-975E-FC3B3834C0E4}" type="datetimeFigureOut">
               <a:rPr kumimoji="1" lang="ko-KR" altLang="en-US" smtClean="0"/>
-              <a:t>2025. 3. 27.</a:t>
+              <a:t>2025. 5. 5.</a:t>
             </a:fld>
             <a:endParaRPr kumimoji="1" lang="ko-KR" altLang="en-US"/>
           </a:p>
@@ -2679,7 +2687,7 @@
           <a:p>
             <a:fld id="{A899A366-AF62-6845-975E-FC3B3834C0E4}" type="datetimeFigureOut">
               <a:rPr kumimoji="1" lang="ko-KR" altLang="en-US" smtClean="0"/>
-              <a:t>2025. 3. 27.</a:t>
+              <a:t>2025. 5. 5.</a:t>
             </a:fld>
             <a:endParaRPr kumimoji="1" lang="ko-KR" altLang="en-US"/>
           </a:p>
@@ -2920,7 +2928,7 @@
           <a:p>
             <a:fld id="{A899A366-AF62-6845-975E-FC3B3834C0E4}" type="datetimeFigureOut">
               <a:rPr kumimoji="1" lang="ko-KR" altLang="en-US" smtClean="0"/>
-              <a:t>2025. 3. 27.</a:t>
+              <a:t>2025. 5. 5.</a:t>
             </a:fld>
             <a:endParaRPr kumimoji="1" lang="ko-KR" altLang="en-US"/>
           </a:p>
@@ -4740,6 +4748,2491 @@
 </p:sld>
 </file>
 
+<file path=ppt/slides/slide13.xml><?xml version="1.0" encoding="utf-8"?>
+<p:sld xmlns:a="http://schemas.openxmlformats.org/drawingml/2006/main" xmlns:r="http://schemas.openxmlformats.org/officeDocument/2006/relationships" xmlns:p="http://schemas.openxmlformats.org/presentationml/2006/main">
+  <p:cSld>
+    <p:bg>
+      <p:bgPr>
+        <a:solidFill>
+          <a:srgbClr val="EBE4D4"/>
+        </a:solidFill>
+        <a:effectLst/>
+      </p:bgPr>
+    </p:bg>
+    <p:spTree>
+      <p:nvGrpSpPr>
+        <p:cNvPr id="1" name=""/>
+        <p:cNvGrpSpPr/>
+        <p:nvPr/>
+      </p:nvGrpSpPr>
+      <p:grpSpPr>
+        <a:xfrm>
+          <a:off x="0" y="0"/>
+          <a:ext cx="0" cy="0"/>
+          <a:chOff x="0" y="0"/>
+          <a:chExt cx="0" cy="0"/>
+        </a:xfrm>
+      </p:grpSpPr>
+      <p:sp>
+        <p:nvSpPr>
+          <p:cNvPr id="2" name="제목 1">
+            <a:extLst>
+              <a:ext uri="{FF2B5EF4-FFF2-40B4-BE49-F238E27FC236}">
+                <a16:creationId xmlns:a16="http://schemas.microsoft.com/office/drawing/2014/main" id="{85129C55-FA6B-CE97-8627-AC9C8231BE65}"/>
+              </a:ext>
+            </a:extLst>
+          </p:cNvPr>
+          <p:cNvSpPr>
+            <a:spLocks noGrp="1"/>
+          </p:cNvSpPr>
+          <p:nvPr>
+            <p:ph type="ctrTitle"/>
+          </p:nvPr>
+        </p:nvSpPr>
+        <p:spPr>
+          <a:xfrm>
+            <a:off x="1524000" y="2575230"/>
+            <a:ext cx="9144000" cy="1707540"/>
+          </a:xfrm>
+        </p:spPr>
+        <p:txBody>
+          <a:bodyPr>
+            <a:noAutofit/>
+          </a:bodyPr>
+          <a:lstStyle/>
+          <a:p>
+            <a:r>
+              <a:rPr kumimoji="1" lang="en-US" altLang="ko-KR" sz="12500" b="1" dirty="0">
+                <a:solidFill>
+                  <a:srgbClr val="242529"/>
+                </a:solidFill>
+                <a:latin typeface="Red Rose" pitchFamily="2" charset="0"/>
+              </a:rPr>
+              <a:t>TAROYAKI</a:t>
+            </a:r>
+            <a:r>
+              <a:rPr kumimoji="1" lang="en-US" altLang="ko-KR" sz="12500" dirty="0">
+                <a:solidFill>
+                  <a:srgbClr val="242529"/>
+                </a:solidFill>
+              </a:rPr>
+              <a:t> </a:t>
+            </a:r>
+            <a:endParaRPr kumimoji="1" lang="ko-KR" altLang="en-US" sz="12500" dirty="0">
+              <a:solidFill>
+                <a:srgbClr val="242529"/>
+              </a:solidFill>
+            </a:endParaRPr>
+          </a:p>
+        </p:txBody>
+      </p:sp>
+      <p:sp>
+        <p:nvSpPr>
+          <p:cNvPr id="3" name="부제목 2">
+            <a:extLst>
+              <a:ext uri="{FF2B5EF4-FFF2-40B4-BE49-F238E27FC236}">
+                <a16:creationId xmlns:a16="http://schemas.microsoft.com/office/drawing/2014/main" id="{CBAC183D-DDA8-FC7A-A215-24267CA08DE6}"/>
+              </a:ext>
+            </a:extLst>
+          </p:cNvPr>
+          <p:cNvSpPr>
+            <a:spLocks noGrp="1"/>
+          </p:cNvSpPr>
+          <p:nvPr>
+            <p:ph type="subTitle" idx="1"/>
+          </p:nvPr>
+        </p:nvSpPr>
+        <p:spPr>
+          <a:xfrm>
+            <a:off x="1524000" y="4774792"/>
+            <a:ext cx="9144000" cy="820060"/>
+          </a:xfrm>
+        </p:spPr>
+        <p:txBody>
+          <a:bodyPr>
+            <a:normAutofit/>
+          </a:bodyPr>
+          <a:lstStyle/>
+          <a:p>
+            <a:r>
+              <a:rPr kumimoji="1" lang="en-US" altLang="ko-KR" sz="3600" dirty="0">
+                <a:solidFill>
+                  <a:srgbClr val="242529"/>
+                </a:solidFill>
+                <a:latin typeface="Pretendard" panose="02000503000000020004" pitchFamily="2" charset="-127"/>
+                <a:ea typeface="Pretendard" panose="02000503000000020004" pitchFamily="2" charset="-127"/>
+                <a:cs typeface="Pretendard" panose="02000503000000020004" pitchFamily="2" charset="-127"/>
+              </a:rPr>
+              <a:t>Ep11</a:t>
+            </a:r>
+            <a:endParaRPr kumimoji="1" lang="ko-KR" altLang="en-US" sz="3600" dirty="0">
+              <a:solidFill>
+                <a:srgbClr val="242529"/>
+              </a:solidFill>
+              <a:latin typeface="Pretendard" panose="02000503000000020004" pitchFamily="2" charset="-127"/>
+              <a:ea typeface="Pretendard" panose="02000503000000020004" pitchFamily="2" charset="-127"/>
+              <a:cs typeface="Pretendard" panose="02000503000000020004" pitchFamily="2" charset="-127"/>
+            </a:endParaRPr>
+          </a:p>
+        </p:txBody>
+      </p:sp>
+      <p:sp>
+        <p:nvSpPr>
+          <p:cNvPr id="4" name="부제목 2">
+            <a:extLst>
+              <a:ext uri="{FF2B5EF4-FFF2-40B4-BE49-F238E27FC236}">
+                <a16:creationId xmlns:a16="http://schemas.microsoft.com/office/drawing/2014/main" id="{21F8209E-B29E-D313-7004-E0E0F59BD6E7}"/>
+              </a:ext>
+            </a:extLst>
+          </p:cNvPr>
+          <p:cNvSpPr txBox="1">
+            <a:spLocks/>
+          </p:cNvSpPr>
+          <p:nvPr/>
+        </p:nvSpPr>
+        <p:spPr>
+          <a:xfrm>
+            <a:off x="2911719" y="1793123"/>
+            <a:ext cx="6368561" cy="580170"/>
+          </a:xfrm>
+          <a:prstGeom prst="rect">
+            <a:avLst/>
+          </a:prstGeom>
+        </p:spPr>
+        <p:txBody>
+          <a:bodyPr vert="horz" lIns="91440" tIns="45720" rIns="91440" bIns="45720" rtlCol="0">
+            <a:normAutofit/>
+          </a:bodyPr>
+          <a:lstStyle>
+            <a:lvl1pPr marL="0" indent="0" algn="ctr" defTabSz="914400" rtl="0" eaLnBrk="1" latinLnBrk="1" hangingPunct="1">
+              <a:lnSpc>
+                <a:spcPct val="90000"/>
+              </a:lnSpc>
+              <a:spcBef>
+                <a:spcPts val="1000"/>
+              </a:spcBef>
+              <a:buFont typeface="Arial" panose="020B0604020202020204" pitchFamily="34" charset="0"/>
+              <a:buNone/>
+              <a:defRPr sz="2400" kern="1200">
+                <a:solidFill>
+                  <a:schemeClr val="tx1"/>
+                </a:solidFill>
+                <a:latin typeface="+mn-lt"/>
+                <a:ea typeface="+mn-ea"/>
+                <a:cs typeface="+mn-cs"/>
+              </a:defRPr>
+            </a:lvl1pPr>
+            <a:lvl2pPr marL="457200" indent="0" algn="ctr" defTabSz="914400" rtl="0" eaLnBrk="1" latinLnBrk="1" hangingPunct="1">
+              <a:lnSpc>
+                <a:spcPct val="90000"/>
+              </a:lnSpc>
+              <a:spcBef>
+                <a:spcPts val="500"/>
+              </a:spcBef>
+              <a:buFont typeface="Arial" panose="020B0604020202020204" pitchFamily="34" charset="0"/>
+              <a:buNone/>
+              <a:defRPr sz="2000" kern="1200">
+                <a:solidFill>
+                  <a:schemeClr val="tx1"/>
+                </a:solidFill>
+                <a:latin typeface="+mn-lt"/>
+                <a:ea typeface="+mn-ea"/>
+                <a:cs typeface="+mn-cs"/>
+              </a:defRPr>
+            </a:lvl2pPr>
+            <a:lvl3pPr marL="914400" indent="0" algn="ctr" defTabSz="914400" rtl="0" eaLnBrk="1" latinLnBrk="1" hangingPunct="1">
+              <a:lnSpc>
+                <a:spcPct val="90000"/>
+              </a:lnSpc>
+              <a:spcBef>
+                <a:spcPts val="500"/>
+              </a:spcBef>
+              <a:buFont typeface="Arial" panose="020B0604020202020204" pitchFamily="34" charset="0"/>
+              <a:buNone/>
+              <a:defRPr sz="1800" kern="1200">
+                <a:solidFill>
+                  <a:schemeClr val="tx1"/>
+                </a:solidFill>
+                <a:latin typeface="+mn-lt"/>
+                <a:ea typeface="+mn-ea"/>
+                <a:cs typeface="+mn-cs"/>
+              </a:defRPr>
+            </a:lvl3pPr>
+            <a:lvl4pPr marL="1371600" indent="0" algn="ctr" defTabSz="914400" rtl="0" eaLnBrk="1" latinLnBrk="1" hangingPunct="1">
+              <a:lnSpc>
+                <a:spcPct val="90000"/>
+              </a:lnSpc>
+              <a:spcBef>
+                <a:spcPts val="500"/>
+              </a:spcBef>
+              <a:buFont typeface="Arial" panose="020B0604020202020204" pitchFamily="34" charset="0"/>
+              <a:buNone/>
+              <a:defRPr sz="1600" kern="1200">
+                <a:solidFill>
+                  <a:schemeClr val="tx1"/>
+                </a:solidFill>
+                <a:latin typeface="+mn-lt"/>
+                <a:ea typeface="+mn-ea"/>
+                <a:cs typeface="+mn-cs"/>
+              </a:defRPr>
+            </a:lvl4pPr>
+            <a:lvl5pPr marL="1828800" indent="0" algn="ctr" defTabSz="914400" rtl="0" eaLnBrk="1" latinLnBrk="1" hangingPunct="1">
+              <a:lnSpc>
+                <a:spcPct val="90000"/>
+              </a:lnSpc>
+              <a:spcBef>
+                <a:spcPts val="500"/>
+              </a:spcBef>
+              <a:buFont typeface="Arial" panose="020B0604020202020204" pitchFamily="34" charset="0"/>
+              <a:buNone/>
+              <a:defRPr sz="1600" kern="1200">
+                <a:solidFill>
+                  <a:schemeClr val="tx1"/>
+                </a:solidFill>
+                <a:latin typeface="+mn-lt"/>
+                <a:ea typeface="+mn-ea"/>
+                <a:cs typeface="+mn-cs"/>
+              </a:defRPr>
+            </a:lvl5pPr>
+            <a:lvl6pPr marL="2286000" indent="0" algn="ctr" defTabSz="914400" rtl="0" eaLnBrk="1" latinLnBrk="1" hangingPunct="1">
+              <a:lnSpc>
+                <a:spcPct val="90000"/>
+              </a:lnSpc>
+              <a:spcBef>
+                <a:spcPts val="500"/>
+              </a:spcBef>
+              <a:buFont typeface="Arial" panose="020B0604020202020204" pitchFamily="34" charset="0"/>
+              <a:buNone/>
+              <a:defRPr sz="1600" kern="1200">
+                <a:solidFill>
+                  <a:schemeClr val="tx1"/>
+                </a:solidFill>
+                <a:latin typeface="+mn-lt"/>
+                <a:ea typeface="+mn-ea"/>
+                <a:cs typeface="+mn-cs"/>
+              </a:defRPr>
+            </a:lvl6pPr>
+            <a:lvl7pPr marL="2743200" indent="0" algn="ctr" defTabSz="914400" rtl="0" eaLnBrk="1" latinLnBrk="1" hangingPunct="1">
+              <a:lnSpc>
+                <a:spcPct val="90000"/>
+              </a:lnSpc>
+              <a:spcBef>
+                <a:spcPts val="500"/>
+              </a:spcBef>
+              <a:buFont typeface="Arial" panose="020B0604020202020204" pitchFamily="34" charset="0"/>
+              <a:buNone/>
+              <a:defRPr sz="1600" kern="1200">
+                <a:solidFill>
+                  <a:schemeClr val="tx1"/>
+                </a:solidFill>
+                <a:latin typeface="+mn-lt"/>
+                <a:ea typeface="+mn-ea"/>
+                <a:cs typeface="+mn-cs"/>
+              </a:defRPr>
+            </a:lvl7pPr>
+            <a:lvl8pPr marL="3200400" indent="0" algn="ctr" defTabSz="914400" rtl="0" eaLnBrk="1" latinLnBrk="1" hangingPunct="1">
+              <a:lnSpc>
+                <a:spcPct val="90000"/>
+              </a:lnSpc>
+              <a:spcBef>
+                <a:spcPts val="500"/>
+              </a:spcBef>
+              <a:buFont typeface="Arial" panose="020B0604020202020204" pitchFamily="34" charset="0"/>
+              <a:buNone/>
+              <a:defRPr sz="1600" kern="1200">
+                <a:solidFill>
+                  <a:schemeClr val="tx1"/>
+                </a:solidFill>
+                <a:latin typeface="+mn-lt"/>
+                <a:ea typeface="+mn-ea"/>
+                <a:cs typeface="+mn-cs"/>
+              </a:defRPr>
+            </a:lvl8pPr>
+            <a:lvl9pPr marL="3657600" indent="0" algn="ctr" defTabSz="914400" rtl="0" eaLnBrk="1" latinLnBrk="1" hangingPunct="1">
+              <a:lnSpc>
+                <a:spcPct val="90000"/>
+              </a:lnSpc>
+              <a:spcBef>
+                <a:spcPts val="500"/>
+              </a:spcBef>
+              <a:buFont typeface="Arial" panose="020B0604020202020204" pitchFamily="34" charset="0"/>
+              <a:buNone/>
+              <a:defRPr sz="1600" kern="1200">
+                <a:solidFill>
+                  <a:schemeClr val="tx1"/>
+                </a:solidFill>
+                <a:latin typeface="+mn-lt"/>
+                <a:ea typeface="+mn-ea"/>
+                <a:cs typeface="+mn-cs"/>
+              </a:defRPr>
+            </a:lvl9pPr>
+          </a:lstStyle>
+          <a:p>
+            <a:r>
+              <a:rPr kumimoji="1" lang="en-US" altLang="ko-KR" sz="2800" dirty="0">
+                <a:solidFill>
+                  <a:srgbClr val="242529"/>
+                </a:solidFill>
+                <a:latin typeface="Pretendard ExtraLight" panose="02000303000000020004" pitchFamily="2" charset="-127"/>
+                <a:ea typeface="Pretendard ExtraLight" panose="02000303000000020004" pitchFamily="2" charset="-127"/>
+                <a:cs typeface="Pretendard ExtraLight" panose="02000303000000020004" pitchFamily="2" charset="-127"/>
+              </a:rPr>
+              <a:t>Serverless chat app for Tarot telling</a:t>
+            </a:r>
+            <a:endParaRPr kumimoji="1" lang="ko-KR" altLang="en-US" sz="2800" dirty="0">
+              <a:solidFill>
+                <a:srgbClr val="242529"/>
+              </a:solidFill>
+              <a:latin typeface="Pretendard ExtraLight" panose="02000303000000020004" pitchFamily="2" charset="-127"/>
+              <a:ea typeface="Pretendard ExtraLight" panose="02000303000000020004" pitchFamily="2" charset="-127"/>
+              <a:cs typeface="Pretendard ExtraLight" panose="02000303000000020004" pitchFamily="2" charset="-127"/>
+            </a:endParaRPr>
+          </a:p>
+        </p:txBody>
+      </p:sp>
+    </p:spTree>
+    <p:extLst>
+      <p:ext uri="{BB962C8B-B14F-4D97-AF65-F5344CB8AC3E}">
+        <p14:creationId xmlns:p14="http://schemas.microsoft.com/office/powerpoint/2010/main" val="1837164837"/>
+      </p:ext>
+    </p:extLst>
+  </p:cSld>
+  <p:clrMapOvr>
+    <a:masterClrMapping/>
+  </p:clrMapOvr>
+</p:sld>
+</file>
+
+<file path=ppt/slides/slide14.xml><?xml version="1.0" encoding="utf-8"?>
+<p:sld xmlns:a="http://schemas.openxmlformats.org/drawingml/2006/main" xmlns:r="http://schemas.openxmlformats.org/officeDocument/2006/relationships" xmlns:p="http://schemas.openxmlformats.org/presentationml/2006/main">
+  <p:cSld>
+    <p:bg>
+      <p:bgPr>
+        <a:solidFill>
+          <a:srgbClr val="EBE4D4"/>
+        </a:solidFill>
+        <a:effectLst/>
+      </p:bgPr>
+    </p:bg>
+    <p:spTree>
+      <p:nvGrpSpPr>
+        <p:cNvPr id="1" name=""/>
+        <p:cNvGrpSpPr/>
+        <p:nvPr/>
+      </p:nvGrpSpPr>
+      <p:grpSpPr>
+        <a:xfrm>
+          <a:off x="0" y="0"/>
+          <a:ext cx="0" cy="0"/>
+          <a:chOff x="0" y="0"/>
+          <a:chExt cx="0" cy="0"/>
+        </a:xfrm>
+      </p:grpSpPr>
+      <p:sp>
+        <p:nvSpPr>
+          <p:cNvPr id="2" name="제목 1">
+            <a:extLst>
+              <a:ext uri="{FF2B5EF4-FFF2-40B4-BE49-F238E27FC236}">
+                <a16:creationId xmlns:a16="http://schemas.microsoft.com/office/drawing/2014/main" id="{85129C55-FA6B-CE97-8627-AC9C8231BE65}"/>
+              </a:ext>
+            </a:extLst>
+          </p:cNvPr>
+          <p:cNvSpPr>
+            <a:spLocks noGrp="1"/>
+          </p:cNvSpPr>
+          <p:nvPr>
+            <p:ph type="ctrTitle"/>
+          </p:nvPr>
+        </p:nvSpPr>
+        <p:spPr>
+          <a:xfrm>
+            <a:off x="1524000" y="2575230"/>
+            <a:ext cx="9144000" cy="1707540"/>
+          </a:xfrm>
+        </p:spPr>
+        <p:txBody>
+          <a:bodyPr>
+            <a:noAutofit/>
+          </a:bodyPr>
+          <a:lstStyle/>
+          <a:p>
+            <a:r>
+              <a:rPr kumimoji="1" lang="en-US" altLang="ko-KR" sz="12500" b="1" dirty="0">
+                <a:solidFill>
+                  <a:srgbClr val="242529"/>
+                </a:solidFill>
+                <a:latin typeface="Red Rose" pitchFamily="2" charset="0"/>
+              </a:rPr>
+              <a:t>TAROYAKI</a:t>
+            </a:r>
+            <a:r>
+              <a:rPr kumimoji="1" lang="en-US" altLang="ko-KR" sz="12500" dirty="0">
+                <a:solidFill>
+                  <a:srgbClr val="242529"/>
+                </a:solidFill>
+              </a:rPr>
+              <a:t> </a:t>
+            </a:r>
+            <a:endParaRPr kumimoji="1" lang="ko-KR" altLang="en-US" sz="12500" dirty="0">
+              <a:solidFill>
+                <a:srgbClr val="242529"/>
+              </a:solidFill>
+            </a:endParaRPr>
+          </a:p>
+        </p:txBody>
+      </p:sp>
+      <p:sp>
+        <p:nvSpPr>
+          <p:cNvPr id="3" name="부제목 2">
+            <a:extLst>
+              <a:ext uri="{FF2B5EF4-FFF2-40B4-BE49-F238E27FC236}">
+                <a16:creationId xmlns:a16="http://schemas.microsoft.com/office/drawing/2014/main" id="{CBAC183D-DDA8-FC7A-A215-24267CA08DE6}"/>
+              </a:ext>
+            </a:extLst>
+          </p:cNvPr>
+          <p:cNvSpPr>
+            <a:spLocks noGrp="1"/>
+          </p:cNvSpPr>
+          <p:nvPr>
+            <p:ph type="subTitle" idx="1"/>
+          </p:nvPr>
+        </p:nvSpPr>
+        <p:spPr>
+          <a:xfrm>
+            <a:off x="1524000" y="4774792"/>
+            <a:ext cx="9144000" cy="820060"/>
+          </a:xfrm>
+        </p:spPr>
+        <p:txBody>
+          <a:bodyPr>
+            <a:normAutofit/>
+          </a:bodyPr>
+          <a:lstStyle/>
+          <a:p>
+            <a:r>
+              <a:rPr kumimoji="1" lang="en-US" altLang="ko-KR" sz="3600" dirty="0">
+                <a:solidFill>
+                  <a:srgbClr val="242529"/>
+                </a:solidFill>
+                <a:latin typeface="Pretendard" panose="02000503000000020004" pitchFamily="2" charset="-127"/>
+                <a:ea typeface="Pretendard" panose="02000503000000020004" pitchFamily="2" charset="-127"/>
+                <a:cs typeface="Pretendard" panose="02000503000000020004" pitchFamily="2" charset="-127"/>
+              </a:rPr>
+              <a:t>Ep12</a:t>
+            </a:r>
+            <a:endParaRPr kumimoji="1" lang="ko-KR" altLang="en-US" sz="3600" dirty="0">
+              <a:solidFill>
+                <a:srgbClr val="242529"/>
+              </a:solidFill>
+              <a:latin typeface="Pretendard" panose="02000503000000020004" pitchFamily="2" charset="-127"/>
+              <a:ea typeface="Pretendard" panose="02000503000000020004" pitchFamily="2" charset="-127"/>
+              <a:cs typeface="Pretendard" panose="02000503000000020004" pitchFamily="2" charset="-127"/>
+            </a:endParaRPr>
+          </a:p>
+        </p:txBody>
+      </p:sp>
+      <p:sp>
+        <p:nvSpPr>
+          <p:cNvPr id="4" name="부제목 2">
+            <a:extLst>
+              <a:ext uri="{FF2B5EF4-FFF2-40B4-BE49-F238E27FC236}">
+                <a16:creationId xmlns:a16="http://schemas.microsoft.com/office/drawing/2014/main" id="{21F8209E-B29E-D313-7004-E0E0F59BD6E7}"/>
+              </a:ext>
+            </a:extLst>
+          </p:cNvPr>
+          <p:cNvSpPr txBox="1">
+            <a:spLocks/>
+          </p:cNvSpPr>
+          <p:nvPr/>
+        </p:nvSpPr>
+        <p:spPr>
+          <a:xfrm>
+            <a:off x="2911719" y="1793123"/>
+            <a:ext cx="6368561" cy="580170"/>
+          </a:xfrm>
+          <a:prstGeom prst="rect">
+            <a:avLst/>
+          </a:prstGeom>
+        </p:spPr>
+        <p:txBody>
+          <a:bodyPr vert="horz" lIns="91440" tIns="45720" rIns="91440" bIns="45720" rtlCol="0">
+            <a:normAutofit/>
+          </a:bodyPr>
+          <a:lstStyle>
+            <a:lvl1pPr marL="0" indent="0" algn="ctr" defTabSz="914400" rtl="0" eaLnBrk="1" latinLnBrk="1" hangingPunct="1">
+              <a:lnSpc>
+                <a:spcPct val="90000"/>
+              </a:lnSpc>
+              <a:spcBef>
+                <a:spcPts val="1000"/>
+              </a:spcBef>
+              <a:buFont typeface="Arial" panose="020B0604020202020204" pitchFamily="34" charset="0"/>
+              <a:buNone/>
+              <a:defRPr sz="2400" kern="1200">
+                <a:solidFill>
+                  <a:schemeClr val="tx1"/>
+                </a:solidFill>
+                <a:latin typeface="+mn-lt"/>
+                <a:ea typeface="+mn-ea"/>
+                <a:cs typeface="+mn-cs"/>
+              </a:defRPr>
+            </a:lvl1pPr>
+            <a:lvl2pPr marL="457200" indent="0" algn="ctr" defTabSz="914400" rtl="0" eaLnBrk="1" latinLnBrk="1" hangingPunct="1">
+              <a:lnSpc>
+                <a:spcPct val="90000"/>
+              </a:lnSpc>
+              <a:spcBef>
+                <a:spcPts val="500"/>
+              </a:spcBef>
+              <a:buFont typeface="Arial" panose="020B0604020202020204" pitchFamily="34" charset="0"/>
+              <a:buNone/>
+              <a:defRPr sz="2000" kern="1200">
+                <a:solidFill>
+                  <a:schemeClr val="tx1"/>
+                </a:solidFill>
+                <a:latin typeface="+mn-lt"/>
+                <a:ea typeface="+mn-ea"/>
+                <a:cs typeface="+mn-cs"/>
+              </a:defRPr>
+            </a:lvl2pPr>
+            <a:lvl3pPr marL="914400" indent="0" algn="ctr" defTabSz="914400" rtl="0" eaLnBrk="1" latinLnBrk="1" hangingPunct="1">
+              <a:lnSpc>
+                <a:spcPct val="90000"/>
+              </a:lnSpc>
+              <a:spcBef>
+                <a:spcPts val="500"/>
+              </a:spcBef>
+              <a:buFont typeface="Arial" panose="020B0604020202020204" pitchFamily="34" charset="0"/>
+              <a:buNone/>
+              <a:defRPr sz="1800" kern="1200">
+                <a:solidFill>
+                  <a:schemeClr val="tx1"/>
+                </a:solidFill>
+                <a:latin typeface="+mn-lt"/>
+                <a:ea typeface="+mn-ea"/>
+                <a:cs typeface="+mn-cs"/>
+              </a:defRPr>
+            </a:lvl3pPr>
+            <a:lvl4pPr marL="1371600" indent="0" algn="ctr" defTabSz="914400" rtl="0" eaLnBrk="1" latinLnBrk="1" hangingPunct="1">
+              <a:lnSpc>
+                <a:spcPct val="90000"/>
+              </a:lnSpc>
+              <a:spcBef>
+                <a:spcPts val="500"/>
+              </a:spcBef>
+              <a:buFont typeface="Arial" panose="020B0604020202020204" pitchFamily="34" charset="0"/>
+              <a:buNone/>
+              <a:defRPr sz="1600" kern="1200">
+                <a:solidFill>
+                  <a:schemeClr val="tx1"/>
+                </a:solidFill>
+                <a:latin typeface="+mn-lt"/>
+                <a:ea typeface="+mn-ea"/>
+                <a:cs typeface="+mn-cs"/>
+              </a:defRPr>
+            </a:lvl4pPr>
+            <a:lvl5pPr marL="1828800" indent="0" algn="ctr" defTabSz="914400" rtl="0" eaLnBrk="1" latinLnBrk="1" hangingPunct="1">
+              <a:lnSpc>
+                <a:spcPct val="90000"/>
+              </a:lnSpc>
+              <a:spcBef>
+                <a:spcPts val="500"/>
+              </a:spcBef>
+              <a:buFont typeface="Arial" panose="020B0604020202020204" pitchFamily="34" charset="0"/>
+              <a:buNone/>
+              <a:defRPr sz="1600" kern="1200">
+                <a:solidFill>
+                  <a:schemeClr val="tx1"/>
+                </a:solidFill>
+                <a:latin typeface="+mn-lt"/>
+                <a:ea typeface="+mn-ea"/>
+                <a:cs typeface="+mn-cs"/>
+              </a:defRPr>
+            </a:lvl5pPr>
+            <a:lvl6pPr marL="2286000" indent="0" algn="ctr" defTabSz="914400" rtl="0" eaLnBrk="1" latinLnBrk="1" hangingPunct="1">
+              <a:lnSpc>
+                <a:spcPct val="90000"/>
+              </a:lnSpc>
+              <a:spcBef>
+                <a:spcPts val="500"/>
+              </a:spcBef>
+              <a:buFont typeface="Arial" panose="020B0604020202020204" pitchFamily="34" charset="0"/>
+              <a:buNone/>
+              <a:defRPr sz="1600" kern="1200">
+                <a:solidFill>
+                  <a:schemeClr val="tx1"/>
+                </a:solidFill>
+                <a:latin typeface="+mn-lt"/>
+                <a:ea typeface="+mn-ea"/>
+                <a:cs typeface="+mn-cs"/>
+              </a:defRPr>
+            </a:lvl6pPr>
+            <a:lvl7pPr marL="2743200" indent="0" algn="ctr" defTabSz="914400" rtl="0" eaLnBrk="1" latinLnBrk="1" hangingPunct="1">
+              <a:lnSpc>
+                <a:spcPct val="90000"/>
+              </a:lnSpc>
+              <a:spcBef>
+                <a:spcPts val="500"/>
+              </a:spcBef>
+              <a:buFont typeface="Arial" panose="020B0604020202020204" pitchFamily="34" charset="0"/>
+              <a:buNone/>
+              <a:defRPr sz="1600" kern="1200">
+                <a:solidFill>
+                  <a:schemeClr val="tx1"/>
+                </a:solidFill>
+                <a:latin typeface="+mn-lt"/>
+                <a:ea typeface="+mn-ea"/>
+                <a:cs typeface="+mn-cs"/>
+              </a:defRPr>
+            </a:lvl7pPr>
+            <a:lvl8pPr marL="3200400" indent="0" algn="ctr" defTabSz="914400" rtl="0" eaLnBrk="1" latinLnBrk="1" hangingPunct="1">
+              <a:lnSpc>
+                <a:spcPct val="90000"/>
+              </a:lnSpc>
+              <a:spcBef>
+                <a:spcPts val="500"/>
+              </a:spcBef>
+              <a:buFont typeface="Arial" panose="020B0604020202020204" pitchFamily="34" charset="0"/>
+              <a:buNone/>
+              <a:defRPr sz="1600" kern="1200">
+                <a:solidFill>
+                  <a:schemeClr val="tx1"/>
+                </a:solidFill>
+                <a:latin typeface="+mn-lt"/>
+                <a:ea typeface="+mn-ea"/>
+                <a:cs typeface="+mn-cs"/>
+              </a:defRPr>
+            </a:lvl8pPr>
+            <a:lvl9pPr marL="3657600" indent="0" algn="ctr" defTabSz="914400" rtl="0" eaLnBrk="1" latinLnBrk="1" hangingPunct="1">
+              <a:lnSpc>
+                <a:spcPct val="90000"/>
+              </a:lnSpc>
+              <a:spcBef>
+                <a:spcPts val="500"/>
+              </a:spcBef>
+              <a:buFont typeface="Arial" panose="020B0604020202020204" pitchFamily="34" charset="0"/>
+              <a:buNone/>
+              <a:defRPr sz="1600" kern="1200">
+                <a:solidFill>
+                  <a:schemeClr val="tx1"/>
+                </a:solidFill>
+                <a:latin typeface="+mn-lt"/>
+                <a:ea typeface="+mn-ea"/>
+                <a:cs typeface="+mn-cs"/>
+              </a:defRPr>
+            </a:lvl9pPr>
+          </a:lstStyle>
+          <a:p>
+            <a:r>
+              <a:rPr kumimoji="1" lang="en-US" altLang="ko-KR" sz="2800" dirty="0">
+                <a:solidFill>
+                  <a:srgbClr val="242529"/>
+                </a:solidFill>
+                <a:latin typeface="Pretendard ExtraLight" panose="02000303000000020004" pitchFamily="2" charset="-127"/>
+                <a:ea typeface="Pretendard ExtraLight" panose="02000303000000020004" pitchFamily="2" charset="-127"/>
+                <a:cs typeface="Pretendard ExtraLight" panose="02000303000000020004" pitchFamily="2" charset="-127"/>
+              </a:rPr>
+              <a:t>Serverless chat app for Tarot telling</a:t>
+            </a:r>
+            <a:endParaRPr kumimoji="1" lang="ko-KR" altLang="en-US" sz="2800" dirty="0">
+              <a:solidFill>
+                <a:srgbClr val="242529"/>
+              </a:solidFill>
+              <a:latin typeface="Pretendard ExtraLight" panose="02000303000000020004" pitchFamily="2" charset="-127"/>
+              <a:ea typeface="Pretendard ExtraLight" panose="02000303000000020004" pitchFamily="2" charset="-127"/>
+              <a:cs typeface="Pretendard ExtraLight" panose="02000303000000020004" pitchFamily="2" charset="-127"/>
+            </a:endParaRPr>
+          </a:p>
+        </p:txBody>
+      </p:sp>
+    </p:spTree>
+    <p:extLst>
+      <p:ext uri="{BB962C8B-B14F-4D97-AF65-F5344CB8AC3E}">
+        <p14:creationId xmlns:p14="http://schemas.microsoft.com/office/powerpoint/2010/main" val="2102814893"/>
+      </p:ext>
+    </p:extLst>
+  </p:cSld>
+  <p:clrMapOvr>
+    <a:masterClrMapping/>
+  </p:clrMapOvr>
+</p:sld>
+</file>
+
+<file path=ppt/slides/slide15.xml><?xml version="1.0" encoding="utf-8"?>
+<p:sld xmlns:a="http://schemas.openxmlformats.org/drawingml/2006/main" xmlns:r="http://schemas.openxmlformats.org/officeDocument/2006/relationships" xmlns:p="http://schemas.openxmlformats.org/presentationml/2006/main">
+  <p:cSld>
+    <p:bg>
+      <p:bgPr>
+        <a:solidFill>
+          <a:srgbClr val="EBE4D4"/>
+        </a:solidFill>
+        <a:effectLst/>
+      </p:bgPr>
+    </p:bg>
+    <p:spTree>
+      <p:nvGrpSpPr>
+        <p:cNvPr id="1" name=""/>
+        <p:cNvGrpSpPr/>
+        <p:nvPr/>
+      </p:nvGrpSpPr>
+      <p:grpSpPr>
+        <a:xfrm>
+          <a:off x="0" y="0"/>
+          <a:ext cx="0" cy="0"/>
+          <a:chOff x="0" y="0"/>
+          <a:chExt cx="0" cy="0"/>
+        </a:xfrm>
+      </p:grpSpPr>
+      <p:sp>
+        <p:nvSpPr>
+          <p:cNvPr id="2" name="제목 1">
+            <a:extLst>
+              <a:ext uri="{FF2B5EF4-FFF2-40B4-BE49-F238E27FC236}">
+                <a16:creationId xmlns:a16="http://schemas.microsoft.com/office/drawing/2014/main" id="{85129C55-FA6B-CE97-8627-AC9C8231BE65}"/>
+              </a:ext>
+            </a:extLst>
+          </p:cNvPr>
+          <p:cNvSpPr>
+            <a:spLocks noGrp="1"/>
+          </p:cNvSpPr>
+          <p:nvPr>
+            <p:ph type="ctrTitle"/>
+          </p:nvPr>
+        </p:nvSpPr>
+        <p:spPr>
+          <a:xfrm>
+            <a:off x="1524000" y="2575230"/>
+            <a:ext cx="9144000" cy="1707540"/>
+          </a:xfrm>
+        </p:spPr>
+        <p:txBody>
+          <a:bodyPr>
+            <a:noAutofit/>
+          </a:bodyPr>
+          <a:lstStyle/>
+          <a:p>
+            <a:r>
+              <a:rPr kumimoji="1" lang="en-US" altLang="ko-KR" sz="12500" b="1" dirty="0">
+                <a:solidFill>
+                  <a:srgbClr val="242529"/>
+                </a:solidFill>
+                <a:latin typeface="Red Rose" pitchFamily="2" charset="0"/>
+              </a:rPr>
+              <a:t>TAROYAKI</a:t>
+            </a:r>
+            <a:r>
+              <a:rPr kumimoji="1" lang="en-US" altLang="ko-KR" sz="12500" dirty="0">
+                <a:solidFill>
+                  <a:srgbClr val="242529"/>
+                </a:solidFill>
+              </a:rPr>
+              <a:t> </a:t>
+            </a:r>
+            <a:endParaRPr kumimoji="1" lang="ko-KR" altLang="en-US" sz="12500" dirty="0">
+              <a:solidFill>
+                <a:srgbClr val="242529"/>
+              </a:solidFill>
+            </a:endParaRPr>
+          </a:p>
+        </p:txBody>
+      </p:sp>
+      <p:sp>
+        <p:nvSpPr>
+          <p:cNvPr id="3" name="부제목 2">
+            <a:extLst>
+              <a:ext uri="{FF2B5EF4-FFF2-40B4-BE49-F238E27FC236}">
+                <a16:creationId xmlns:a16="http://schemas.microsoft.com/office/drawing/2014/main" id="{CBAC183D-DDA8-FC7A-A215-24267CA08DE6}"/>
+              </a:ext>
+            </a:extLst>
+          </p:cNvPr>
+          <p:cNvSpPr>
+            <a:spLocks noGrp="1"/>
+          </p:cNvSpPr>
+          <p:nvPr>
+            <p:ph type="subTitle" idx="1"/>
+          </p:nvPr>
+        </p:nvSpPr>
+        <p:spPr>
+          <a:xfrm>
+            <a:off x="1524000" y="4774792"/>
+            <a:ext cx="9144000" cy="820060"/>
+          </a:xfrm>
+        </p:spPr>
+        <p:txBody>
+          <a:bodyPr>
+            <a:normAutofit/>
+          </a:bodyPr>
+          <a:lstStyle/>
+          <a:p>
+            <a:r>
+              <a:rPr kumimoji="1" lang="en-US" altLang="ko-KR" sz="3600" dirty="0">
+                <a:solidFill>
+                  <a:srgbClr val="242529"/>
+                </a:solidFill>
+                <a:latin typeface="Pretendard" panose="02000503000000020004" pitchFamily="2" charset="-127"/>
+                <a:ea typeface="Pretendard" panose="02000503000000020004" pitchFamily="2" charset="-127"/>
+                <a:cs typeface="Pretendard" panose="02000503000000020004" pitchFamily="2" charset="-127"/>
+              </a:rPr>
+              <a:t>Ep13-1</a:t>
+            </a:r>
+            <a:endParaRPr kumimoji="1" lang="ko-KR" altLang="en-US" sz="3600" dirty="0">
+              <a:solidFill>
+                <a:srgbClr val="242529"/>
+              </a:solidFill>
+              <a:latin typeface="Pretendard" panose="02000503000000020004" pitchFamily="2" charset="-127"/>
+              <a:ea typeface="Pretendard" panose="02000503000000020004" pitchFamily="2" charset="-127"/>
+              <a:cs typeface="Pretendard" panose="02000503000000020004" pitchFamily="2" charset="-127"/>
+            </a:endParaRPr>
+          </a:p>
+        </p:txBody>
+      </p:sp>
+      <p:sp>
+        <p:nvSpPr>
+          <p:cNvPr id="4" name="부제목 2">
+            <a:extLst>
+              <a:ext uri="{FF2B5EF4-FFF2-40B4-BE49-F238E27FC236}">
+                <a16:creationId xmlns:a16="http://schemas.microsoft.com/office/drawing/2014/main" id="{21F8209E-B29E-D313-7004-E0E0F59BD6E7}"/>
+              </a:ext>
+            </a:extLst>
+          </p:cNvPr>
+          <p:cNvSpPr txBox="1">
+            <a:spLocks/>
+          </p:cNvSpPr>
+          <p:nvPr/>
+        </p:nvSpPr>
+        <p:spPr>
+          <a:xfrm>
+            <a:off x="2911719" y="1793123"/>
+            <a:ext cx="6368561" cy="580170"/>
+          </a:xfrm>
+          <a:prstGeom prst="rect">
+            <a:avLst/>
+          </a:prstGeom>
+        </p:spPr>
+        <p:txBody>
+          <a:bodyPr vert="horz" lIns="91440" tIns="45720" rIns="91440" bIns="45720" rtlCol="0">
+            <a:normAutofit/>
+          </a:bodyPr>
+          <a:lstStyle>
+            <a:lvl1pPr marL="0" indent="0" algn="ctr" defTabSz="914400" rtl="0" eaLnBrk="1" latinLnBrk="1" hangingPunct="1">
+              <a:lnSpc>
+                <a:spcPct val="90000"/>
+              </a:lnSpc>
+              <a:spcBef>
+                <a:spcPts val="1000"/>
+              </a:spcBef>
+              <a:buFont typeface="Arial" panose="020B0604020202020204" pitchFamily="34" charset="0"/>
+              <a:buNone/>
+              <a:defRPr sz="2400" kern="1200">
+                <a:solidFill>
+                  <a:schemeClr val="tx1"/>
+                </a:solidFill>
+                <a:latin typeface="+mn-lt"/>
+                <a:ea typeface="+mn-ea"/>
+                <a:cs typeface="+mn-cs"/>
+              </a:defRPr>
+            </a:lvl1pPr>
+            <a:lvl2pPr marL="457200" indent="0" algn="ctr" defTabSz="914400" rtl="0" eaLnBrk="1" latinLnBrk="1" hangingPunct="1">
+              <a:lnSpc>
+                <a:spcPct val="90000"/>
+              </a:lnSpc>
+              <a:spcBef>
+                <a:spcPts val="500"/>
+              </a:spcBef>
+              <a:buFont typeface="Arial" panose="020B0604020202020204" pitchFamily="34" charset="0"/>
+              <a:buNone/>
+              <a:defRPr sz="2000" kern="1200">
+                <a:solidFill>
+                  <a:schemeClr val="tx1"/>
+                </a:solidFill>
+                <a:latin typeface="+mn-lt"/>
+                <a:ea typeface="+mn-ea"/>
+                <a:cs typeface="+mn-cs"/>
+              </a:defRPr>
+            </a:lvl2pPr>
+            <a:lvl3pPr marL="914400" indent="0" algn="ctr" defTabSz="914400" rtl="0" eaLnBrk="1" latinLnBrk="1" hangingPunct="1">
+              <a:lnSpc>
+                <a:spcPct val="90000"/>
+              </a:lnSpc>
+              <a:spcBef>
+                <a:spcPts val="500"/>
+              </a:spcBef>
+              <a:buFont typeface="Arial" panose="020B0604020202020204" pitchFamily="34" charset="0"/>
+              <a:buNone/>
+              <a:defRPr sz="1800" kern="1200">
+                <a:solidFill>
+                  <a:schemeClr val="tx1"/>
+                </a:solidFill>
+                <a:latin typeface="+mn-lt"/>
+                <a:ea typeface="+mn-ea"/>
+                <a:cs typeface="+mn-cs"/>
+              </a:defRPr>
+            </a:lvl3pPr>
+            <a:lvl4pPr marL="1371600" indent="0" algn="ctr" defTabSz="914400" rtl="0" eaLnBrk="1" latinLnBrk="1" hangingPunct="1">
+              <a:lnSpc>
+                <a:spcPct val="90000"/>
+              </a:lnSpc>
+              <a:spcBef>
+                <a:spcPts val="500"/>
+              </a:spcBef>
+              <a:buFont typeface="Arial" panose="020B0604020202020204" pitchFamily="34" charset="0"/>
+              <a:buNone/>
+              <a:defRPr sz="1600" kern="1200">
+                <a:solidFill>
+                  <a:schemeClr val="tx1"/>
+                </a:solidFill>
+                <a:latin typeface="+mn-lt"/>
+                <a:ea typeface="+mn-ea"/>
+                <a:cs typeface="+mn-cs"/>
+              </a:defRPr>
+            </a:lvl4pPr>
+            <a:lvl5pPr marL="1828800" indent="0" algn="ctr" defTabSz="914400" rtl="0" eaLnBrk="1" latinLnBrk="1" hangingPunct="1">
+              <a:lnSpc>
+                <a:spcPct val="90000"/>
+              </a:lnSpc>
+              <a:spcBef>
+                <a:spcPts val="500"/>
+              </a:spcBef>
+              <a:buFont typeface="Arial" panose="020B0604020202020204" pitchFamily="34" charset="0"/>
+              <a:buNone/>
+              <a:defRPr sz="1600" kern="1200">
+                <a:solidFill>
+                  <a:schemeClr val="tx1"/>
+                </a:solidFill>
+                <a:latin typeface="+mn-lt"/>
+                <a:ea typeface="+mn-ea"/>
+                <a:cs typeface="+mn-cs"/>
+              </a:defRPr>
+            </a:lvl5pPr>
+            <a:lvl6pPr marL="2286000" indent="0" algn="ctr" defTabSz="914400" rtl="0" eaLnBrk="1" latinLnBrk="1" hangingPunct="1">
+              <a:lnSpc>
+                <a:spcPct val="90000"/>
+              </a:lnSpc>
+              <a:spcBef>
+                <a:spcPts val="500"/>
+              </a:spcBef>
+              <a:buFont typeface="Arial" panose="020B0604020202020204" pitchFamily="34" charset="0"/>
+              <a:buNone/>
+              <a:defRPr sz="1600" kern="1200">
+                <a:solidFill>
+                  <a:schemeClr val="tx1"/>
+                </a:solidFill>
+                <a:latin typeface="+mn-lt"/>
+                <a:ea typeface="+mn-ea"/>
+                <a:cs typeface="+mn-cs"/>
+              </a:defRPr>
+            </a:lvl6pPr>
+            <a:lvl7pPr marL="2743200" indent="0" algn="ctr" defTabSz="914400" rtl="0" eaLnBrk="1" latinLnBrk="1" hangingPunct="1">
+              <a:lnSpc>
+                <a:spcPct val="90000"/>
+              </a:lnSpc>
+              <a:spcBef>
+                <a:spcPts val="500"/>
+              </a:spcBef>
+              <a:buFont typeface="Arial" panose="020B0604020202020204" pitchFamily="34" charset="0"/>
+              <a:buNone/>
+              <a:defRPr sz="1600" kern="1200">
+                <a:solidFill>
+                  <a:schemeClr val="tx1"/>
+                </a:solidFill>
+                <a:latin typeface="+mn-lt"/>
+                <a:ea typeface="+mn-ea"/>
+                <a:cs typeface="+mn-cs"/>
+              </a:defRPr>
+            </a:lvl7pPr>
+            <a:lvl8pPr marL="3200400" indent="0" algn="ctr" defTabSz="914400" rtl="0" eaLnBrk="1" latinLnBrk="1" hangingPunct="1">
+              <a:lnSpc>
+                <a:spcPct val="90000"/>
+              </a:lnSpc>
+              <a:spcBef>
+                <a:spcPts val="500"/>
+              </a:spcBef>
+              <a:buFont typeface="Arial" panose="020B0604020202020204" pitchFamily="34" charset="0"/>
+              <a:buNone/>
+              <a:defRPr sz="1600" kern="1200">
+                <a:solidFill>
+                  <a:schemeClr val="tx1"/>
+                </a:solidFill>
+                <a:latin typeface="+mn-lt"/>
+                <a:ea typeface="+mn-ea"/>
+                <a:cs typeface="+mn-cs"/>
+              </a:defRPr>
+            </a:lvl8pPr>
+            <a:lvl9pPr marL="3657600" indent="0" algn="ctr" defTabSz="914400" rtl="0" eaLnBrk="1" latinLnBrk="1" hangingPunct="1">
+              <a:lnSpc>
+                <a:spcPct val="90000"/>
+              </a:lnSpc>
+              <a:spcBef>
+                <a:spcPts val="500"/>
+              </a:spcBef>
+              <a:buFont typeface="Arial" panose="020B0604020202020204" pitchFamily="34" charset="0"/>
+              <a:buNone/>
+              <a:defRPr sz="1600" kern="1200">
+                <a:solidFill>
+                  <a:schemeClr val="tx1"/>
+                </a:solidFill>
+                <a:latin typeface="+mn-lt"/>
+                <a:ea typeface="+mn-ea"/>
+                <a:cs typeface="+mn-cs"/>
+              </a:defRPr>
+            </a:lvl9pPr>
+          </a:lstStyle>
+          <a:p>
+            <a:r>
+              <a:rPr kumimoji="1" lang="en-US" altLang="ko-KR" sz="2800" dirty="0">
+                <a:solidFill>
+                  <a:srgbClr val="242529"/>
+                </a:solidFill>
+                <a:latin typeface="Pretendard ExtraLight" panose="02000303000000020004" pitchFamily="2" charset="-127"/>
+                <a:ea typeface="Pretendard ExtraLight" panose="02000303000000020004" pitchFamily="2" charset="-127"/>
+                <a:cs typeface="Pretendard ExtraLight" panose="02000303000000020004" pitchFamily="2" charset="-127"/>
+              </a:rPr>
+              <a:t>Serverless chat app for Tarot telling</a:t>
+            </a:r>
+            <a:endParaRPr kumimoji="1" lang="ko-KR" altLang="en-US" sz="2800" dirty="0">
+              <a:solidFill>
+                <a:srgbClr val="242529"/>
+              </a:solidFill>
+              <a:latin typeface="Pretendard ExtraLight" panose="02000303000000020004" pitchFamily="2" charset="-127"/>
+              <a:ea typeface="Pretendard ExtraLight" panose="02000303000000020004" pitchFamily="2" charset="-127"/>
+              <a:cs typeface="Pretendard ExtraLight" panose="02000303000000020004" pitchFamily="2" charset="-127"/>
+            </a:endParaRPr>
+          </a:p>
+        </p:txBody>
+      </p:sp>
+    </p:spTree>
+    <p:extLst>
+      <p:ext uri="{BB962C8B-B14F-4D97-AF65-F5344CB8AC3E}">
+        <p14:creationId xmlns:p14="http://schemas.microsoft.com/office/powerpoint/2010/main" val="1727294391"/>
+      </p:ext>
+    </p:extLst>
+  </p:cSld>
+  <p:clrMapOvr>
+    <a:masterClrMapping/>
+  </p:clrMapOvr>
+</p:sld>
+</file>
+
+<file path=ppt/slides/slide16.xml><?xml version="1.0" encoding="utf-8"?>
+<p:sld xmlns:a="http://schemas.openxmlformats.org/drawingml/2006/main" xmlns:r="http://schemas.openxmlformats.org/officeDocument/2006/relationships" xmlns:p="http://schemas.openxmlformats.org/presentationml/2006/main">
+  <p:cSld>
+    <p:bg>
+      <p:bgPr>
+        <a:solidFill>
+          <a:srgbClr val="EBE4D4"/>
+        </a:solidFill>
+        <a:effectLst/>
+      </p:bgPr>
+    </p:bg>
+    <p:spTree>
+      <p:nvGrpSpPr>
+        <p:cNvPr id="1" name=""/>
+        <p:cNvGrpSpPr/>
+        <p:nvPr/>
+      </p:nvGrpSpPr>
+      <p:grpSpPr>
+        <a:xfrm>
+          <a:off x="0" y="0"/>
+          <a:ext cx="0" cy="0"/>
+          <a:chOff x="0" y="0"/>
+          <a:chExt cx="0" cy="0"/>
+        </a:xfrm>
+      </p:grpSpPr>
+      <p:sp>
+        <p:nvSpPr>
+          <p:cNvPr id="2" name="제목 1">
+            <a:extLst>
+              <a:ext uri="{FF2B5EF4-FFF2-40B4-BE49-F238E27FC236}">
+                <a16:creationId xmlns:a16="http://schemas.microsoft.com/office/drawing/2014/main" id="{85129C55-FA6B-CE97-8627-AC9C8231BE65}"/>
+              </a:ext>
+            </a:extLst>
+          </p:cNvPr>
+          <p:cNvSpPr>
+            <a:spLocks noGrp="1"/>
+          </p:cNvSpPr>
+          <p:nvPr>
+            <p:ph type="ctrTitle"/>
+          </p:nvPr>
+        </p:nvSpPr>
+        <p:spPr>
+          <a:xfrm>
+            <a:off x="1524000" y="2575230"/>
+            <a:ext cx="9144000" cy="1707540"/>
+          </a:xfrm>
+        </p:spPr>
+        <p:txBody>
+          <a:bodyPr>
+            <a:noAutofit/>
+          </a:bodyPr>
+          <a:lstStyle/>
+          <a:p>
+            <a:r>
+              <a:rPr kumimoji="1" lang="en-US" altLang="ko-KR" sz="12500" b="1" dirty="0">
+                <a:solidFill>
+                  <a:srgbClr val="242529"/>
+                </a:solidFill>
+                <a:latin typeface="Red Rose" pitchFamily="2" charset="0"/>
+              </a:rPr>
+              <a:t>TAROYAKI</a:t>
+            </a:r>
+            <a:r>
+              <a:rPr kumimoji="1" lang="en-US" altLang="ko-KR" sz="12500" dirty="0">
+                <a:solidFill>
+                  <a:srgbClr val="242529"/>
+                </a:solidFill>
+              </a:rPr>
+              <a:t> </a:t>
+            </a:r>
+            <a:endParaRPr kumimoji="1" lang="ko-KR" altLang="en-US" sz="12500" dirty="0">
+              <a:solidFill>
+                <a:srgbClr val="242529"/>
+              </a:solidFill>
+            </a:endParaRPr>
+          </a:p>
+        </p:txBody>
+      </p:sp>
+      <p:sp>
+        <p:nvSpPr>
+          <p:cNvPr id="3" name="부제목 2">
+            <a:extLst>
+              <a:ext uri="{FF2B5EF4-FFF2-40B4-BE49-F238E27FC236}">
+                <a16:creationId xmlns:a16="http://schemas.microsoft.com/office/drawing/2014/main" id="{CBAC183D-DDA8-FC7A-A215-24267CA08DE6}"/>
+              </a:ext>
+            </a:extLst>
+          </p:cNvPr>
+          <p:cNvSpPr>
+            <a:spLocks noGrp="1"/>
+          </p:cNvSpPr>
+          <p:nvPr>
+            <p:ph type="subTitle" idx="1"/>
+          </p:nvPr>
+        </p:nvSpPr>
+        <p:spPr>
+          <a:xfrm>
+            <a:off x="1524000" y="4774792"/>
+            <a:ext cx="9144000" cy="820060"/>
+          </a:xfrm>
+        </p:spPr>
+        <p:txBody>
+          <a:bodyPr>
+            <a:normAutofit/>
+          </a:bodyPr>
+          <a:lstStyle/>
+          <a:p>
+            <a:r>
+              <a:rPr kumimoji="1" lang="en-US" altLang="ko-KR" sz="3600" dirty="0">
+                <a:solidFill>
+                  <a:srgbClr val="242529"/>
+                </a:solidFill>
+                <a:latin typeface="Pretendard" panose="02000503000000020004" pitchFamily="2" charset="-127"/>
+                <a:ea typeface="Pretendard" panose="02000503000000020004" pitchFamily="2" charset="-127"/>
+                <a:cs typeface="Pretendard" panose="02000503000000020004" pitchFamily="2" charset="-127"/>
+              </a:rPr>
+              <a:t>Ep13-2</a:t>
+            </a:r>
+            <a:endParaRPr kumimoji="1" lang="ko-KR" altLang="en-US" sz="3600" dirty="0">
+              <a:solidFill>
+                <a:srgbClr val="242529"/>
+              </a:solidFill>
+              <a:latin typeface="Pretendard" panose="02000503000000020004" pitchFamily="2" charset="-127"/>
+              <a:ea typeface="Pretendard" panose="02000503000000020004" pitchFamily="2" charset="-127"/>
+              <a:cs typeface="Pretendard" panose="02000503000000020004" pitchFamily="2" charset="-127"/>
+            </a:endParaRPr>
+          </a:p>
+        </p:txBody>
+      </p:sp>
+      <p:sp>
+        <p:nvSpPr>
+          <p:cNvPr id="4" name="부제목 2">
+            <a:extLst>
+              <a:ext uri="{FF2B5EF4-FFF2-40B4-BE49-F238E27FC236}">
+                <a16:creationId xmlns:a16="http://schemas.microsoft.com/office/drawing/2014/main" id="{21F8209E-B29E-D313-7004-E0E0F59BD6E7}"/>
+              </a:ext>
+            </a:extLst>
+          </p:cNvPr>
+          <p:cNvSpPr txBox="1">
+            <a:spLocks/>
+          </p:cNvSpPr>
+          <p:nvPr/>
+        </p:nvSpPr>
+        <p:spPr>
+          <a:xfrm>
+            <a:off x="2911719" y="1793123"/>
+            <a:ext cx="6368561" cy="580170"/>
+          </a:xfrm>
+          <a:prstGeom prst="rect">
+            <a:avLst/>
+          </a:prstGeom>
+        </p:spPr>
+        <p:txBody>
+          <a:bodyPr vert="horz" lIns="91440" tIns="45720" rIns="91440" bIns="45720" rtlCol="0">
+            <a:normAutofit/>
+          </a:bodyPr>
+          <a:lstStyle>
+            <a:lvl1pPr marL="0" indent="0" algn="ctr" defTabSz="914400" rtl="0" eaLnBrk="1" latinLnBrk="1" hangingPunct="1">
+              <a:lnSpc>
+                <a:spcPct val="90000"/>
+              </a:lnSpc>
+              <a:spcBef>
+                <a:spcPts val="1000"/>
+              </a:spcBef>
+              <a:buFont typeface="Arial" panose="020B0604020202020204" pitchFamily="34" charset="0"/>
+              <a:buNone/>
+              <a:defRPr sz="2400" kern="1200">
+                <a:solidFill>
+                  <a:schemeClr val="tx1"/>
+                </a:solidFill>
+                <a:latin typeface="+mn-lt"/>
+                <a:ea typeface="+mn-ea"/>
+                <a:cs typeface="+mn-cs"/>
+              </a:defRPr>
+            </a:lvl1pPr>
+            <a:lvl2pPr marL="457200" indent="0" algn="ctr" defTabSz="914400" rtl="0" eaLnBrk="1" latinLnBrk="1" hangingPunct="1">
+              <a:lnSpc>
+                <a:spcPct val="90000"/>
+              </a:lnSpc>
+              <a:spcBef>
+                <a:spcPts val="500"/>
+              </a:spcBef>
+              <a:buFont typeface="Arial" panose="020B0604020202020204" pitchFamily="34" charset="0"/>
+              <a:buNone/>
+              <a:defRPr sz="2000" kern="1200">
+                <a:solidFill>
+                  <a:schemeClr val="tx1"/>
+                </a:solidFill>
+                <a:latin typeface="+mn-lt"/>
+                <a:ea typeface="+mn-ea"/>
+                <a:cs typeface="+mn-cs"/>
+              </a:defRPr>
+            </a:lvl2pPr>
+            <a:lvl3pPr marL="914400" indent="0" algn="ctr" defTabSz="914400" rtl="0" eaLnBrk="1" latinLnBrk="1" hangingPunct="1">
+              <a:lnSpc>
+                <a:spcPct val="90000"/>
+              </a:lnSpc>
+              <a:spcBef>
+                <a:spcPts val="500"/>
+              </a:spcBef>
+              <a:buFont typeface="Arial" panose="020B0604020202020204" pitchFamily="34" charset="0"/>
+              <a:buNone/>
+              <a:defRPr sz="1800" kern="1200">
+                <a:solidFill>
+                  <a:schemeClr val="tx1"/>
+                </a:solidFill>
+                <a:latin typeface="+mn-lt"/>
+                <a:ea typeface="+mn-ea"/>
+                <a:cs typeface="+mn-cs"/>
+              </a:defRPr>
+            </a:lvl3pPr>
+            <a:lvl4pPr marL="1371600" indent="0" algn="ctr" defTabSz="914400" rtl="0" eaLnBrk="1" latinLnBrk="1" hangingPunct="1">
+              <a:lnSpc>
+                <a:spcPct val="90000"/>
+              </a:lnSpc>
+              <a:spcBef>
+                <a:spcPts val="500"/>
+              </a:spcBef>
+              <a:buFont typeface="Arial" panose="020B0604020202020204" pitchFamily="34" charset="0"/>
+              <a:buNone/>
+              <a:defRPr sz="1600" kern="1200">
+                <a:solidFill>
+                  <a:schemeClr val="tx1"/>
+                </a:solidFill>
+                <a:latin typeface="+mn-lt"/>
+                <a:ea typeface="+mn-ea"/>
+                <a:cs typeface="+mn-cs"/>
+              </a:defRPr>
+            </a:lvl4pPr>
+            <a:lvl5pPr marL="1828800" indent="0" algn="ctr" defTabSz="914400" rtl="0" eaLnBrk="1" latinLnBrk="1" hangingPunct="1">
+              <a:lnSpc>
+                <a:spcPct val="90000"/>
+              </a:lnSpc>
+              <a:spcBef>
+                <a:spcPts val="500"/>
+              </a:spcBef>
+              <a:buFont typeface="Arial" panose="020B0604020202020204" pitchFamily="34" charset="0"/>
+              <a:buNone/>
+              <a:defRPr sz="1600" kern="1200">
+                <a:solidFill>
+                  <a:schemeClr val="tx1"/>
+                </a:solidFill>
+                <a:latin typeface="+mn-lt"/>
+                <a:ea typeface="+mn-ea"/>
+                <a:cs typeface="+mn-cs"/>
+              </a:defRPr>
+            </a:lvl5pPr>
+            <a:lvl6pPr marL="2286000" indent="0" algn="ctr" defTabSz="914400" rtl="0" eaLnBrk="1" latinLnBrk="1" hangingPunct="1">
+              <a:lnSpc>
+                <a:spcPct val="90000"/>
+              </a:lnSpc>
+              <a:spcBef>
+                <a:spcPts val="500"/>
+              </a:spcBef>
+              <a:buFont typeface="Arial" panose="020B0604020202020204" pitchFamily="34" charset="0"/>
+              <a:buNone/>
+              <a:defRPr sz="1600" kern="1200">
+                <a:solidFill>
+                  <a:schemeClr val="tx1"/>
+                </a:solidFill>
+                <a:latin typeface="+mn-lt"/>
+                <a:ea typeface="+mn-ea"/>
+                <a:cs typeface="+mn-cs"/>
+              </a:defRPr>
+            </a:lvl6pPr>
+            <a:lvl7pPr marL="2743200" indent="0" algn="ctr" defTabSz="914400" rtl="0" eaLnBrk="1" latinLnBrk="1" hangingPunct="1">
+              <a:lnSpc>
+                <a:spcPct val="90000"/>
+              </a:lnSpc>
+              <a:spcBef>
+                <a:spcPts val="500"/>
+              </a:spcBef>
+              <a:buFont typeface="Arial" panose="020B0604020202020204" pitchFamily="34" charset="0"/>
+              <a:buNone/>
+              <a:defRPr sz="1600" kern="1200">
+                <a:solidFill>
+                  <a:schemeClr val="tx1"/>
+                </a:solidFill>
+                <a:latin typeface="+mn-lt"/>
+                <a:ea typeface="+mn-ea"/>
+                <a:cs typeface="+mn-cs"/>
+              </a:defRPr>
+            </a:lvl7pPr>
+            <a:lvl8pPr marL="3200400" indent="0" algn="ctr" defTabSz="914400" rtl="0" eaLnBrk="1" latinLnBrk="1" hangingPunct="1">
+              <a:lnSpc>
+                <a:spcPct val="90000"/>
+              </a:lnSpc>
+              <a:spcBef>
+                <a:spcPts val="500"/>
+              </a:spcBef>
+              <a:buFont typeface="Arial" panose="020B0604020202020204" pitchFamily="34" charset="0"/>
+              <a:buNone/>
+              <a:defRPr sz="1600" kern="1200">
+                <a:solidFill>
+                  <a:schemeClr val="tx1"/>
+                </a:solidFill>
+                <a:latin typeface="+mn-lt"/>
+                <a:ea typeface="+mn-ea"/>
+                <a:cs typeface="+mn-cs"/>
+              </a:defRPr>
+            </a:lvl8pPr>
+            <a:lvl9pPr marL="3657600" indent="0" algn="ctr" defTabSz="914400" rtl="0" eaLnBrk="1" latinLnBrk="1" hangingPunct="1">
+              <a:lnSpc>
+                <a:spcPct val="90000"/>
+              </a:lnSpc>
+              <a:spcBef>
+                <a:spcPts val="500"/>
+              </a:spcBef>
+              <a:buFont typeface="Arial" panose="020B0604020202020204" pitchFamily="34" charset="0"/>
+              <a:buNone/>
+              <a:defRPr sz="1600" kern="1200">
+                <a:solidFill>
+                  <a:schemeClr val="tx1"/>
+                </a:solidFill>
+                <a:latin typeface="+mn-lt"/>
+                <a:ea typeface="+mn-ea"/>
+                <a:cs typeface="+mn-cs"/>
+              </a:defRPr>
+            </a:lvl9pPr>
+          </a:lstStyle>
+          <a:p>
+            <a:r>
+              <a:rPr kumimoji="1" lang="en-US" altLang="ko-KR" sz="2800" dirty="0">
+                <a:solidFill>
+                  <a:srgbClr val="242529"/>
+                </a:solidFill>
+                <a:latin typeface="Pretendard ExtraLight" panose="02000303000000020004" pitchFamily="2" charset="-127"/>
+                <a:ea typeface="Pretendard ExtraLight" panose="02000303000000020004" pitchFamily="2" charset="-127"/>
+                <a:cs typeface="Pretendard ExtraLight" panose="02000303000000020004" pitchFamily="2" charset="-127"/>
+              </a:rPr>
+              <a:t>Serverless chat app for Tarot telling</a:t>
+            </a:r>
+            <a:endParaRPr kumimoji="1" lang="ko-KR" altLang="en-US" sz="2800" dirty="0">
+              <a:solidFill>
+                <a:srgbClr val="242529"/>
+              </a:solidFill>
+              <a:latin typeface="Pretendard ExtraLight" panose="02000303000000020004" pitchFamily="2" charset="-127"/>
+              <a:ea typeface="Pretendard ExtraLight" panose="02000303000000020004" pitchFamily="2" charset="-127"/>
+              <a:cs typeface="Pretendard ExtraLight" panose="02000303000000020004" pitchFamily="2" charset="-127"/>
+            </a:endParaRPr>
+          </a:p>
+        </p:txBody>
+      </p:sp>
+    </p:spTree>
+    <p:extLst>
+      <p:ext uri="{BB962C8B-B14F-4D97-AF65-F5344CB8AC3E}">
+        <p14:creationId xmlns:p14="http://schemas.microsoft.com/office/powerpoint/2010/main" val="3218612897"/>
+      </p:ext>
+    </p:extLst>
+  </p:cSld>
+  <p:clrMapOvr>
+    <a:masterClrMapping/>
+  </p:clrMapOvr>
+</p:sld>
+</file>
+
+<file path=ppt/slides/slide17.xml><?xml version="1.0" encoding="utf-8"?>
+<p:sld xmlns:a="http://schemas.openxmlformats.org/drawingml/2006/main" xmlns:r="http://schemas.openxmlformats.org/officeDocument/2006/relationships" xmlns:p="http://schemas.openxmlformats.org/presentationml/2006/main">
+  <p:cSld>
+    <p:bg>
+      <p:bgPr>
+        <a:solidFill>
+          <a:srgbClr val="EBE4D4"/>
+        </a:solidFill>
+        <a:effectLst/>
+      </p:bgPr>
+    </p:bg>
+    <p:spTree>
+      <p:nvGrpSpPr>
+        <p:cNvPr id="1" name=""/>
+        <p:cNvGrpSpPr/>
+        <p:nvPr/>
+      </p:nvGrpSpPr>
+      <p:grpSpPr>
+        <a:xfrm>
+          <a:off x="0" y="0"/>
+          <a:ext cx="0" cy="0"/>
+          <a:chOff x="0" y="0"/>
+          <a:chExt cx="0" cy="0"/>
+        </a:xfrm>
+      </p:grpSpPr>
+      <p:sp>
+        <p:nvSpPr>
+          <p:cNvPr id="2" name="제목 1">
+            <a:extLst>
+              <a:ext uri="{FF2B5EF4-FFF2-40B4-BE49-F238E27FC236}">
+                <a16:creationId xmlns:a16="http://schemas.microsoft.com/office/drawing/2014/main" id="{85129C55-FA6B-CE97-8627-AC9C8231BE65}"/>
+              </a:ext>
+            </a:extLst>
+          </p:cNvPr>
+          <p:cNvSpPr>
+            <a:spLocks noGrp="1"/>
+          </p:cNvSpPr>
+          <p:nvPr>
+            <p:ph type="ctrTitle"/>
+          </p:nvPr>
+        </p:nvSpPr>
+        <p:spPr>
+          <a:xfrm>
+            <a:off x="1524000" y="2575230"/>
+            <a:ext cx="9144000" cy="1707540"/>
+          </a:xfrm>
+        </p:spPr>
+        <p:txBody>
+          <a:bodyPr>
+            <a:noAutofit/>
+          </a:bodyPr>
+          <a:lstStyle/>
+          <a:p>
+            <a:r>
+              <a:rPr kumimoji="1" lang="en-US" altLang="ko-KR" sz="12500" b="1" dirty="0">
+                <a:solidFill>
+                  <a:srgbClr val="242529"/>
+                </a:solidFill>
+                <a:latin typeface="Red Rose" pitchFamily="2" charset="0"/>
+              </a:rPr>
+              <a:t>TAROYAKI</a:t>
+            </a:r>
+            <a:r>
+              <a:rPr kumimoji="1" lang="en-US" altLang="ko-KR" sz="12500" dirty="0">
+                <a:solidFill>
+                  <a:srgbClr val="242529"/>
+                </a:solidFill>
+              </a:rPr>
+              <a:t> </a:t>
+            </a:r>
+            <a:endParaRPr kumimoji="1" lang="ko-KR" altLang="en-US" sz="12500" dirty="0">
+              <a:solidFill>
+                <a:srgbClr val="242529"/>
+              </a:solidFill>
+            </a:endParaRPr>
+          </a:p>
+        </p:txBody>
+      </p:sp>
+      <p:sp>
+        <p:nvSpPr>
+          <p:cNvPr id="3" name="부제목 2">
+            <a:extLst>
+              <a:ext uri="{FF2B5EF4-FFF2-40B4-BE49-F238E27FC236}">
+                <a16:creationId xmlns:a16="http://schemas.microsoft.com/office/drawing/2014/main" id="{CBAC183D-DDA8-FC7A-A215-24267CA08DE6}"/>
+              </a:ext>
+            </a:extLst>
+          </p:cNvPr>
+          <p:cNvSpPr>
+            <a:spLocks noGrp="1"/>
+          </p:cNvSpPr>
+          <p:nvPr>
+            <p:ph type="subTitle" idx="1"/>
+          </p:nvPr>
+        </p:nvSpPr>
+        <p:spPr>
+          <a:xfrm>
+            <a:off x="1524000" y="4774792"/>
+            <a:ext cx="9144000" cy="820060"/>
+          </a:xfrm>
+        </p:spPr>
+        <p:txBody>
+          <a:bodyPr>
+            <a:normAutofit/>
+          </a:bodyPr>
+          <a:lstStyle/>
+          <a:p>
+            <a:r>
+              <a:rPr kumimoji="1" lang="en-US" altLang="ko-KR" sz="3600" dirty="0">
+                <a:solidFill>
+                  <a:srgbClr val="242529"/>
+                </a:solidFill>
+                <a:latin typeface="Pretendard" panose="02000503000000020004" pitchFamily="2" charset="-127"/>
+                <a:ea typeface="Pretendard" panose="02000503000000020004" pitchFamily="2" charset="-127"/>
+                <a:cs typeface="Pretendard" panose="02000503000000020004" pitchFamily="2" charset="-127"/>
+              </a:rPr>
+              <a:t>Ep14</a:t>
+            </a:r>
+            <a:endParaRPr kumimoji="1" lang="ko-KR" altLang="en-US" sz="3600" dirty="0">
+              <a:solidFill>
+                <a:srgbClr val="242529"/>
+              </a:solidFill>
+              <a:latin typeface="Pretendard" panose="02000503000000020004" pitchFamily="2" charset="-127"/>
+              <a:ea typeface="Pretendard" panose="02000503000000020004" pitchFamily="2" charset="-127"/>
+              <a:cs typeface="Pretendard" panose="02000503000000020004" pitchFamily="2" charset="-127"/>
+            </a:endParaRPr>
+          </a:p>
+        </p:txBody>
+      </p:sp>
+      <p:sp>
+        <p:nvSpPr>
+          <p:cNvPr id="4" name="부제목 2">
+            <a:extLst>
+              <a:ext uri="{FF2B5EF4-FFF2-40B4-BE49-F238E27FC236}">
+                <a16:creationId xmlns:a16="http://schemas.microsoft.com/office/drawing/2014/main" id="{21F8209E-B29E-D313-7004-E0E0F59BD6E7}"/>
+              </a:ext>
+            </a:extLst>
+          </p:cNvPr>
+          <p:cNvSpPr txBox="1">
+            <a:spLocks/>
+          </p:cNvSpPr>
+          <p:nvPr/>
+        </p:nvSpPr>
+        <p:spPr>
+          <a:xfrm>
+            <a:off x="2911719" y="1793123"/>
+            <a:ext cx="6368561" cy="580170"/>
+          </a:xfrm>
+          <a:prstGeom prst="rect">
+            <a:avLst/>
+          </a:prstGeom>
+        </p:spPr>
+        <p:txBody>
+          <a:bodyPr vert="horz" lIns="91440" tIns="45720" rIns="91440" bIns="45720" rtlCol="0">
+            <a:normAutofit/>
+          </a:bodyPr>
+          <a:lstStyle>
+            <a:lvl1pPr marL="0" indent="0" algn="ctr" defTabSz="914400" rtl="0" eaLnBrk="1" latinLnBrk="1" hangingPunct="1">
+              <a:lnSpc>
+                <a:spcPct val="90000"/>
+              </a:lnSpc>
+              <a:spcBef>
+                <a:spcPts val="1000"/>
+              </a:spcBef>
+              <a:buFont typeface="Arial" panose="020B0604020202020204" pitchFamily="34" charset="0"/>
+              <a:buNone/>
+              <a:defRPr sz="2400" kern="1200">
+                <a:solidFill>
+                  <a:schemeClr val="tx1"/>
+                </a:solidFill>
+                <a:latin typeface="+mn-lt"/>
+                <a:ea typeface="+mn-ea"/>
+                <a:cs typeface="+mn-cs"/>
+              </a:defRPr>
+            </a:lvl1pPr>
+            <a:lvl2pPr marL="457200" indent="0" algn="ctr" defTabSz="914400" rtl="0" eaLnBrk="1" latinLnBrk="1" hangingPunct="1">
+              <a:lnSpc>
+                <a:spcPct val="90000"/>
+              </a:lnSpc>
+              <a:spcBef>
+                <a:spcPts val="500"/>
+              </a:spcBef>
+              <a:buFont typeface="Arial" panose="020B0604020202020204" pitchFamily="34" charset="0"/>
+              <a:buNone/>
+              <a:defRPr sz="2000" kern="1200">
+                <a:solidFill>
+                  <a:schemeClr val="tx1"/>
+                </a:solidFill>
+                <a:latin typeface="+mn-lt"/>
+                <a:ea typeface="+mn-ea"/>
+                <a:cs typeface="+mn-cs"/>
+              </a:defRPr>
+            </a:lvl2pPr>
+            <a:lvl3pPr marL="914400" indent="0" algn="ctr" defTabSz="914400" rtl="0" eaLnBrk="1" latinLnBrk="1" hangingPunct="1">
+              <a:lnSpc>
+                <a:spcPct val="90000"/>
+              </a:lnSpc>
+              <a:spcBef>
+                <a:spcPts val="500"/>
+              </a:spcBef>
+              <a:buFont typeface="Arial" panose="020B0604020202020204" pitchFamily="34" charset="0"/>
+              <a:buNone/>
+              <a:defRPr sz="1800" kern="1200">
+                <a:solidFill>
+                  <a:schemeClr val="tx1"/>
+                </a:solidFill>
+                <a:latin typeface="+mn-lt"/>
+                <a:ea typeface="+mn-ea"/>
+                <a:cs typeface="+mn-cs"/>
+              </a:defRPr>
+            </a:lvl3pPr>
+            <a:lvl4pPr marL="1371600" indent="0" algn="ctr" defTabSz="914400" rtl="0" eaLnBrk="1" latinLnBrk="1" hangingPunct="1">
+              <a:lnSpc>
+                <a:spcPct val="90000"/>
+              </a:lnSpc>
+              <a:spcBef>
+                <a:spcPts val="500"/>
+              </a:spcBef>
+              <a:buFont typeface="Arial" panose="020B0604020202020204" pitchFamily="34" charset="0"/>
+              <a:buNone/>
+              <a:defRPr sz="1600" kern="1200">
+                <a:solidFill>
+                  <a:schemeClr val="tx1"/>
+                </a:solidFill>
+                <a:latin typeface="+mn-lt"/>
+                <a:ea typeface="+mn-ea"/>
+                <a:cs typeface="+mn-cs"/>
+              </a:defRPr>
+            </a:lvl4pPr>
+            <a:lvl5pPr marL="1828800" indent="0" algn="ctr" defTabSz="914400" rtl="0" eaLnBrk="1" latinLnBrk="1" hangingPunct="1">
+              <a:lnSpc>
+                <a:spcPct val="90000"/>
+              </a:lnSpc>
+              <a:spcBef>
+                <a:spcPts val="500"/>
+              </a:spcBef>
+              <a:buFont typeface="Arial" panose="020B0604020202020204" pitchFamily="34" charset="0"/>
+              <a:buNone/>
+              <a:defRPr sz="1600" kern="1200">
+                <a:solidFill>
+                  <a:schemeClr val="tx1"/>
+                </a:solidFill>
+                <a:latin typeface="+mn-lt"/>
+                <a:ea typeface="+mn-ea"/>
+                <a:cs typeface="+mn-cs"/>
+              </a:defRPr>
+            </a:lvl5pPr>
+            <a:lvl6pPr marL="2286000" indent="0" algn="ctr" defTabSz="914400" rtl="0" eaLnBrk="1" latinLnBrk="1" hangingPunct="1">
+              <a:lnSpc>
+                <a:spcPct val="90000"/>
+              </a:lnSpc>
+              <a:spcBef>
+                <a:spcPts val="500"/>
+              </a:spcBef>
+              <a:buFont typeface="Arial" panose="020B0604020202020204" pitchFamily="34" charset="0"/>
+              <a:buNone/>
+              <a:defRPr sz="1600" kern="1200">
+                <a:solidFill>
+                  <a:schemeClr val="tx1"/>
+                </a:solidFill>
+                <a:latin typeface="+mn-lt"/>
+                <a:ea typeface="+mn-ea"/>
+                <a:cs typeface="+mn-cs"/>
+              </a:defRPr>
+            </a:lvl6pPr>
+            <a:lvl7pPr marL="2743200" indent="0" algn="ctr" defTabSz="914400" rtl="0" eaLnBrk="1" latinLnBrk="1" hangingPunct="1">
+              <a:lnSpc>
+                <a:spcPct val="90000"/>
+              </a:lnSpc>
+              <a:spcBef>
+                <a:spcPts val="500"/>
+              </a:spcBef>
+              <a:buFont typeface="Arial" panose="020B0604020202020204" pitchFamily="34" charset="0"/>
+              <a:buNone/>
+              <a:defRPr sz="1600" kern="1200">
+                <a:solidFill>
+                  <a:schemeClr val="tx1"/>
+                </a:solidFill>
+                <a:latin typeface="+mn-lt"/>
+                <a:ea typeface="+mn-ea"/>
+                <a:cs typeface="+mn-cs"/>
+              </a:defRPr>
+            </a:lvl7pPr>
+            <a:lvl8pPr marL="3200400" indent="0" algn="ctr" defTabSz="914400" rtl="0" eaLnBrk="1" latinLnBrk="1" hangingPunct="1">
+              <a:lnSpc>
+                <a:spcPct val="90000"/>
+              </a:lnSpc>
+              <a:spcBef>
+                <a:spcPts val="500"/>
+              </a:spcBef>
+              <a:buFont typeface="Arial" panose="020B0604020202020204" pitchFamily="34" charset="0"/>
+              <a:buNone/>
+              <a:defRPr sz="1600" kern="1200">
+                <a:solidFill>
+                  <a:schemeClr val="tx1"/>
+                </a:solidFill>
+                <a:latin typeface="+mn-lt"/>
+                <a:ea typeface="+mn-ea"/>
+                <a:cs typeface="+mn-cs"/>
+              </a:defRPr>
+            </a:lvl8pPr>
+            <a:lvl9pPr marL="3657600" indent="0" algn="ctr" defTabSz="914400" rtl="0" eaLnBrk="1" latinLnBrk="1" hangingPunct="1">
+              <a:lnSpc>
+                <a:spcPct val="90000"/>
+              </a:lnSpc>
+              <a:spcBef>
+                <a:spcPts val="500"/>
+              </a:spcBef>
+              <a:buFont typeface="Arial" panose="020B0604020202020204" pitchFamily="34" charset="0"/>
+              <a:buNone/>
+              <a:defRPr sz="1600" kern="1200">
+                <a:solidFill>
+                  <a:schemeClr val="tx1"/>
+                </a:solidFill>
+                <a:latin typeface="+mn-lt"/>
+                <a:ea typeface="+mn-ea"/>
+                <a:cs typeface="+mn-cs"/>
+              </a:defRPr>
+            </a:lvl9pPr>
+          </a:lstStyle>
+          <a:p>
+            <a:r>
+              <a:rPr kumimoji="1" lang="en-US" altLang="ko-KR" sz="2800" dirty="0">
+                <a:solidFill>
+                  <a:srgbClr val="242529"/>
+                </a:solidFill>
+                <a:latin typeface="Pretendard ExtraLight" panose="02000303000000020004" pitchFamily="2" charset="-127"/>
+                <a:ea typeface="Pretendard ExtraLight" panose="02000303000000020004" pitchFamily="2" charset="-127"/>
+                <a:cs typeface="Pretendard ExtraLight" panose="02000303000000020004" pitchFamily="2" charset="-127"/>
+              </a:rPr>
+              <a:t>Serverless chat app for Tarot telling</a:t>
+            </a:r>
+            <a:endParaRPr kumimoji="1" lang="ko-KR" altLang="en-US" sz="2800" dirty="0">
+              <a:solidFill>
+                <a:srgbClr val="242529"/>
+              </a:solidFill>
+              <a:latin typeface="Pretendard ExtraLight" panose="02000303000000020004" pitchFamily="2" charset="-127"/>
+              <a:ea typeface="Pretendard ExtraLight" panose="02000303000000020004" pitchFamily="2" charset="-127"/>
+              <a:cs typeface="Pretendard ExtraLight" panose="02000303000000020004" pitchFamily="2" charset="-127"/>
+            </a:endParaRPr>
+          </a:p>
+        </p:txBody>
+      </p:sp>
+    </p:spTree>
+    <p:extLst>
+      <p:ext uri="{BB962C8B-B14F-4D97-AF65-F5344CB8AC3E}">
+        <p14:creationId xmlns:p14="http://schemas.microsoft.com/office/powerpoint/2010/main" val="1823622729"/>
+      </p:ext>
+    </p:extLst>
+  </p:cSld>
+  <p:clrMapOvr>
+    <a:masterClrMapping/>
+  </p:clrMapOvr>
+</p:sld>
+</file>
+
+<file path=ppt/slides/slide18.xml><?xml version="1.0" encoding="utf-8"?>
+<p:sld xmlns:a="http://schemas.openxmlformats.org/drawingml/2006/main" xmlns:r="http://schemas.openxmlformats.org/officeDocument/2006/relationships" xmlns:p="http://schemas.openxmlformats.org/presentationml/2006/main">
+  <p:cSld>
+    <p:bg>
+      <p:bgPr>
+        <a:solidFill>
+          <a:srgbClr val="EBE4D4"/>
+        </a:solidFill>
+        <a:effectLst/>
+      </p:bgPr>
+    </p:bg>
+    <p:spTree>
+      <p:nvGrpSpPr>
+        <p:cNvPr id="1" name=""/>
+        <p:cNvGrpSpPr/>
+        <p:nvPr/>
+      </p:nvGrpSpPr>
+      <p:grpSpPr>
+        <a:xfrm>
+          <a:off x="0" y="0"/>
+          <a:ext cx="0" cy="0"/>
+          <a:chOff x="0" y="0"/>
+          <a:chExt cx="0" cy="0"/>
+        </a:xfrm>
+      </p:grpSpPr>
+      <p:sp>
+        <p:nvSpPr>
+          <p:cNvPr id="2" name="제목 1">
+            <a:extLst>
+              <a:ext uri="{FF2B5EF4-FFF2-40B4-BE49-F238E27FC236}">
+                <a16:creationId xmlns:a16="http://schemas.microsoft.com/office/drawing/2014/main" id="{85129C55-FA6B-CE97-8627-AC9C8231BE65}"/>
+              </a:ext>
+            </a:extLst>
+          </p:cNvPr>
+          <p:cNvSpPr>
+            <a:spLocks noGrp="1"/>
+          </p:cNvSpPr>
+          <p:nvPr>
+            <p:ph type="ctrTitle"/>
+          </p:nvPr>
+        </p:nvSpPr>
+        <p:spPr>
+          <a:xfrm>
+            <a:off x="1524000" y="2575230"/>
+            <a:ext cx="9144000" cy="1707540"/>
+          </a:xfrm>
+        </p:spPr>
+        <p:txBody>
+          <a:bodyPr>
+            <a:noAutofit/>
+          </a:bodyPr>
+          <a:lstStyle/>
+          <a:p>
+            <a:r>
+              <a:rPr kumimoji="1" lang="en-US" altLang="ko-KR" sz="12500" b="1" dirty="0">
+                <a:solidFill>
+                  <a:srgbClr val="242529"/>
+                </a:solidFill>
+                <a:latin typeface="Red Rose" pitchFamily="2" charset="0"/>
+              </a:rPr>
+              <a:t>TAROYAKI</a:t>
+            </a:r>
+            <a:r>
+              <a:rPr kumimoji="1" lang="en-US" altLang="ko-KR" sz="12500" dirty="0">
+                <a:solidFill>
+                  <a:srgbClr val="242529"/>
+                </a:solidFill>
+              </a:rPr>
+              <a:t> </a:t>
+            </a:r>
+            <a:endParaRPr kumimoji="1" lang="ko-KR" altLang="en-US" sz="12500" dirty="0">
+              <a:solidFill>
+                <a:srgbClr val="242529"/>
+              </a:solidFill>
+            </a:endParaRPr>
+          </a:p>
+        </p:txBody>
+      </p:sp>
+      <p:sp>
+        <p:nvSpPr>
+          <p:cNvPr id="3" name="부제목 2">
+            <a:extLst>
+              <a:ext uri="{FF2B5EF4-FFF2-40B4-BE49-F238E27FC236}">
+                <a16:creationId xmlns:a16="http://schemas.microsoft.com/office/drawing/2014/main" id="{CBAC183D-DDA8-FC7A-A215-24267CA08DE6}"/>
+              </a:ext>
+            </a:extLst>
+          </p:cNvPr>
+          <p:cNvSpPr>
+            <a:spLocks noGrp="1"/>
+          </p:cNvSpPr>
+          <p:nvPr>
+            <p:ph type="subTitle" idx="1"/>
+          </p:nvPr>
+        </p:nvSpPr>
+        <p:spPr>
+          <a:xfrm>
+            <a:off x="1524000" y="4774792"/>
+            <a:ext cx="9144000" cy="820060"/>
+          </a:xfrm>
+        </p:spPr>
+        <p:txBody>
+          <a:bodyPr>
+            <a:normAutofit/>
+          </a:bodyPr>
+          <a:lstStyle/>
+          <a:p>
+            <a:r>
+              <a:rPr kumimoji="1" lang="en-US" altLang="ko-KR" sz="3600" dirty="0">
+                <a:solidFill>
+                  <a:srgbClr val="242529"/>
+                </a:solidFill>
+                <a:latin typeface="Pretendard" panose="02000503000000020004" pitchFamily="2" charset="-127"/>
+                <a:ea typeface="Pretendard" panose="02000503000000020004" pitchFamily="2" charset="-127"/>
+                <a:cs typeface="Pretendard" panose="02000503000000020004" pitchFamily="2" charset="-127"/>
+              </a:rPr>
+              <a:t>Ep15</a:t>
+            </a:r>
+            <a:endParaRPr kumimoji="1" lang="ko-KR" altLang="en-US" sz="3600" dirty="0">
+              <a:solidFill>
+                <a:srgbClr val="242529"/>
+              </a:solidFill>
+              <a:latin typeface="Pretendard" panose="02000503000000020004" pitchFamily="2" charset="-127"/>
+              <a:ea typeface="Pretendard" panose="02000503000000020004" pitchFamily="2" charset="-127"/>
+              <a:cs typeface="Pretendard" panose="02000503000000020004" pitchFamily="2" charset="-127"/>
+            </a:endParaRPr>
+          </a:p>
+        </p:txBody>
+      </p:sp>
+      <p:sp>
+        <p:nvSpPr>
+          <p:cNvPr id="4" name="부제목 2">
+            <a:extLst>
+              <a:ext uri="{FF2B5EF4-FFF2-40B4-BE49-F238E27FC236}">
+                <a16:creationId xmlns:a16="http://schemas.microsoft.com/office/drawing/2014/main" id="{21F8209E-B29E-D313-7004-E0E0F59BD6E7}"/>
+              </a:ext>
+            </a:extLst>
+          </p:cNvPr>
+          <p:cNvSpPr txBox="1">
+            <a:spLocks/>
+          </p:cNvSpPr>
+          <p:nvPr/>
+        </p:nvSpPr>
+        <p:spPr>
+          <a:xfrm>
+            <a:off x="2911719" y="1793123"/>
+            <a:ext cx="6368561" cy="580170"/>
+          </a:xfrm>
+          <a:prstGeom prst="rect">
+            <a:avLst/>
+          </a:prstGeom>
+        </p:spPr>
+        <p:txBody>
+          <a:bodyPr vert="horz" lIns="91440" tIns="45720" rIns="91440" bIns="45720" rtlCol="0">
+            <a:normAutofit/>
+          </a:bodyPr>
+          <a:lstStyle>
+            <a:lvl1pPr marL="0" indent="0" algn="ctr" defTabSz="914400" rtl="0" eaLnBrk="1" latinLnBrk="1" hangingPunct="1">
+              <a:lnSpc>
+                <a:spcPct val="90000"/>
+              </a:lnSpc>
+              <a:spcBef>
+                <a:spcPts val="1000"/>
+              </a:spcBef>
+              <a:buFont typeface="Arial" panose="020B0604020202020204" pitchFamily="34" charset="0"/>
+              <a:buNone/>
+              <a:defRPr sz="2400" kern="1200">
+                <a:solidFill>
+                  <a:schemeClr val="tx1"/>
+                </a:solidFill>
+                <a:latin typeface="+mn-lt"/>
+                <a:ea typeface="+mn-ea"/>
+                <a:cs typeface="+mn-cs"/>
+              </a:defRPr>
+            </a:lvl1pPr>
+            <a:lvl2pPr marL="457200" indent="0" algn="ctr" defTabSz="914400" rtl="0" eaLnBrk="1" latinLnBrk="1" hangingPunct="1">
+              <a:lnSpc>
+                <a:spcPct val="90000"/>
+              </a:lnSpc>
+              <a:spcBef>
+                <a:spcPts val="500"/>
+              </a:spcBef>
+              <a:buFont typeface="Arial" panose="020B0604020202020204" pitchFamily="34" charset="0"/>
+              <a:buNone/>
+              <a:defRPr sz="2000" kern="1200">
+                <a:solidFill>
+                  <a:schemeClr val="tx1"/>
+                </a:solidFill>
+                <a:latin typeface="+mn-lt"/>
+                <a:ea typeface="+mn-ea"/>
+                <a:cs typeface="+mn-cs"/>
+              </a:defRPr>
+            </a:lvl2pPr>
+            <a:lvl3pPr marL="914400" indent="0" algn="ctr" defTabSz="914400" rtl="0" eaLnBrk="1" latinLnBrk="1" hangingPunct="1">
+              <a:lnSpc>
+                <a:spcPct val="90000"/>
+              </a:lnSpc>
+              <a:spcBef>
+                <a:spcPts val="500"/>
+              </a:spcBef>
+              <a:buFont typeface="Arial" panose="020B0604020202020204" pitchFamily="34" charset="0"/>
+              <a:buNone/>
+              <a:defRPr sz="1800" kern="1200">
+                <a:solidFill>
+                  <a:schemeClr val="tx1"/>
+                </a:solidFill>
+                <a:latin typeface="+mn-lt"/>
+                <a:ea typeface="+mn-ea"/>
+                <a:cs typeface="+mn-cs"/>
+              </a:defRPr>
+            </a:lvl3pPr>
+            <a:lvl4pPr marL="1371600" indent="0" algn="ctr" defTabSz="914400" rtl="0" eaLnBrk="1" latinLnBrk="1" hangingPunct="1">
+              <a:lnSpc>
+                <a:spcPct val="90000"/>
+              </a:lnSpc>
+              <a:spcBef>
+                <a:spcPts val="500"/>
+              </a:spcBef>
+              <a:buFont typeface="Arial" panose="020B0604020202020204" pitchFamily="34" charset="0"/>
+              <a:buNone/>
+              <a:defRPr sz="1600" kern="1200">
+                <a:solidFill>
+                  <a:schemeClr val="tx1"/>
+                </a:solidFill>
+                <a:latin typeface="+mn-lt"/>
+                <a:ea typeface="+mn-ea"/>
+                <a:cs typeface="+mn-cs"/>
+              </a:defRPr>
+            </a:lvl4pPr>
+            <a:lvl5pPr marL="1828800" indent="0" algn="ctr" defTabSz="914400" rtl="0" eaLnBrk="1" latinLnBrk="1" hangingPunct="1">
+              <a:lnSpc>
+                <a:spcPct val="90000"/>
+              </a:lnSpc>
+              <a:spcBef>
+                <a:spcPts val="500"/>
+              </a:spcBef>
+              <a:buFont typeface="Arial" panose="020B0604020202020204" pitchFamily="34" charset="0"/>
+              <a:buNone/>
+              <a:defRPr sz="1600" kern="1200">
+                <a:solidFill>
+                  <a:schemeClr val="tx1"/>
+                </a:solidFill>
+                <a:latin typeface="+mn-lt"/>
+                <a:ea typeface="+mn-ea"/>
+                <a:cs typeface="+mn-cs"/>
+              </a:defRPr>
+            </a:lvl5pPr>
+            <a:lvl6pPr marL="2286000" indent="0" algn="ctr" defTabSz="914400" rtl="0" eaLnBrk="1" latinLnBrk="1" hangingPunct="1">
+              <a:lnSpc>
+                <a:spcPct val="90000"/>
+              </a:lnSpc>
+              <a:spcBef>
+                <a:spcPts val="500"/>
+              </a:spcBef>
+              <a:buFont typeface="Arial" panose="020B0604020202020204" pitchFamily="34" charset="0"/>
+              <a:buNone/>
+              <a:defRPr sz="1600" kern="1200">
+                <a:solidFill>
+                  <a:schemeClr val="tx1"/>
+                </a:solidFill>
+                <a:latin typeface="+mn-lt"/>
+                <a:ea typeface="+mn-ea"/>
+                <a:cs typeface="+mn-cs"/>
+              </a:defRPr>
+            </a:lvl6pPr>
+            <a:lvl7pPr marL="2743200" indent="0" algn="ctr" defTabSz="914400" rtl="0" eaLnBrk="1" latinLnBrk="1" hangingPunct="1">
+              <a:lnSpc>
+                <a:spcPct val="90000"/>
+              </a:lnSpc>
+              <a:spcBef>
+                <a:spcPts val="500"/>
+              </a:spcBef>
+              <a:buFont typeface="Arial" panose="020B0604020202020204" pitchFamily="34" charset="0"/>
+              <a:buNone/>
+              <a:defRPr sz="1600" kern="1200">
+                <a:solidFill>
+                  <a:schemeClr val="tx1"/>
+                </a:solidFill>
+                <a:latin typeface="+mn-lt"/>
+                <a:ea typeface="+mn-ea"/>
+                <a:cs typeface="+mn-cs"/>
+              </a:defRPr>
+            </a:lvl7pPr>
+            <a:lvl8pPr marL="3200400" indent="0" algn="ctr" defTabSz="914400" rtl="0" eaLnBrk="1" latinLnBrk="1" hangingPunct="1">
+              <a:lnSpc>
+                <a:spcPct val="90000"/>
+              </a:lnSpc>
+              <a:spcBef>
+                <a:spcPts val="500"/>
+              </a:spcBef>
+              <a:buFont typeface="Arial" panose="020B0604020202020204" pitchFamily="34" charset="0"/>
+              <a:buNone/>
+              <a:defRPr sz="1600" kern="1200">
+                <a:solidFill>
+                  <a:schemeClr val="tx1"/>
+                </a:solidFill>
+                <a:latin typeface="+mn-lt"/>
+                <a:ea typeface="+mn-ea"/>
+                <a:cs typeface="+mn-cs"/>
+              </a:defRPr>
+            </a:lvl8pPr>
+            <a:lvl9pPr marL="3657600" indent="0" algn="ctr" defTabSz="914400" rtl="0" eaLnBrk="1" latinLnBrk="1" hangingPunct="1">
+              <a:lnSpc>
+                <a:spcPct val="90000"/>
+              </a:lnSpc>
+              <a:spcBef>
+                <a:spcPts val="500"/>
+              </a:spcBef>
+              <a:buFont typeface="Arial" panose="020B0604020202020204" pitchFamily="34" charset="0"/>
+              <a:buNone/>
+              <a:defRPr sz="1600" kern="1200">
+                <a:solidFill>
+                  <a:schemeClr val="tx1"/>
+                </a:solidFill>
+                <a:latin typeface="+mn-lt"/>
+                <a:ea typeface="+mn-ea"/>
+                <a:cs typeface="+mn-cs"/>
+              </a:defRPr>
+            </a:lvl9pPr>
+          </a:lstStyle>
+          <a:p>
+            <a:r>
+              <a:rPr kumimoji="1" lang="en-US" altLang="ko-KR" sz="2800" dirty="0">
+                <a:solidFill>
+                  <a:srgbClr val="242529"/>
+                </a:solidFill>
+                <a:latin typeface="Pretendard ExtraLight" panose="02000303000000020004" pitchFamily="2" charset="-127"/>
+                <a:ea typeface="Pretendard ExtraLight" panose="02000303000000020004" pitchFamily="2" charset="-127"/>
+                <a:cs typeface="Pretendard ExtraLight" panose="02000303000000020004" pitchFamily="2" charset="-127"/>
+              </a:rPr>
+              <a:t>Serverless chat app for Tarot telling</a:t>
+            </a:r>
+            <a:endParaRPr kumimoji="1" lang="ko-KR" altLang="en-US" sz="2800" dirty="0">
+              <a:solidFill>
+                <a:srgbClr val="242529"/>
+              </a:solidFill>
+              <a:latin typeface="Pretendard ExtraLight" panose="02000303000000020004" pitchFamily="2" charset="-127"/>
+              <a:ea typeface="Pretendard ExtraLight" panose="02000303000000020004" pitchFamily="2" charset="-127"/>
+              <a:cs typeface="Pretendard ExtraLight" panose="02000303000000020004" pitchFamily="2" charset="-127"/>
+            </a:endParaRPr>
+          </a:p>
+        </p:txBody>
+      </p:sp>
+    </p:spTree>
+    <p:extLst>
+      <p:ext uri="{BB962C8B-B14F-4D97-AF65-F5344CB8AC3E}">
+        <p14:creationId xmlns:p14="http://schemas.microsoft.com/office/powerpoint/2010/main" val="3114213931"/>
+      </p:ext>
+    </p:extLst>
+  </p:cSld>
+  <p:clrMapOvr>
+    <a:masterClrMapping/>
+  </p:clrMapOvr>
+</p:sld>
+</file>
+
+<file path=ppt/slides/slide19.xml><?xml version="1.0" encoding="utf-8"?>
+<p:sld xmlns:a="http://schemas.openxmlformats.org/drawingml/2006/main" xmlns:r="http://schemas.openxmlformats.org/officeDocument/2006/relationships" xmlns:p="http://schemas.openxmlformats.org/presentationml/2006/main">
+  <p:cSld>
+    <p:bg>
+      <p:bgPr>
+        <a:solidFill>
+          <a:srgbClr val="EBE4D4"/>
+        </a:solidFill>
+        <a:effectLst/>
+      </p:bgPr>
+    </p:bg>
+    <p:spTree>
+      <p:nvGrpSpPr>
+        <p:cNvPr id="1" name=""/>
+        <p:cNvGrpSpPr/>
+        <p:nvPr/>
+      </p:nvGrpSpPr>
+      <p:grpSpPr>
+        <a:xfrm>
+          <a:off x="0" y="0"/>
+          <a:ext cx="0" cy="0"/>
+          <a:chOff x="0" y="0"/>
+          <a:chExt cx="0" cy="0"/>
+        </a:xfrm>
+      </p:grpSpPr>
+      <p:sp>
+        <p:nvSpPr>
+          <p:cNvPr id="2" name="제목 1">
+            <a:extLst>
+              <a:ext uri="{FF2B5EF4-FFF2-40B4-BE49-F238E27FC236}">
+                <a16:creationId xmlns:a16="http://schemas.microsoft.com/office/drawing/2014/main" id="{85129C55-FA6B-CE97-8627-AC9C8231BE65}"/>
+              </a:ext>
+            </a:extLst>
+          </p:cNvPr>
+          <p:cNvSpPr>
+            <a:spLocks noGrp="1"/>
+          </p:cNvSpPr>
+          <p:nvPr>
+            <p:ph type="ctrTitle"/>
+          </p:nvPr>
+        </p:nvSpPr>
+        <p:spPr>
+          <a:xfrm>
+            <a:off x="1524000" y="2575230"/>
+            <a:ext cx="9144000" cy="1707540"/>
+          </a:xfrm>
+        </p:spPr>
+        <p:txBody>
+          <a:bodyPr>
+            <a:noAutofit/>
+          </a:bodyPr>
+          <a:lstStyle/>
+          <a:p>
+            <a:r>
+              <a:rPr kumimoji="1" lang="en-US" altLang="ko-KR" sz="12500" b="1" dirty="0">
+                <a:solidFill>
+                  <a:srgbClr val="242529"/>
+                </a:solidFill>
+                <a:latin typeface="Red Rose" pitchFamily="2" charset="0"/>
+              </a:rPr>
+              <a:t>TAROYAKI</a:t>
+            </a:r>
+            <a:r>
+              <a:rPr kumimoji="1" lang="en-US" altLang="ko-KR" sz="12500" dirty="0">
+                <a:solidFill>
+                  <a:srgbClr val="242529"/>
+                </a:solidFill>
+              </a:rPr>
+              <a:t> </a:t>
+            </a:r>
+            <a:endParaRPr kumimoji="1" lang="ko-KR" altLang="en-US" sz="12500" dirty="0">
+              <a:solidFill>
+                <a:srgbClr val="242529"/>
+              </a:solidFill>
+            </a:endParaRPr>
+          </a:p>
+        </p:txBody>
+      </p:sp>
+      <p:sp>
+        <p:nvSpPr>
+          <p:cNvPr id="3" name="부제목 2">
+            <a:extLst>
+              <a:ext uri="{FF2B5EF4-FFF2-40B4-BE49-F238E27FC236}">
+                <a16:creationId xmlns:a16="http://schemas.microsoft.com/office/drawing/2014/main" id="{CBAC183D-DDA8-FC7A-A215-24267CA08DE6}"/>
+              </a:ext>
+            </a:extLst>
+          </p:cNvPr>
+          <p:cNvSpPr>
+            <a:spLocks noGrp="1"/>
+          </p:cNvSpPr>
+          <p:nvPr>
+            <p:ph type="subTitle" idx="1"/>
+          </p:nvPr>
+        </p:nvSpPr>
+        <p:spPr>
+          <a:xfrm>
+            <a:off x="1524000" y="4774792"/>
+            <a:ext cx="9144000" cy="820060"/>
+          </a:xfrm>
+        </p:spPr>
+        <p:txBody>
+          <a:bodyPr>
+            <a:normAutofit/>
+          </a:bodyPr>
+          <a:lstStyle/>
+          <a:p>
+            <a:r>
+              <a:rPr kumimoji="1" lang="en-US" altLang="ko-KR" sz="3600" dirty="0">
+                <a:solidFill>
+                  <a:srgbClr val="242529"/>
+                </a:solidFill>
+                <a:latin typeface="Pretendard" panose="02000503000000020004" pitchFamily="2" charset="-127"/>
+                <a:ea typeface="Pretendard" panose="02000503000000020004" pitchFamily="2" charset="-127"/>
+                <a:cs typeface="Pretendard" panose="02000503000000020004" pitchFamily="2" charset="-127"/>
+              </a:rPr>
+              <a:t>Ep16</a:t>
+            </a:r>
+            <a:endParaRPr kumimoji="1" lang="ko-KR" altLang="en-US" sz="3600" dirty="0">
+              <a:solidFill>
+                <a:srgbClr val="242529"/>
+              </a:solidFill>
+              <a:latin typeface="Pretendard" panose="02000503000000020004" pitchFamily="2" charset="-127"/>
+              <a:ea typeface="Pretendard" panose="02000503000000020004" pitchFamily="2" charset="-127"/>
+              <a:cs typeface="Pretendard" panose="02000503000000020004" pitchFamily="2" charset="-127"/>
+            </a:endParaRPr>
+          </a:p>
+        </p:txBody>
+      </p:sp>
+      <p:sp>
+        <p:nvSpPr>
+          <p:cNvPr id="4" name="부제목 2">
+            <a:extLst>
+              <a:ext uri="{FF2B5EF4-FFF2-40B4-BE49-F238E27FC236}">
+                <a16:creationId xmlns:a16="http://schemas.microsoft.com/office/drawing/2014/main" id="{21F8209E-B29E-D313-7004-E0E0F59BD6E7}"/>
+              </a:ext>
+            </a:extLst>
+          </p:cNvPr>
+          <p:cNvSpPr txBox="1">
+            <a:spLocks/>
+          </p:cNvSpPr>
+          <p:nvPr/>
+        </p:nvSpPr>
+        <p:spPr>
+          <a:xfrm>
+            <a:off x="2911719" y="1793123"/>
+            <a:ext cx="6368561" cy="580170"/>
+          </a:xfrm>
+          <a:prstGeom prst="rect">
+            <a:avLst/>
+          </a:prstGeom>
+        </p:spPr>
+        <p:txBody>
+          <a:bodyPr vert="horz" lIns="91440" tIns="45720" rIns="91440" bIns="45720" rtlCol="0">
+            <a:normAutofit/>
+          </a:bodyPr>
+          <a:lstStyle>
+            <a:lvl1pPr marL="0" indent="0" algn="ctr" defTabSz="914400" rtl="0" eaLnBrk="1" latinLnBrk="1" hangingPunct="1">
+              <a:lnSpc>
+                <a:spcPct val="90000"/>
+              </a:lnSpc>
+              <a:spcBef>
+                <a:spcPts val="1000"/>
+              </a:spcBef>
+              <a:buFont typeface="Arial" panose="020B0604020202020204" pitchFamily="34" charset="0"/>
+              <a:buNone/>
+              <a:defRPr sz="2400" kern="1200">
+                <a:solidFill>
+                  <a:schemeClr val="tx1"/>
+                </a:solidFill>
+                <a:latin typeface="+mn-lt"/>
+                <a:ea typeface="+mn-ea"/>
+                <a:cs typeface="+mn-cs"/>
+              </a:defRPr>
+            </a:lvl1pPr>
+            <a:lvl2pPr marL="457200" indent="0" algn="ctr" defTabSz="914400" rtl="0" eaLnBrk="1" latinLnBrk="1" hangingPunct="1">
+              <a:lnSpc>
+                <a:spcPct val="90000"/>
+              </a:lnSpc>
+              <a:spcBef>
+                <a:spcPts val="500"/>
+              </a:spcBef>
+              <a:buFont typeface="Arial" panose="020B0604020202020204" pitchFamily="34" charset="0"/>
+              <a:buNone/>
+              <a:defRPr sz="2000" kern="1200">
+                <a:solidFill>
+                  <a:schemeClr val="tx1"/>
+                </a:solidFill>
+                <a:latin typeface="+mn-lt"/>
+                <a:ea typeface="+mn-ea"/>
+                <a:cs typeface="+mn-cs"/>
+              </a:defRPr>
+            </a:lvl2pPr>
+            <a:lvl3pPr marL="914400" indent="0" algn="ctr" defTabSz="914400" rtl="0" eaLnBrk="1" latinLnBrk="1" hangingPunct="1">
+              <a:lnSpc>
+                <a:spcPct val="90000"/>
+              </a:lnSpc>
+              <a:spcBef>
+                <a:spcPts val="500"/>
+              </a:spcBef>
+              <a:buFont typeface="Arial" panose="020B0604020202020204" pitchFamily="34" charset="0"/>
+              <a:buNone/>
+              <a:defRPr sz="1800" kern="1200">
+                <a:solidFill>
+                  <a:schemeClr val="tx1"/>
+                </a:solidFill>
+                <a:latin typeface="+mn-lt"/>
+                <a:ea typeface="+mn-ea"/>
+                <a:cs typeface="+mn-cs"/>
+              </a:defRPr>
+            </a:lvl3pPr>
+            <a:lvl4pPr marL="1371600" indent="0" algn="ctr" defTabSz="914400" rtl="0" eaLnBrk="1" latinLnBrk="1" hangingPunct="1">
+              <a:lnSpc>
+                <a:spcPct val="90000"/>
+              </a:lnSpc>
+              <a:spcBef>
+                <a:spcPts val="500"/>
+              </a:spcBef>
+              <a:buFont typeface="Arial" panose="020B0604020202020204" pitchFamily="34" charset="0"/>
+              <a:buNone/>
+              <a:defRPr sz="1600" kern="1200">
+                <a:solidFill>
+                  <a:schemeClr val="tx1"/>
+                </a:solidFill>
+                <a:latin typeface="+mn-lt"/>
+                <a:ea typeface="+mn-ea"/>
+                <a:cs typeface="+mn-cs"/>
+              </a:defRPr>
+            </a:lvl4pPr>
+            <a:lvl5pPr marL="1828800" indent="0" algn="ctr" defTabSz="914400" rtl="0" eaLnBrk="1" latinLnBrk="1" hangingPunct="1">
+              <a:lnSpc>
+                <a:spcPct val="90000"/>
+              </a:lnSpc>
+              <a:spcBef>
+                <a:spcPts val="500"/>
+              </a:spcBef>
+              <a:buFont typeface="Arial" panose="020B0604020202020204" pitchFamily="34" charset="0"/>
+              <a:buNone/>
+              <a:defRPr sz="1600" kern="1200">
+                <a:solidFill>
+                  <a:schemeClr val="tx1"/>
+                </a:solidFill>
+                <a:latin typeface="+mn-lt"/>
+                <a:ea typeface="+mn-ea"/>
+                <a:cs typeface="+mn-cs"/>
+              </a:defRPr>
+            </a:lvl5pPr>
+            <a:lvl6pPr marL="2286000" indent="0" algn="ctr" defTabSz="914400" rtl="0" eaLnBrk="1" latinLnBrk="1" hangingPunct="1">
+              <a:lnSpc>
+                <a:spcPct val="90000"/>
+              </a:lnSpc>
+              <a:spcBef>
+                <a:spcPts val="500"/>
+              </a:spcBef>
+              <a:buFont typeface="Arial" panose="020B0604020202020204" pitchFamily="34" charset="0"/>
+              <a:buNone/>
+              <a:defRPr sz="1600" kern="1200">
+                <a:solidFill>
+                  <a:schemeClr val="tx1"/>
+                </a:solidFill>
+                <a:latin typeface="+mn-lt"/>
+                <a:ea typeface="+mn-ea"/>
+                <a:cs typeface="+mn-cs"/>
+              </a:defRPr>
+            </a:lvl6pPr>
+            <a:lvl7pPr marL="2743200" indent="0" algn="ctr" defTabSz="914400" rtl="0" eaLnBrk="1" latinLnBrk="1" hangingPunct="1">
+              <a:lnSpc>
+                <a:spcPct val="90000"/>
+              </a:lnSpc>
+              <a:spcBef>
+                <a:spcPts val="500"/>
+              </a:spcBef>
+              <a:buFont typeface="Arial" panose="020B0604020202020204" pitchFamily="34" charset="0"/>
+              <a:buNone/>
+              <a:defRPr sz="1600" kern="1200">
+                <a:solidFill>
+                  <a:schemeClr val="tx1"/>
+                </a:solidFill>
+                <a:latin typeface="+mn-lt"/>
+                <a:ea typeface="+mn-ea"/>
+                <a:cs typeface="+mn-cs"/>
+              </a:defRPr>
+            </a:lvl7pPr>
+            <a:lvl8pPr marL="3200400" indent="0" algn="ctr" defTabSz="914400" rtl="0" eaLnBrk="1" latinLnBrk="1" hangingPunct="1">
+              <a:lnSpc>
+                <a:spcPct val="90000"/>
+              </a:lnSpc>
+              <a:spcBef>
+                <a:spcPts val="500"/>
+              </a:spcBef>
+              <a:buFont typeface="Arial" panose="020B0604020202020204" pitchFamily="34" charset="0"/>
+              <a:buNone/>
+              <a:defRPr sz="1600" kern="1200">
+                <a:solidFill>
+                  <a:schemeClr val="tx1"/>
+                </a:solidFill>
+                <a:latin typeface="+mn-lt"/>
+                <a:ea typeface="+mn-ea"/>
+                <a:cs typeface="+mn-cs"/>
+              </a:defRPr>
+            </a:lvl8pPr>
+            <a:lvl9pPr marL="3657600" indent="0" algn="ctr" defTabSz="914400" rtl="0" eaLnBrk="1" latinLnBrk="1" hangingPunct="1">
+              <a:lnSpc>
+                <a:spcPct val="90000"/>
+              </a:lnSpc>
+              <a:spcBef>
+                <a:spcPts val="500"/>
+              </a:spcBef>
+              <a:buFont typeface="Arial" panose="020B0604020202020204" pitchFamily="34" charset="0"/>
+              <a:buNone/>
+              <a:defRPr sz="1600" kern="1200">
+                <a:solidFill>
+                  <a:schemeClr val="tx1"/>
+                </a:solidFill>
+                <a:latin typeface="+mn-lt"/>
+                <a:ea typeface="+mn-ea"/>
+                <a:cs typeface="+mn-cs"/>
+              </a:defRPr>
+            </a:lvl9pPr>
+          </a:lstStyle>
+          <a:p>
+            <a:r>
+              <a:rPr kumimoji="1" lang="en-US" altLang="ko-KR" sz="2800" dirty="0">
+                <a:solidFill>
+                  <a:srgbClr val="242529"/>
+                </a:solidFill>
+                <a:latin typeface="Pretendard ExtraLight" panose="02000303000000020004" pitchFamily="2" charset="-127"/>
+                <a:ea typeface="Pretendard ExtraLight" panose="02000303000000020004" pitchFamily="2" charset="-127"/>
+                <a:cs typeface="Pretendard ExtraLight" panose="02000303000000020004" pitchFamily="2" charset="-127"/>
+              </a:rPr>
+              <a:t>Serverless chat app for Tarot telling</a:t>
+            </a:r>
+            <a:endParaRPr kumimoji="1" lang="ko-KR" altLang="en-US" sz="2800" dirty="0">
+              <a:solidFill>
+                <a:srgbClr val="242529"/>
+              </a:solidFill>
+              <a:latin typeface="Pretendard ExtraLight" panose="02000303000000020004" pitchFamily="2" charset="-127"/>
+              <a:ea typeface="Pretendard ExtraLight" panose="02000303000000020004" pitchFamily="2" charset="-127"/>
+              <a:cs typeface="Pretendard ExtraLight" panose="02000303000000020004" pitchFamily="2" charset="-127"/>
+            </a:endParaRPr>
+          </a:p>
+        </p:txBody>
+      </p:sp>
+    </p:spTree>
+    <p:extLst>
+      <p:ext uri="{BB962C8B-B14F-4D97-AF65-F5344CB8AC3E}">
+        <p14:creationId xmlns:p14="http://schemas.microsoft.com/office/powerpoint/2010/main" val="3550608291"/>
+      </p:ext>
+    </p:extLst>
+  </p:cSld>
+  <p:clrMapOvr>
+    <a:masterClrMapping/>
+  </p:clrMapOvr>
+</p:sld>
+</file>
+
 <file path=ppt/slides/slide2.xml><?xml version="1.0" encoding="utf-8"?>
 <p:sld xmlns:a="http://schemas.openxmlformats.org/drawingml/2006/main" xmlns:r="http://schemas.openxmlformats.org/officeDocument/2006/relationships" xmlns:p="http://schemas.openxmlformats.org/presentationml/2006/main">
   <p:cSld>
@@ -5086,6 +7579,361 @@
     <p:extLst>
       <p:ext uri="{BB962C8B-B14F-4D97-AF65-F5344CB8AC3E}">
         <p14:creationId xmlns:p14="http://schemas.microsoft.com/office/powerpoint/2010/main" val="4179487779"/>
+      </p:ext>
+    </p:extLst>
+  </p:cSld>
+  <p:clrMapOvr>
+    <a:masterClrMapping/>
+  </p:clrMapOvr>
+</p:sld>
+</file>
+
+<file path=ppt/slides/slide20.xml><?xml version="1.0" encoding="utf-8"?>
+<p:sld xmlns:a="http://schemas.openxmlformats.org/drawingml/2006/main" xmlns:r="http://schemas.openxmlformats.org/officeDocument/2006/relationships" xmlns:p="http://schemas.openxmlformats.org/presentationml/2006/main">
+  <p:cSld>
+    <p:bg>
+      <p:bgPr>
+        <a:solidFill>
+          <a:srgbClr val="EBE4D4"/>
+        </a:solidFill>
+        <a:effectLst/>
+      </p:bgPr>
+    </p:bg>
+    <p:spTree>
+      <p:nvGrpSpPr>
+        <p:cNvPr id="1" name=""/>
+        <p:cNvGrpSpPr/>
+        <p:nvPr/>
+      </p:nvGrpSpPr>
+      <p:grpSpPr>
+        <a:xfrm>
+          <a:off x="0" y="0"/>
+          <a:ext cx="0" cy="0"/>
+          <a:chOff x="0" y="0"/>
+          <a:chExt cx="0" cy="0"/>
+        </a:xfrm>
+      </p:grpSpPr>
+      <p:sp>
+        <p:nvSpPr>
+          <p:cNvPr id="2" name="제목 1">
+            <a:extLst>
+              <a:ext uri="{FF2B5EF4-FFF2-40B4-BE49-F238E27FC236}">
+                <a16:creationId xmlns:a16="http://schemas.microsoft.com/office/drawing/2014/main" id="{85129C55-FA6B-CE97-8627-AC9C8231BE65}"/>
+              </a:ext>
+            </a:extLst>
+          </p:cNvPr>
+          <p:cNvSpPr>
+            <a:spLocks noGrp="1"/>
+          </p:cNvSpPr>
+          <p:nvPr>
+            <p:ph type="ctrTitle"/>
+          </p:nvPr>
+        </p:nvSpPr>
+        <p:spPr>
+          <a:xfrm>
+            <a:off x="1524000" y="2575230"/>
+            <a:ext cx="9144000" cy="1707540"/>
+          </a:xfrm>
+        </p:spPr>
+        <p:txBody>
+          <a:bodyPr>
+            <a:noAutofit/>
+          </a:bodyPr>
+          <a:lstStyle/>
+          <a:p>
+            <a:r>
+              <a:rPr kumimoji="1" lang="en-US" altLang="ko-KR" sz="12500" b="1" dirty="0">
+                <a:solidFill>
+                  <a:srgbClr val="242529"/>
+                </a:solidFill>
+                <a:latin typeface="Red Rose" pitchFamily="2" charset="0"/>
+              </a:rPr>
+              <a:t>TAROYAKI</a:t>
+            </a:r>
+            <a:r>
+              <a:rPr kumimoji="1" lang="en-US" altLang="ko-KR" sz="12500" dirty="0">
+                <a:solidFill>
+                  <a:srgbClr val="242529"/>
+                </a:solidFill>
+              </a:rPr>
+              <a:t> </a:t>
+            </a:r>
+            <a:endParaRPr kumimoji="1" lang="ko-KR" altLang="en-US" sz="12500" dirty="0">
+              <a:solidFill>
+                <a:srgbClr val="242529"/>
+              </a:solidFill>
+            </a:endParaRPr>
+          </a:p>
+        </p:txBody>
+      </p:sp>
+      <p:sp>
+        <p:nvSpPr>
+          <p:cNvPr id="3" name="부제목 2">
+            <a:extLst>
+              <a:ext uri="{FF2B5EF4-FFF2-40B4-BE49-F238E27FC236}">
+                <a16:creationId xmlns:a16="http://schemas.microsoft.com/office/drawing/2014/main" id="{CBAC183D-DDA8-FC7A-A215-24267CA08DE6}"/>
+              </a:ext>
+            </a:extLst>
+          </p:cNvPr>
+          <p:cNvSpPr>
+            <a:spLocks noGrp="1"/>
+          </p:cNvSpPr>
+          <p:nvPr>
+            <p:ph type="subTitle" idx="1"/>
+          </p:nvPr>
+        </p:nvSpPr>
+        <p:spPr>
+          <a:xfrm>
+            <a:off x="1524000" y="4774792"/>
+            <a:ext cx="9144000" cy="820060"/>
+          </a:xfrm>
+        </p:spPr>
+        <p:txBody>
+          <a:bodyPr>
+            <a:normAutofit/>
+          </a:bodyPr>
+          <a:lstStyle/>
+          <a:p>
+            <a:r>
+              <a:rPr kumimoji="1" lang="en-US" altLang="ko-KR" sz="3600" dirty="0">
+                <a:solidFill>
+                  <a:srgbClr val="242529"/>
+                </a:solidFill>
+                <a:latin typeface="Pretendard" panose="02000503000000020004" pitchFamily="2" charset="-127"/>
+                <a:ea typeface="Pretendard" panose="02000503000000020004" pitchFamily="2" charset="-127"/>
+                <a:cs typeface="Pretendard" panose="02000503000000020004" pitchFamily="2" charset="-127"/>
+              </a:rPr>
+              <a:t>Ep17</a:t>
+            </a:r>
+            <a:endParaRPr kumimoji="1" lang="ko-KR" altLang="en-US" sz="3600" dirty="0">
+              <a:solidFill>
+                <a:srgbClr val="242529"/>
+              </a:solidFill>
+              <a:latin typeface="Pretendard" panose="02000503000000020004" pitchFamily="2" charset="-127"/>
+              <a:ea typeface="Pretendard" panose="02000503000000020004" pitchFamily="2" charset="-127"/>
+              <a:cs typeface="Pretendard" panose="02000503000000020004" pitchFamily="2" charset="-127"/>
+            </a:endParaRPr>
+          </a:p>
+        </p:txBody>
+      </p:sp>
+      <p:sp>
+        <p:nvSpPr>
+          <p:cNvPr id="4" name="부제목 2">
+            <a:extLst>
+              <a:ext uri="{FF2B5EF4-FFF2-40B4-BE49-F238E27FC236}">
+                <a16:creationId xmlns:a16="http://schemas.microsoft.com/office/drawing/2014/main" id="{21F8209E-B29E-D313-7004-E0E0F59BD6E7}"/>
+              </a:ext>
+            </a:extLst>
+          </p:cNvPr>
+          <p:cNvSpPr txBox="1">
+            <a:spLocks/>
+          </p:cNvSpPr>
+          <p:nvPr/>
+        </p:nvSpPr>
+        <p:spPr>
+          <a:xfrm>
+            <a:off x="2911719" y="1793123"/>
+            <a:ext cx="6368561" cy="580170"/>
+          </a:xfrm>
+          <a:prstGeom prst="rect">
+            <a:avLst/>
+          </a:prstGeom>
+        </p:spPr>
+        <p:txBody>
+          <a:bodyPr vert="horz" lIns="91440" tIns="45720" rIns="91440" bIns="45720" rtlCol="0">
+            <a:normAutofit/>
+          </a:bodyPr>
+          <a:lstStyle>
+            <a:lvl1pPr marL="0" indent="0" algn="ctr" defTabSz="914400" rtl="0" eaLnBrk="1" latinLnBrk="1" hangingPunct="1">
+              <a:lnSpc>
+                <a:spcPct val="90000"/>
+              </a:lnSpc>
+              <a:spcBef>
+                <a:spcPts val="1000"/>
+              </a:spcBef>
+              <a:buFont typeface="Arial" panose="020B0604020202020204" pitchFamily="34" charset="0"/>
+              <a:buNone/>
+              <a:defRPr sz="2400" kern="1200">
+                <a:solidFill>
+                  <a:schemeClr val="tx1"/>
+                </a:solidFill>
+                <a:latin typeface="+mn-lt"/>
+                <a:ea typeface="+mn-ea"/>
+                <a:cs typeface="+mn-cs"/>
+              </a:defRPr>
+            </a:lvl1pPr>
+            <a:lvl2pPr marL="457200" indent="0" algn="ctr" defTabSz="914400" rtl="0" eaLnBrk="1" latinLnBrk="1" hangingPunct="1">
+              <a:lnSpc>
+                <a:spcPct val="90000"/>
+              </a:lnSpc>
+              <a:spcBef>
+                <a:spcPts val="500"/>
+              </a:spcBef>
+              <a:buFont typeface="Arial" panose="020B0604020202020204" pitchFamily="34" charset="0"/>
+              <a:buNone/>
+              <a:defRPr sz="2000" kern="1200">
+                <a:solidFill>
+                  <a:schemeClr val="tx1"/>
+                </a:solidFill>
+                <a:latin typeface="+mn-lt"/>
+                <a:ea typeface="+mn-ea"/>
+                <a:cs typeface="+mn-cs"/>
+              </a:defRPr>
+            </a:lvl2pPr>
+            <a:lvl3pPr marL="914400" indent="0" algn="ctr" defTabSz="914400" rtl="0" eaLnBrk="1" latinLnBrk="1" hangingPunct="1">
+              <a:lnSpc>
+                <a:spcPct val="90000"/>
+              </a:lnSpc>
+              <a:spcBef>
+                <a:spcPts val="500"/>
+              </a:spcBef>
+              <a:buFont typeface="Arial" panose="020B0604020202020204" pitchFamily="34" charset="0"/>
+              <a:buNone/>
+              <a:defRPr sz="1800" kern="1200">
+                <a:solidFill>
+                  <a:schemeClr val="tx1"/>
+                </a:solidFill>
+                <a:latin typeface="+mn-lt"/>
+                <a:ea typeface="+mn-ea"/>
+                <a:cs typeface="+mn-cs"/>
+              </a:defRPr>
+            </a:lvl3pPr>
+            <a:lvl4pPr marL="1371600" indent="0" algn="ctr" defTabSz="914400" rtl="0" eaLnBrk="1" latinLnBrk="1" hangingPunct="1">
+              <a:lnSpc>
+                <a:spcPct val="90000"/>
+              </a:lnSpc>
+              <a:spcBef>
+                <a:spcPts val="500"/>
+              </a:spcBef>
+              <a:buFont typeface="Arial" panose="020B0604020202020204" pitchFamily="34" charset="0"/>
+              <a:buNone/>
+              <a:defRPr sz="1600" kern="1200">
+                <a:solidFill>
+                  <a:schemeClr val="tx1"/>
+                </a:solidFill>
+                <a:latin typeface="+mn-lt"/>
+                <a:ea typeface="+mn-ea"/>
+                <a:cs typeface="+mn-cs"/>
+              </a:defRPr>
+            </a:lvl4pPr>
+            <a:lvl5pPr marL="1828800" indent="0" algn="ctr" defTabSz="914400" rtl="0" eaLnBrk="1" latinLnBrk="1" hangingPunct="1">
+              <a:lnSpc>
+                <a:spcPct val="90000"/>
+              </a:lnSpc>
+              <a:spcBef>
+                <a:spcPts val="500"/>
+              </a:spcBef>
+              <a:buFont typeface="Arial" panose="020B0604020202020204" pitchFamily="34" charset="0"/>
+              <a:buNone/>
+              <a:defRPr sz="1600" kern="1200">
+                <a:solidFill>
+                  <a:schemeClr val="tx1"/>
+                </a:solidFill>
+                <a:latin typeface="+mn-lt"/>
+                <a:ea typeface="+mn-ea"/>
+                <a:cs typeface="+mn-cs"/>
+              </a:defRPr>
+            </a:lvl5pPr>
+            <a:lvl6pPr marL="2286000" indent="0" algn="ctr" defTabSz="914400" rtl="0" eaLnBrk="1" latinLnBrk="1" hangingPunct="1">
+              <a:lnSpc>
+                <a:spcPct val="90000"/>
+              </a:lnSpc>
+              <a:spcBef>
+                <a:spcPts val="500"/>
+              </a:spcBef>
+              <a:buFont typeface="Arial" panose="020B0604020202020204" pitchFamily="34" charset="0"/>
+              <a:buNone/>
+              <a:defRPr sz="1600" kern="1200">
+                <a:solidFill>
+                  <a:schemeClr val="tx1"/>
+                </a:solidFill>
+                <a:latin typeface="+mn-lt"/>
+                <a:ea typeface="+mn-ea"/>
+                <a:cs typeface="+mn-cs"/>
+              </a:defRPr>
+            </a:lvl6pPr>
+            <a:lvl7pPr marL="2743200" indent="0" algn="ctr" defTabSz="914400" rtl="0" eaLnBrk="1" latinLnBrk="1" hangingPunct="1">
+              <a:lnSpc>
+                <a:spcPct val="90000"/>
+              </a:lnSpc>
+              <a:spcBef>
+                <a:spcPts val="500"/>
+              </a:spcBef>
+              <a:buFont typeface="Arial" panose="020B0604020202020204" pitchFamily="34" charset="0"/>
+              <a:buNone/>
+              <a:defRPr sz="1600" kern="1200">
+                <a:solidFill>
+                  <a:schemeClr val="tx1"/>
+                </a:solidFill>
+                <a:latin typeface="+mn-lt"/>
+                <a:ea typeface="+mn-ea"/>
+                <a:cs typeface="+mn-cs"/>
+              </a:defRPr>
+            </a:lvl7pPr>
+            <a:lvl8pPr marL="3200400" indent="0" algn="ctr" defTabSz="914400" rtl="0" eaLnBrk="1" latinLnBrk="1" hangingPunct="1">
+              <a:lnSpc>
+                <a:spcPct val="90000"/>
+              </a:lnSpc>
+              <a:spcBef>
+                <a:spcPts val="500"/>
+              </a:spcBef>
+              <a:buFont typeface="Arial" panose="020B0604020202020204" pitchFamily="34" charset="0"/>
+              <a:buNone/>
+              <a:defRPr sz="1600" kern="1200">
+                <a:solidFill>
+                  <a:schemeClr val="tx1"/>
+                </a:solidFill>
+                <a:latin typeface="+mn-lt"/>
+                <a:ea typeface="+mn-ea"/>
+                <a:cs typeface="+mn-cs"/>
+              </a:defRPr>
+            </a:lvl8pPr>
+            <a:lvl9pPr marL="3657600" indent="0" algn="ctr" defTabSz="914400" rtl="0" eaLnBrk="1" latinLnBrk="1" hangingPunct="1">
+              <a:lnSpc>
+                <a:spcPct val="90000"/>
+              </a:lnSpc>
+              <a:spcBef>
+                <a:spcPts val="500"/>
+              </a:spcBef>
+              <a:buFont typeface="Arial" panose="020B0604020202020204" pitchFamily="34" charset="0"/>
+              <a:buNone/>
+              <a:defRPr sz="1600" kern="1200">
+                <a:solidFill>
+                  <a:schemeClr val="tx1"/>
+                </a:solidFill>
+                <a:latin typeface="+mn-lt"/>
+                <a:ea typeface="+mn-ea"/>
+                <a:cs typeface="+mn-cs"/>
+              </a:defRPr>
+            </a:lvl9pPr>
+          </a:lstStyle>
+          <a:p>
+            <a:r>
+              <a:rPr kumimoji="1" lang="en-US" altLang="ko-KR" sz="2800" dirty="0">
+                <a:solidFill>
+                  <a:srgbClr val="242529"/>
+                </a:solidFill>
+                <a:latin typeface="Pretendard ExtraLight" panose="02000303000000020004" pitchFamily="2" charset="-127"/>
+                <a:ea typeface="Pretendard ExtraLight" panose="02000303000000020004" pitchFamily="2" charset="-127"/>
+                <a:cs typeface="Pretendard ExtraLight" panose="02000303000000020004" pitchFamily="2" charset="-127"/>
+              </a:rPr>
+              <a:t>Serverless chat app for Tarot telling</a:t>
+            </a:r>
+            <a:endParaRPr kumimoji="1" lang="ko-KR" altLang="en-US" sz="2800" dirty="0">
+              <a:solidFill>
+                <a:srgbClr val="242529"/>
+              </a:solidFill>
+              <a:latin typeface="Pretendard ExtraLight" panose="02000303000000020004" pitchFamily="2" charset="-127"/>
+              <a:ea typeface="Pretendard ExtraLight" panose="02000303000000020004" pitchFamily="2" charset="-127"/>
+              <a:cs typeface="Pretendard ExtraLight" panose="02000303000000020004" pitchFamily="2" charset="-127"/>
+            </a:endParaRPr>
+          </a:p>
+        </p:txBody>
+      </p:sp>
+    </p:spTree>
+    <p:extLst>
+      <p:ext uri="{BB962C8B-B14F-4D97-AF65-F5344CB8AC3E}">
+        <p14:creationId xmlns:p14="http://schemas.microsoft.com/office/powerpoint/2010/main" val="1587367480"/>
       </p:ext>
     </p:extLst>
   </p:cSld>
